--- a/自製PPT動畫/佇列.pptx
+++ b/自製PPT動畫/佇列.pptx
@@ -7,6 +7,8 @@
   <p:sldIdLst>
     <p:sldId id="256" r:id="rId2"/>
     <p:sldId id="257" r:id="rId3"/>
+    <p:sldId id="258" r:id="rId4"/>
+    <p:sldId id="259" r:id="rId5"/>
   </p:sldIdLst>
   <p:sldSz cx="12192000" cy="6858000"/>
   <p:notesSz cx="6858000" cy="9144000"/>
@@ -105,6 +107,11 @@
       </a:defRPr>
     </a:lvl9pPr>
   </p:defaultTextStyle>
+  <p:extLst>
+    <p:ext uri="{EFAFB233-063F-42B5-8137-9DF3F51BA10A}">
+      <p15:sldGuideLst xmlns:p15="http://schemas.microsoft.com/office/powerpoint/2012/main"/>
+    </p:ext>
+  </p:extLst>
 </p:presentation>
 </file>
 
@@ -255,7 +262,7 @@
           <a:p>
             <a:fld id="{0899B93F-D712-46C5-969C-0C3D9D3C0558}" type="datetimeFigureOut">
               <a:rPr lang="zh-TW" altLang="en-US" smtClean="0"/>
-              <a:t>2021/3/29</a:t>
+              <a:t>2021/3/30</a:t>
             </a:fld>
             <a:endParaRPr lang="zh-TW" altLang="en-US"/>
           </a:p>
@@ -453,7 +460,7 @@
           <a:p>
             <a:fld id="{0899B93F-D712-46C5-969C-0C3D9D3C0558}" type="datetimeFigureOut">
               <a:rPr lang="zh-TW" altLang="en-US" smtClean="0"/>
-              <a:t>2021/3/29</a:t>
+              <a:t>2021/3/30</a:t>
             </a:fld>
             <a:endParaRPr lang="zh-TW" altLang="en-US"/>
           </a:p>
@@ -661,7 +668,7 @@
           <a:p>
             <a:fld id="{0899B93F-D712-46C5-969C-0C3D9D3C0558}" type="datetimeFigureOut">
               <a:rPr lang="zh-TW" altLang="en-US" smtClean="0"/>
-              <a:t>2021/3/29</a:t>
+              <a:t>2021/3/30</a:t>
             </a:fld>
             <a:endParaRPr lang="zh-TW" altLang="en-US"/>
           </a:p>
@@ -859,7 +866,7 @@
           <a:p>
             <a:fld id="{0899B93F-D712-46C5-969C-0C3D9D3C0558}" type="datetimeFigureOut">
               <a:rPr lang="zh-TW" altLang="en-US" smtClean="0"/>
-              <a:t>2021/3/29</a:t>
+              <a:t>2021/3/30</a:t>
             </a:fld>
             <a:endParaRPr lang="zh-TW" altLang="en-US"/>
           </a:p>
@@ -1134,7 +1141,7 @@
           <a:p>
             <a:fld id="{0899B93F-D712-46C5-969C-0C3D9D3C0558}" type="datetimeFigureOut">
               <a:rPr lang="zh-TW" altLang="en-US" smtClean="0"/>
-              <a:t>2021/3/29</a:t>
+              <a:t>2021/3/30</a:t>
             </a:fld>
             <a:endParaRPr lang="zh-TW" altLang="en-US"/>
           </a:p>
@@ -1399,7 +1406,7 @@
           <a:p>
             <a:fld id="{0899B93F-D712-46C5-969C-0C3D9D3C0558}" type="datetimeFigureOut">
               <a:rPr lang="zh-TW" altLang="en-US" smtClean="0"/>
-              <a:t>2021/3/29</a:t>
+              <a:t>2021/3/30</a:t>
             </a:fld>
             <a:endParaRPr lang="zh-TW" altLang="en-US"/>
           </a:p>
@@ -1811,7 +1818,7 @@
           <a:p>
             <a:fld id="{0899B93F-D712-46C5-969C-0C3D9D3C0558}" type="datetimeFigureOut">
               <a:rPr lang="zh-TW" altLang="en-US" smtClean="0"/>
-              <a:t>2021/3/29</a:t>
+              <a:t>2021/3/30</a:t>
             </a:fld>
             <a:endParaRPr lang="zh-TW" altLang="en-US"/>
           </a:p>
@@ -1952,7 +1959,7 @@
           <a:p>
             <a:fld id="{0899B93F-D712-46C5-969C-0C3D9D3C0558}" type="datetimeFigureOut">
               <a:rPr lang="zh-TW" altLang="en-US" smtClean="0"/>
-              <a:t>2021/3/29</a:t>
+              <a:t>2021/3/30</a:t>
             </a:fld>
             <a:endParaRPr lang="zh-TW" altLang="en-US"/>
           </a:p>
@@ -2065,7 +2072,7 @@
           <a:p>
             <a:fld id="{0899B93F-D712-46C5-969C-0C3D9D3C0558}" type="datetimeFigureOut">
               <a:rPr lang="zh-TW" altLang="en-US" smtClean="0"/>
-              <a:t>2021/3/29</a:t>
+              <a:t>2021/3/30</a:t>
             </a:fld>
             <a:endParaRPr lang="zh-TW" altLang="en-US"/>
           </a:p>
@@ -2376,7 +2383,7 @@
           <a:p>
             <a:fld id="{0899B93F-D712-46C5-969C-0C3D9D3C0558}" type="datetimeFigureOut">
               <a:rPr lang="zh-TW" altLang="en-US" smtClean="0"/>
-              <a:t>2021/3/29</a:t>
+              <a:t>2021/3/30</a:t>
             </a:fld>
             <a:endParaRPr lang="zh-TW" altLang="en-US"/>
           </a:p>
@@ -2664,7 +2671,7 @@
           <a:p>
             <a:fld id="{0899B93F-D712-46C5-969C-0C3D9D3C0558}" type="datetimeFigureOut">
               <a:rPr lang="zh-TW" altLang="en-US" smtClean="0"/>
-              <a:t>2021/3/29</a:t>
+              <a:t>2021/3/30</a:t>
             </a:fld>
             <a:endParaRPr lang="zh-TW" altLang="en-US"/>
           </a:p>
@@ -2905,7 +2912,7 @@
           <a:p>
             <a:fld id="{0899B93F-D712-46C5-969C-0C3D9D3C0558}" type="datetimeFigureOut">
               <a:rPr lang="zh-TW" altLang="en-US" smtClean="0"/>
-              <a:t>2021/3/29</a:t>
+              <a:t>2021/3/30</a:t>
             </a:fld>
             <a:endParaRPr lang="zh-TW" altLang="en-US"/>
           </a:p>
@@ -4091,7 +4098,7 @@
               <a:rPr lang="en-US" altLang="zh-TW" sz="3200" dirty="0" err="1">
                 <a:latin typeface="Consolas" panose="020B0609020204030204" pitchFamily="49" charset="0"/>
               </a:rPr>
-              <a:t>Push</a:t>
+              <a:t>push</a:t>
             </a:r>
             <a:r>
               <a:rPr lang="en-US" altLang="zh-TW" sz="3200" dirty="0">
@@ -4375,6 +4382,334 @@
           </a:p>
         </p:txBody>
       </p:sp>
+      <p:sp>
+        <p:nvSpPr>
+          <p:cNvPr id="21" name="文字方塊 20">
+            <a:extLst>
+              <a:ext uri="{FF2B5EF4-FFF2-40B4-BE49-F238E27FC236}">
+                <a16:creationId xmlns:a16="http://schemas.microsoft.com/office/drawing/2014/main" id="{667D066D-56A0-47A6-91EA-4ABF80A9AD17}"/>
+              </a:ext>
+            </a:extLst>
+          </p:cNvPr>
+          <p:cNvSpPr txBox="1"/>
+          <p:nvPr/>
+        </p:nvSpPr>
+        <p:spPr>
+          <a:xfrm>
+            <a:off x="7552660" y="4694281"/>
+            <a:ext cx="467979" cy="584775"/>
+          </a:xfrm>
+          <a:prstGeom prst="rect">
+            <a:avLst/>
+          </a:prstGeom>
+          <a:noFill/>
+        </p:spPr>
+        <p:txBody>
+          <a:bodyPr wrap="square">
+            <a:spAutoFit/>
+          </a:bodyPr>
+          <a:lstStyle/>
+          <a:p>
+            <a:r>
+              <a:rPr lang="en-US" altLang="zh-TW" sz="3200" dirty="0">
+                <a:solidFill>
+                  <a:srgbClr val="FF33CC"/>
+                </a:solidFill>
+                <a:latin typeface="Consolas" panose="020B0609020204030204" pitchFamily="49" charset="0"/>
+              </a:rPr>
+              <a:t>4</a:t>
+            </a:r>
+            <a:endParaRPr lang="zh-TW" altLang="en-US" sz="3200" dirty="0"/>
+          </a:p>
+        </p:txBody>
+      </p:sp>
+      <p:sp>
+        <p:nvSpPr>
+          <p:cNvPr id="23" name="文字方塊 22">
+            <a:extLst>
+              <a:ext uri="{FF2B5EF4-FFF2-40B4-BE49-F238E27FC236}">
+                <a16:creationId xmlns:a16="http://schemas.microsoft.com/office/drawing/2014/main" id="{8E948A9C-2C83-4B23-B310-C5B3679200B7}"/>
+              </a:ext>
+            </a:extLst>
+          </p:cNvPr>
+          <p:cNvSpPr txBox="1"/>
+          <p:nvPr/>
+        </p:nvSpPr>
+        <p:spPr>
+          <a:xfrm>
+            <a:off x="7552660" y="4694281"/>
+            <a:ext cx="467979" cy="584775"/>
+          </a:xfrm>
+          <a:prstGeom prst="rect">
+            <a:avLst/>
+          </a:prstGeom>
+          <a:noFill/>
+        </p:spPr>
+        <p:txBody>
+          <a:bodyPr wrap="square">
+            <a:spAutoFit/>
+          </a:bodyPr>
+          <a:lstStyle/>
+          <a:p>
+            <a:r>
+              <a:rPr lang="en-US" altLang="zh-TW" sz="3200" dirty="0">
+                <a:solidFill>
+                  <a:srgbClr val="FF33CC"/>
+                </a:solidFill>
+                <a:latin typeface="Consolas" panose="020B0609020204030204" pitchFamily="49" charset="0"/>
+              </a:rPr>
+              <a:t>5</a:t>
+            </a:r>
+            <a:endParaRPr lang="zh-TW" altLang="en-US" sz="3200" dirty="0"/>
+          </a:p>
+        </p:txBody>
+      </p:sp>
+      <p:sp>
+        <p:nvSpPr>
+          <p:cNvPr id="24" name="文字方塊 23">
+            <a:extLst>
+              <a:ext uri="{FF2B5EF4-FFF2-40B4-BE49-F238E27FC236}">
+                <a16:creationId xmlns:a16="http://schemas.microsoft.com/office/drawing/2014/main" id="{4F03FF21-B515-4644-AB1E-0775DBFB59F6}"/>
+              </a:ext>
+            </a:extLst>
+          </p:cNvPr>
+          <p:cNvSpPr txBox="1"/>
+          <p:nvPr/>
+        </p:nvSpPr>
+        <p:spPr>
+          <a:xfrm>
+            <a:off x="6001729" y="3198167"/>
+            <a:ext cx="462553" cy="461665"/>
+          </a:xfrm>
+          <a:prstGeom prst="rect">
+            <a:avLst/>
+          </a:prstGeom>
+          <a:noFill/>
+        </p:spPr>
+        <p:txBody>
+          <a:bodyPr wrap="square">
+            <a:spAutoFit/>
+          </a:bodyPr>
+          <a:lstStyle/>
+          <a:p>
+            <a:r>
+              <a:rPr lang="en-US" altLang="zh-TW" sz="2400" dirty="0">
+                <a:solidFill>
+                  <a:srgbClr val="FF33CC"/>
+                </a:solidFill>
+                <a:latin typeface="Consolas" panose="020B0609020204030204" pitchFamily="49" charset="0"/>
+              </a:rPr>
+              <a:t>4</a:t>
+            </a:r>
+            <a:endParaRPr lang="zh-TW" altLang="en-US" sz="2400" dirty="0"/>
+          </a:p>
+        </p:txBody>
+      </p:sp>
+      <p:sp>
+        <p:nvSpPr>
+          <p:cNvPr id="30" name="文字方塊 29">
+            <a:extLst>
+              <a:ext uri="{FF2B5EF4-FFF2-40B4-BE49-F238E27FC236}">
+                <a16:creationId xmlns:a16="http://schemas.microsoft.com/office/drawing/2014/main" id="{793FBE59-5FC1-4D67-B038-B1FD0AA6861A}"/>
+              </a:ext>
+            </a:extLst>
+          </p:cNvPr>
+          <p:cNvSpPr txBox="1"/>
+          <p:nvPr/>
+        </p:nvSpPr>
+        <p:spPr>
+          <a:xfrm>
+            <a:off x="7552660" y="4694280"/>
+            <a:ext cx="467979" cy="584775"/>
+          </a:xfrm>
+          <a:prstGeom prst="rect">
+            <a:avLst/>
+          </a:prstGeom>
+          <a:noFill/>
+        </p:spPr>
+        <p:txBody>
+          <a:bodyPr wrap="square">
+            <a:spAutoFit/>
+          </a:bodyPr>
+          <a:lstStyle/>
+          <a:p>
+            <a:r>
+              <a:rPr lang="en-US" altLang="zh-TW" sz="3200" dirty="0">
+                <a:solidFill>
+                  <a:srgbClr val="FF33CC"/>
+                </a:solidFill>
+                <a:latin typeface="Consolas" panose="020B0609020204030204" pitchFamily="49" charset="0"/>
+              </a:rPr>
+              <a:t>6</a:t>
+            </a:r>
+            <a:endParaRPr lang="zh-TW" altLang="en-US" sz="3200" dirty="0"/>
+          </a:p>
+        </p:txBody>
+      </p:sp>
+      <p:sp>
+        <p:nvSpPr>
+          <p:cNvPr id="31" name="文字方塊 30">
+            <a:extLst>
+              <a:ext uri="{FF2B5EF4-FFF2-40B4-BE49-F238E27FC236}">
+                <a16:creationId xmlns:a16="http://schemas.microsoft.com/office/drawing/2014/main" id="{30610605-EB19-4949-AB29-77CE9B0A6A22}"/>
+              </a:ext>
+            </a:extLst>
+          </p:cNvPr>
+          <p:cNvSpPr txBox="1"/>
+          <p:nvPr/>
+        </p:nvSpPr>
+        <p:spPr>
+          <a:xfrm>
+            <a:off x="6920545" y="3198167"/>
+            <a:ext cx="462553" cy="461665"/>
+          </a:xfrm>
+          <a:prstGeom prst="rect">
+            <a:avLst/>
+          </a:prstGeom>
+          <a:noFill/>
+        </p:spPr>
+        <p:txBody>
+          <a:bodyPr wrap="square">
+            <a:spAutoFit/>
+          </a:bodyPr>
+          <a:lstStyle/>
+          <a:p>
+            <a:r>
+              <a:rPr lang="en-US" altLang="zh-TW" sz="2400" dirty="0">
+                <a:solidFill>
+                  <a:srgbClr val="FF33CC"/>
+                </a:solidFill>
+                <a:latin typeface="Consolas" panose="020B0609020204030204" pitchFamily="49" charset="0"/>
+              </a:rPr>
+              <a:t>5</a:t>
+            </a:r>
+            <a:endParaRPr lang="zh-TW" altLang="en-US" sz="2400" dirty="0"/>
+          </a:p>
+        </p:txBody>
+      </p:sp>
+      <p:sp>
+        <p:nvSpPr>
+          <p:cNvPr id="32" name="文字方塊 31">
+            <a:extLst>
+              <a:ext uri="{FF2B5EF4-FFF2-40B4-BE49-F238E27FC236}">
+                <a16:creationId xmlns:a16="http://schemas.microsoft.com/office/drawing/2014/main" id="{8C42ED64-5BC0-43C1-8AAC-7A900F7336EE}"/>
+              </a:ext>
+            </a:extLst>
+          </p:cNvPr>
+          <p:cNvSpPr txBox="1"/>
+          <p:nvPr/>
+        </p:nvSpPr>
+        <p:spPr>
+          <a:xfrm>
+            <a:off x="7552660" y="4694280"/>
+            <a:ext cx="467979" cy="584775"/>
+          </a:xfrm>
+          <a:prstGeom prst="rect">
+            <a:avLst/>
+          </a:prstGeom>
+          <a:noFill/>
+        </p:spPr>
+        <p:txBody>
+          <a:bodyPr wrap="square">
+            <a:spAutoFit/>
+          </a:bodyPr>
+          <a:lstStyle/>
+          <a:p>
+            <a:r>
+              <a:rPr lang="en-US" altLang="zh-TW" sz="3200" dirty="0">
+                <a:solidFill>
+                  <a:srgbClr val="FF33CC"/>
+                </a:solidFill>
+                <a:latin typeface="Consolas" panose="020B0609020204030204" pitchFamily="49" charset="0"/>
+              </a:rPr>
+              <a:t>7</a:t>
+            </a:r>
+            <a:endParaRPr lang="zh-TW" altLang="en-US" sz="3200" dirty="0"/>
+          </a:p>
+        </p:txBody>
+      </p:sp>
+      <p:sp>
+        <p:nvSpPr>
+          <p:cNvPr id="33" name="文字方塊 32">
+            <a:extLst>
+              <a:ext uri="{FF2B5EF4-FFF2-40B4-BE49-F238E27FC236}">
+                <a16:creationId xmlns:a16="http://schemas.microsoft.com/office/drawing/2014/main" id="{934AFA6E-CD54-4CBB-9C9E-B112C7D54B3F}"/>
+              </a:ext>
+            </a:extLst>
+          </p:cNvPr>
+          <p:cNvSpPr txBox="1"/>
+          <p:nvPr/>
+        </p:nvSpPr>
+        <p:spPr>
+          <a:xfrm>
+            <a:off x="7839361" y="3198167"/>
+            <a:ext cx="462553" cy="461665"/>
+          </a:xfrm>
+          <a:prstGeom prst="rect">
+            <a:avLst/>
+          </a:prstGeom>
+          <a:noFill/>
+        </p:spPr>
+        <p:txBody>
+          <a:bodyPr wrap="square">
+            <a:spAutoFit/>
+          </a:bodyPr>
+          <a:lstStyle/>
+          <a:p>
+            <a:r>
+              <a:rPr lang="en-US" altLang="zh-TW" sz="2400" dirty="0">
+                <a:solidFill>
+                  <a:srgbClr val="FF33CC"/>
+                </a:solidFill>
+                <a:latin typeface="Consolas" panose="020B0609020204030204" pitchFamily="49" charset="0"/>
+              </a:rPr>
+              <a:t>6</a:t>
+            </a:r>
+            <a:endParaRPr lang="zh-TW" altLang="en-US" sz="2400" dirty="0"/>
+          </a:p>
+        </p:txBody>
+      </p:sp>
+      <p:sp>
+        <p:nvSpPr>
+          <p:cNvPr id="34" name="文字方塊 33">
+            <a:extLst>
+              <a:ext uri="{FF2B5EF4-FFF2-40B4-BE49-F238E27FC236}">
+                <a16:creationId xmlns:a16="http://schemas.microsoft.com/office/drawing/2014/main" id="{50105A26-41F7-45F9-A5AA-EAC7D51C68D7}"/>
+              </a:ext>
+            </a:extLst>
+          </p:cNvPr>
+          <p:cNvSpPr txBox="1"/>
+          <p:nvPr/>
+        </p:nvSpPr>
+        <p:spPr>
+          <a:xfrm>
+            <a:off x="8736223" y="3198167"/>
+            <a:ext cx="462553" cy="461665"/>
+          </a:xfrm>
+          <a:prstGeom prst="rect">
+            <a:avLst/>
+          </a:prstGeom>
+          <a:noFill/>
+        </p:spPr>
+        <p:txBody>
+          <a:bodyPr wrap="square">
+            <a:spAutoFit/>
+          </a:bodyPr>
+          <a:lstStyle/>
+          <a:p>
+            <a:r>
+              <a:rPr lang="en-US" altLang="zh-TW" sz="2400" dirty="0">
+                <a:solidFill>
+                  <a:srgbClr val="FF33CC"/>
+                </a:solidFill>
+                <a:latin typeface="Consolas" panose="020B0609020204030204" pitchFamily="49" charset="0"/>
+              </a:rPr>
+              <a:t>7</a:t>
+            </a:r>
+            <a:endParaRPr lang="zh-TW" altLang="en-US" sz="2400" dirty="0"/>
+          </a:p>
+        </p:txBody>
+      </p:sp>
     </p:spTree>
     <p:extLst>
       <p:ext uri="{BB962C8B-B14F-4D97-AF65-F5344CB8AC3E}">
@@ -4385,13 +4720,13 @@
   <p:clrMapOvr>
     <a:masterClrMapping/>
   </p:clrMapOvr>
-  <mc:AlternateContent xmlns:mc="http://schemas.openxmlformats.org/markup-compatibility/2006">
-    <mc:Choice xmlns:p159="http://schemas.microsoft.com/office/powerpoint/2015/09/main" Requires="p159">
+  <mc:AlternateContent xmlns:mc="http://schemas.openxmlformats.org/markup-compatibility/2006" xmlns:p159="http://schemas.microsoft.com/office/powerpoint/2015/09/main">
+    <mc:Choice Requires="p159">
       <p:transition xmlns:p14="http://schemas.microsoft.com/office/powerpoint/2010/main" spd="slow" p14:dur="2000">
         <p159:morph option="byObject"/>
       </p:transition>
     </mc:Choice>
-    <mc:Fallback>
+    <mc:Fallback xmlns="">
       <p:transition spd="slow">
         <p:fade/>
       </p:transition>
@@ -4849,6 +5184,665 @@
                             </p:childTnLst>
                           </p:cTn>
                         </p:par>
+                        <p:par>
+                          <p:cTn id="43" fill="hold">
+                            <p:stCondLst>
+                              <p:cond delay="6200"/>
+                            </p:stCondLst>
+                            <p:childTnLst>
+                              <p:par>
+                                <p:cTn id="44" presetID="10" presetClass="exit" presetSubtype="0" fill="hold" grpId="1" nodeType="afterEffect">
+                                  <p:stCondLst>
+                                    <p:cond delay="0"/>
+                                  </p:stCondLst>
+                                  <p:childTnLst>
+                                    <p:animEffect transition="out" filter="fade">
+                                      <p:cBhvr>
+                                        <p:cTn id="45" dur="500"/>
+                                        <p:tgtEl>
+                                          <p:spTgt spid="28"/>
+                                        </p:tgtEl>
+                                      </p:cBhvr>
+                                    </p:animEffect>
+                                    <p:set>
+                                      <p:cBhvr>
+                                        <p:cTn id="46" dur="1" fill="hold">
+                                          <p:stCondLst>
+                                            <p:cond delay="499"/>
+                                          </p:stCondLst>
+                                        </p:cTn>
+                                        <p:tgtEl>
+                                          <p:spTgt spid="28"/>
+                                        </p:tgtEl>
+                                        <p:attrNameLst>
+                                          <p:attrName>style.visibility</p:attrName>
+                                        </p:attrNameLst>
+                                      </p:cBhvr>
+                                      <p:to>
+                                        <p:strVal val="hidden"/>
+                                      </p:to>
+                                    </p:set>
+                                  </p:childTnLst>
+                                </p:cTn>
+                              </p:par>
+                              <p:par>
+                                <p:cTn id="47" presetID="10" presetClass="entr" presetSubtype="0" fill="hold" grpId="0" nodeType="withEffect">
+                                  <p:stCondLst>
+                                    <p:cond delay="0"/>
+                                  </p:stCondLst>
+                                  <p:childTnLst>
+                                    <p:set>
+                                      <p:cBhvr>
+                                        <p:cTn id="48" dur="1" fill="hold">
+                                          <p:stCondLst>
+                                            <p:cond delay="0"/>
+                                          </p:stCondLst>
+                                        </p:cTn>
+                                        <p:tgtEl>
+                                          <p:spTgt spid="21"/>
+                                        </p:tgtEl>
+                                        <p:attrNameLst>
+                                          <p:attrName>style.visibility</p:attrName>
+                                        </p:attrNameLst>
+                                      </p:cBhvr>
+                                      <p:to>
+                                        <p:strVal val="visible"/>
+                                      </p:to>
+                                    </p:set>
+                                    <p:animEffect transition="in" filter="fade">
+                                      <p:cBhvr>
+                                        <p:cTn id="49" dur="500"/>
+                                        <p:tgtEl>
+                                          <p:spTgt spid="21"/>
+                                        </p:tgtEl>
+                                      </p:cBhvr>
+                                    </p:animEffect>
+                                  </p:childTnLst>
+                                </p:cTn>
+                              </p:par>
+                              <p:par>
+                                <p:cTn id="50" presetID="42" presetClass="path" presetSubtype="0" accel="50000" decel="50000" fill="hold" grpId="0" nodeType="withEffect">
+                                  <p:stCondLst>
+                                    <p:cond delay="300"/>
+                                  </p:stCondLst>
+                                  <p:childTnLst>
+                                    <p:animMotion origin="layout" path="M -0.00222 -0.00023 L -0.84883 -0.00023 " pathEditMode="relative" rAng="0" ptsTypes="AA">
+                                      <p:cBhvr>
+                                        <p:cTn id="51" dur="1400" fill="hold"/>
+                                        <p:tgtEl>
+                                          <p:spTgt spid="13"/>
+                                        </p:tgtEl>
+                                        <p:attrNameLst>
+                                          <p:attrName>ppt_x</p:attrName>
+                                          <p:attrName>ppt_y</p:attrName>
+                                        </p:attrNameLst>
+                                      </p:cBhvr>
+                                      <p:rCtr x="-42331" y="0"/>
+                                    </p:animMotion>
+                                  </p:childTnLst>
+                                </p:cTn>
+                              </p:par>
+                            </p:childTnLst>
+                          </p:cTn>
+                        </p:par>
+                        <p:par>
+                          <p:cTn id="52" fill="hold">
+                            <p:stCondLst>
+                              <p:cond delay="7900"/>
+                            </p:stCondLst>
+                            <p:childTnLst>
+                              <p:par>
+                                <p:cTn id="53" presetID="10" presetClass="entr" presetSubtype="0" fill="hold" grpId="0" nodeType="afterEffect">
+                                  <p:stCondLst>
+                                    <p:cond delay="0"/>
+                                  </p:stCondLst>
+                                  <p:childTnLst>
+                                    <p:set>
+                                      <p:cBhvr>
+                                        <p:cTn id="54" dur="1" fill="hold">
+                                          <p:stCondLst>
+                                            <p:cond delay="0"/>
+                                          </p:stCondLst>
+                                        </p:cTn>
+                                        <p:tgtEl>
+                                          <p:spTgt spid="24"/>
+                                        </p:tgtEl>
+                                        <p:attrNameLst>
+                                          <p:attrName>style.visibility</p:attrName>
+                                        </p:attrNameLst>
+                                      </p:cBhvr>
+                                      <p:to>
+                                        <p:strVal val="visible"/>
+                                      </p:to>
+                                    </p:set>
+                                    <p:animEffect transition="in" filter="fade">
+                                      <p:cBhvr>
+                                        <p:cTn id="55" dur="500"/>
+                                        <p:tgtEl>
+                                          <p:spTgt spid="24"/>
+                                        </p:tgtEl>
+                                      </p:cBhvr>
+                                    </p:animEffect>
+                                  </p:childTnLst>
+                                </p:cTn>
+                              </p:par>
+                            </p:childTnLst>
+                          </p:cTn>
+                        </p:par>
+                        <p:par>
+                          <p:cTn id="56" fill="hold">
+                            <p:stCondLst>
+                              <p:cond delay="8400"/>
+                            </p:stCondLst>
+                            <p:childTnLst>
+                              <p:par>
+                                <p:cTn id="57" presetID="10" presetClass="exit" presetSubtype="0" fill="hold" grpId="1" nodeType="afterEffect">
+                                  <p:stCondLst>
+                                    <p:cond delay="0"/>
+                                  </p:stCondLst>
+                                  <p:childTnLst>
+                                    <p:animEffect transition="out" filter="fade">
+                                      <p:cBhvr>
+                                        <p:cTn id="58" dur="500"/>
+                                        <p:tgtEl>
+                                          <p:spTgt spid="21"/>
+                                        </p:tgtEl>
+                                      </p:cBhvr>
+                                    </p:animEffect>
+                                    <p:set>
+                                      <p:cBhvr>
+                                        <p:cTn id="59" dur="1" fill="hold">
+                                          <p:stCondLst>
+                                            <p:cond delay="499"/>
+                                          </p:stCondLst>
+                                        </p:cTn>
+                                        <p:tgtEl>
+                                          <p:spTgt spid="21"/>
+                                        </p:tgtEl>
+                                        <p:attrNameLst>
+                                          <p:attrName>style.visibility</p:attrName>
+                                        </p:attrNameLst>
+                                      </p:cBhvr>
+                                      <p:to>
+                                        <p:strVal val="hidden"/>
+                                      </p:to>
+                                    </p:set>
+                                  </p:childTnLst>
+                                </p:cTn>
+                              </p:par>
+                              <p:par>
+                                <p:cTn id="60" presetID="10" presetClass="entr" presetSubtype="0" fill="hold" grpId="0" nodeType="withEffect">
+                                  <p:stCondLst>
+                                    <p:cond delay="0"/>
+                                  </p:stCondLst>
+                                  <p:childTnLst>
+                                    <p:set>
+                                      <p:cBhvr>
+                                        <p:cTn id="61" dur="1" fill="hold">
+                                          <p:stCondLst>
+                                            <p:cond delay="0"/>
+                                          </p:stCondLst>
+                                        </p:cTn>
+                                        <p:tgtEl>
+                                          <p:spTgt spid="23"/>
+                                        </p:tgtEl>
+                                        <p:attrNameLst>
+                                          <p:attrName>style.visibility</p:attrName>
+                                        </p:attrNameLst>
+                                      </p:cBhvr>
+                                      <p:to>
+                                        <p:strVal val="visible"/>
+                                      </p:to>
+                                    </p:set>
+                                    <p:animEffect transition="in" filter="fade">
+                                      <p:cBhvr>
+                                        <p:cTn id="62" dur="500"/>
+                                        <p:tgtEl>
+                                          <p:spTgt spid="23"/>
+                                        </p:tgtEl>
+                                      </p:cBhvr>
+                                    </p:animEffect>
+                                  </p:childTnLst>
+                                </p:cTn>
+                              </p:par>
+                              <p:par>
+                                <p:cTn id="63" presetID="42" presetClass="path" presetSubtype="0" accel="50000" decel="50000" fill="hold" grpId="0" nodeType="withEffect">
+                                  <p:stCondLst>
+                                    <p:cond delay="300"/>
+                                  </p:stCondLst>
+                                  <p:childTnLst>
+                                    <p:animMotion origin="layout" path="M -8.33333E-7 0 L -0.84961 0.00162 " pathEditMode="relative" rAng="0" ptsTypes="AA">
+                                      <p:cBhvr>
+                                        <p:cTn id="64" dur="1400" fill="hold"/>
+                                        <p:tgtEl>
+                                          <p:spTgt spid="14"/>
+                                        </p:tgtEl>
+                                        <p:attrNameLst>
+                                          <p:attrName>ppt_x</p:attrName>
+                                          <p:attrName>ppt_y</p:attrName>
+                                        </p:attrNameLst>
+                                      </p:cBhvr>
+                                      <p:rCtr x="-42487" y="69"/>
+                                    </p:animMotion>
+                                  </p:childTnLst>
+                                </p:cTn>
+                              </p:par>
+                            </p:childTnLst>
+                          </p:cTn>
+                        </p:par>
+                        <p:par>
+                          <p:cTn id="65" fill="hold">
+                            <p:stCondLst>
+                              <p:cond delay="10100"/>
+                            </p:stCondLst>
+                            <p:childTnLst>
+                              <p:par>
+                                <p:cTn id="66" presetID="10" presetClass="entr" presetSubtype="0" fill="hold" grpId="0" nodeType="afterEffect">
+                                  <p:stCondLst>
+                                    <p:cond delay="0"/>
+                                  </p:stCondLst>
+                                  <p:childTnLst>
+                                    <p:set>
+                                      <p:cBhvr>
+                                        <p:cTn id="67" dur="1" fill="hold">
+                                          <p:stCondLst>
+                                            <p:cond delay="0"/>
+                                          </p:stCondLst>
+                                        </p:cTn>
+                                        <p:tgtEl>
+                                          <p:spTgt spid="31"/>
+                                        </p:tgtEl>
+                                        <p:attrNameLst>
+                                          <p:attrName>style.visibility</p:attrName>
+                                        </p:attrNameLst>
+                                      </p:cBhvr>
+                                      <p:to>
+                                        <p:strVal val="visible"/>
+                                      </p:to>
+                                    </p:set>
+                                    <p:animEffect transition="in" filter="fade">
+                                      <p:cBhvr>
+                                        <p:cTn id="68" dur="500"/>
+                                        <p:tgtEl>
+                                          <p:spTgt spid="31"/>
+                                        </p:tgtEl>
+                                      </p:cBhvr>
+                                    </p:animEffect>
+                                  </p:childTnLst>
+                                </p:cTn>
+                              </p:par>
+                            </p:childTnLst>
+                          </p:cTn>
+                        </p:par>
+                        <p:par>
+                          <p:cTn id="69" fill="hold">
+                            <p:stCondLst>
+                              <p:cond delay="10600"/>
+                            </p:stCondLst>
+                            <p:childTnLst>
+                              <p:par>
+                                <p:cTn id="70" presetID="10" presetClass="exit" presetSubtype="0" fill="hold" grpId="1" nodeType="afterEffect">
+                                  <p:stCondLst>
+                                    <p:cond delay="0"/>
+                                  </p:stCondLst>
+                                  <p:childTnLst>
+                                    <p:animEffect transition="out" filter="fade">
+                                      <p:cBhvr>
+                                        <p:cTn id="71" dur="500"/>
+                                        <p:tgtEl>
+                                          <p:spTgt spid="23"/>
+                                        </p:tgtEl>
+                                      </p:cBhvr>
+                                    </p:animEffect>
+                                    <p:set>
+                                      <p:cBhvr>
+                                        <p:cTn id="72" dur="1" fill="hold">
+                                          <p:stCondLst>
+                                            <p:cond delay="499"/>
+                                          </p:stCondLst>
+                                        </p:cTn>
+                                        <p:tgtEl>
+                                          <p:spTgt spid="23"/>
+                                        </p:tgtEl>
+                                        <p:attrNameLst>
+                                          <p:attrName>style.visibility</p:attrName>
+                                        </p:attrNameLst>
+                                      </p:cBhvr>
+                                      <p:to>
+                                        <p:strVal val="hidden"/>
+                                      </p:to>
+                                    </p:set>
+                                  </p:childTnLst>
+                                </p:cTn>
+                              </p:par>
+                              <p:par>
+                                <p:cTn id="73" presetID="10" presetClass="entr" presetSubtype="0" fill="hold" grpId="0" nodeType="withEffect">
+                                  <p:stCondLst>
+                                    <p:cond delay="0"/>
+                                  </p:stCondLst>
+                                  <p:childTnLst>
+                                    <p:set>
+                                      <p:cBhvr>
+                                        <p:cTn id="74" dur="1" fill="hold">
+                                          <p:stCondLst>
+                                            <p:cond delay="0"/>
+                                          </p:stCondLst>
+                                        </p:cTn>
+                                        <p:tgtEl>
+                                          <p:spTgt spid="30"/>
+                                        </p:tgtEl>
+                                        <p:attrNameLst>
+                                          <p:attrName>style.visibility</p:attrName>
+                                        </p:attrNameLst>
+                                      </p:cBhvr>
+                                      <p:to>
+                                        <p:strVal val="visible"/>
+                                      </p:to>
+                                    </p:set>
+                                    <p:animEffect transition="in" filter="fade">
+                                      <p:cBhvr>
+                                        <p:cTn id="75" dur="500"/>
+                                        <p:tgtEl>
+                                          <p:spTgt spid="30"/>
+                                        </p:tgtEl>
+                                      </p:cBhvr>
+                                    </p:animEffect>
+                                  </p:childTnLst>
+                                </p:cTn>
+                              </p:par>
+                              <p:par>
+                                <p:cTn id="76" presetID="42" presetClass="path" presetSubtype="0" accel="50000" decel="50000" fill="hold" grpId="0" nodeType="withEffect">
+                                  <p:stCondLst>
+                                    <p:cond delay="200"/>
+                                  </p:stCondLst>
+                                  <p:childTnLst>
+                                    <p:animMotion origin="layout" path="M -4.58333E-6 0 L -0.8513 0 " pathEditMode="relative" rAng="0" ptsTypes="AA">
+                                      <p:cBhvr>
+                                        <p:cTn id="77" dur="1400" fill="hold"/>
+                                        <p:tgtEl>
+                                          <p:spTgt spid="15"/>
+                                        </p:tgtEl>
+                                        <p:attrNameLst>
+                                          <p:attrName>ppt_x</p:attrName>
+                                          <p:attrName>ppt_y</p:attrName>
+                                        </p:attrNameLst>
+                                      </p:cBhvr>
+                                      <p:rCtr x="-42565" y="0"/>
+                                    </p:animMotion>
+                                  </p:childTnLst>
+                                </p:cTn>
+                              </p:par>
+                            </p:childTnLst>
+                          </p:cTn>
+                        </p:par>
+                        <p:par>
+                          <p:cTn id="78" fill="hold">
+                            <p:stCondLst>
+                              <p:cond delay="12200"/>
+                            </p:stCondLst>
+                            <p:childTnLst>
+                              <p:par>
+                                <p:cTn id="79" presetID="10" presetClass="entr" presetSubtype="0" fill="hold" grpId="0" nodeType="afterEffect">
+                                  <p:stCondLst>
+                                    <p:cond delay="0"/>
+                                  </p:stCondLst>
+                                  <p:childTnLst>
+                                    <p:set>
+                                      <p:cBhvr>
+                                        <p:cTn id="80" dur="1" fill="hold">
+                                          <p:stCondLst>
+                                            <p:cond delay="0"/>
+                                          </p:stCondLst>
+                                        </p:cTn>
+                                        <p:tgtEl>
+                                          <p:spTgt spid="33"/>
+                                        </p:tgtEl>
+                                        <p:attrNameLst>
+                                          <p:attrName>style.visibility</p:attrName>
+                                        </p:attrNameLst>
+                                      </p:cBhvr>
+                                      <p:to>
+                                        <p:strVal val="visible"/>
+                                      </p:to>
+                                    </p:set>
+                                    <p:animEffect transition="in" filter="fade">
+                                      <p:cBhvr>
+                                        <p:cTn id="81" dur="500"/>
+                                        <p:tgtEl>
+                                          <p:spTgt spid="33"/>
+                                        </p:tgtEl>
+                                      </p:cBhvr>
+                                    </p:animEffect>
+                                  </p:childTnLst>
+                                </p:cTn>
+                              </p:par>
+                            </p:childTnLst>
+                          </p:cTn>
+                        </p:par>
+                        <p:par>
+                          <p:cTn id="82" fill="hold">
+                            <p:stCondLst>
+                              <p:cond delay="12700"/>
+                            </p:stCondLst>
+                            <p:childTnLst>
+                              <p:par>
+                                <p:cTn id="83" presetID="10" presetClass="exit" presetSubtype="0" fill="hold" grpId="1" nodeType="afterEffect">
+                                  <p:stCondLst>
+                                    <p:cond delay="0"/>
+                                  </p:stCondLst>
+                                  <p:childTnLst>
+                                    <p:animEffect transition="out" filter="fade">
+                                      <p:cBhvr>
+                                        <p:cTn id="84" dur="500"/>
+                                        <p:tgtEl>
+                                          <p:spTgt spid="30"/>
+                                        </p:tgtEl>
+                                      </p:cBhvr>
+                                    </p:animEffect>
+                                    <p:set>
+                                      <p:cBhvr>
+                                        <p:cTn id="85" dur="1" fill="hold">
+                                          <p:stCondLst>
+                                            <p:cond delay="499"/>
+                                          </p:stCondLst>
+                                        </p:cTn>
+                                        <p:tgtEl>
+                                          <p:spTgt spid="30"/>
+                                        </p:tgtEl>
+                                        <p:attrNameLst>
+                                          <p:attrName>style.visibility</p:attrName>
+                                        </p:attrNameLst>
+                                      </p:cBhvr>
+                                      <p:to>
+                                        <p:strVal val="hidden"/>
+                                      </p:to>
+                                    </p:set>
+                                  </p:childTnLst>
+                                </p:cTn>
+                              </p:par>
+                              <p:par>
+                                <p:cTn id="86" presetID="10" presetClass="entr" presetSubtype="0" fill="hold" grpId="0" nodeType="withEffect">
+                                  <p:stCondLst>
+                                    <p:cond delay="0"/>
+                                  </p:stCondLst>
+                                  <p:childTnLst>
+                                    <p:set>
+                                      <p:cBhvr>
+                                        <p:cTn id="87" dur="1" fill="hold">
+                                          <p:stCondLst>
+                                            <p:cond delay="0"/>
+                                          </p:stCondLst>
+                                        </p:cTn>
+                                        <p:tgtEl>
+                                          <p:spTgt spid="32"/>
+                                        </p:tgtEl>
+                                        <p:attrNameLst>
+                                          <p:attrName>style.visibility</p:attrName>
+                                        </p:attrNameLst>
+                                      </p:cBhvr>
+                                      <p:to>
+                                        <p:strVal val="visible"/>
+                                      </p:to>
+                                    </p:set>
+                                    <p:animEffect transition="in" filter="fade">
+                                      <p:cBhvr>
+                                        <p:cTn id="88" dur="500"/>
+                                        <p:tgtEl>
+                                          <p:spTgt spid="32"/>
+                                        </p:tgtEl>
+                                      </p:cBhvr>
+                                    </p:animEffect>
+                                  </p:childTnLst>
+                                </p:cTn>
+                              </p:par>
+                              <p:par>
+                                <p:cTn id="89" presetID="42" presetClass="path" presetSubtype="0" accel="50000" decel="50000" fill="hold" grpId="0" nodeType="withEffect">
+                                  <p:stCondLst>
+                                    <p:cond delay="200"/>
+                                  </p:stCondLst>
+                                  <p:childTnLst>
+                                    <p:animMotion origin="layout" path="M 1.66667E-6 0 L -0.8543 0 " pathEditMode="relative" rAng="0" ptsTypes="AA">
+                                      <p:cBhvr>
+                                        <p:cTn id="90" dur="1300" fill="hold"/>
+                                        <p:tgtEl>
+                                          <p:spTgt spid="16"/>
+                                        </p:tgtEl>
+                                        <p:attrNameLst>
+                                          <p:attrName>ppt_x</p:attrName>
+                                          <p:attrName>ppt_y</p:attrName>
+                                        </p:attrNameLst>
+                                      </p:cBhvr>
+                                      <p:rCtr x="-42721" y="0"/>
+                                    </p:animMotion>
+                                  </p:childTnLst>
+                                </p:cTn>
+                              </p:par>
+                            </p:childTnLst>
+                          </p:cTn>
+                        </p:par>
+                        <p:par>
+                          <p:cTn id="91" fill="hold">
+                            <p:stCondLst>
+                              <p:cond delay="14200"/>
+                            </p:stCondLst>
+                            <p:childTnLst>
+                              <p:par>
+                                <p:cTn id="92" presetID="10" presetClass="entr" presetSubtype="0" fill="hold" grpId="0" nodeType="afterEffect">
+                                  <p:stCondLst>
+                                    <p:cond delay="0"/>
+                                  </p:stCondLst>
+                                  <p:childTnLst>
+                                    <p:set>
+                                      <p:cBhvr>
+                                        <p:cTn id="93" dur="1" fill="hold">
+                                          <p:stCondLst>
+                                            <p:cond delay="0"/>
+                                          </p:stCondLst>
+                                        </p:cTn>
+                                        <p:tgtEl>
+                                          <p:spTgt spid="34"/>
+                                        </p:tgtEl>
+                                        <p:attrNameLst>
+                                          <p:attrName>style.visibility</p:attrName>
+                                        </p:attrNameLst>
+                                      </p:cBhvr>
+                                      <p:to>
+                                        <p:strVal val="visible"/>
+                                      </p:to>
+                                    </p:set>
+                                    <p:animEffect transition="in" filter="fade">
+                                      <p:cBhvr>
+                                        <p:cTn id="94" dur="500"/>
+                                        <p:tgtEl>
+                                          <p:spTgt spid="34"/>
+                                        </p:tgtEl>
+                                      </p:cBhvr>
+                                    </p:animEffect>
+                                  </p:childTnLst>
+                                </p:cTn>
+                              </p:par>
+                            </p:childTnLst>
+                          </p:cTn>
+                        </p:par>
+                        <p:par>
+                          <p:cTn id="95" fill="hold">
+                            <p:stCondLst>
+                              <p:cond delay="14700"/>
+                            </p:stCondLst>
+                            <p:childTnLst>
+                              <p:par>
+                                <p:cTn id="96" presetID="10" presetClass="exit" presetSubtype="0" fill="hold" grpId="1" nodeType="afterEffect">
+                                  <p:stCondLst>
+                                    <p:cond delay="0"/>
+                                  </p:stCondLst>
+                                  <p:childTnLst>
+                                    <p:animEffect transition="out" filter="fade">
+                                      <p:cBhvr>
+                                        <p:cTn id="97" dur="500"/>
+                                        <p:tgtEl>
+                                          <p:spTgt spid="32"/>
+                                        </p:tgtEl>
+                                      </p:cBhvr>
+                                    </p:animEffect>
+                                    <p:set>
+                                      <p:cBhvr>
+                                        <p:cTn id="98" dur="1" fill="hold">
+                                          <p:stCondLst>
+                                            <p:cond delay="499"/>
+                                          </p:stCondLst>
+                                        </p:cTn>
+                                        <p:tgtEl>
+                                          <p:spTgt spid="32"/>
+                                        </p:tgtEl>
+                                        <p:attrNameLst>
+                                          <p:attrName>style.visibility</p:attrName>
+                                        </p:attrNameLst>
+                                      </p:cBhvr>
+                                      <p:to>
+                                        <p:strVal val="hidden"/>
+                                      </p:to>
+                                    </p:set>
+                                  </p:childTnLst>
+                                </p:cTn>
+                              </p:par>
+                              <p:par>
+                                <p:cTn id="99" presetID="10" presetClass="exit" presetSubtype="0" fill="hold" grpId="1" nodeType="withEffect">
+                                  <p:stCondLst>
+                                    <p:cond delay="0"/>
+                                  </p:stCondLst>
+                                  <p:childTnLst>
+                                    <p:animEffect transition="out" filter="fade">
+                                      <p:cBhvr>
+                                        <p:cTn id="100" dur="500"/>
+                                        <p:tgtEl>
+                                          <p:spTgt spid="20"/>
+                                        </p:tgtEl>
+                                      </p:cBhvr>
+                                    </p:animEffect>
+                                    <p:set>
+                                      <p:cBhvr>
+                                        <p:cTn id="101" dur="1" fill="hold">
+                                          <p:stCondLst>
+                                            <p:cond delay="499"/>
+                                          </p:stCondLst>
+                                        </p:cTn>
+                                        <p:tgtEl>
+                                          <p:spTgt spid="20"/>
+                                        </p:tgtEl>
+                                        <p:attrNameLst>
+                                          <p:attrName>style.visibility</p:attrName>
+                                        </p:attrNameLst>
+                                      </p:cBhvr>
+                                      <p:to>
+                                        <p:strVal val="hidden"/>
+                                      </p:to>
+                                    </p:set>
+                                  </p:childTnLst>
+                                </p:cTn>
+                              </p:par>
+                            </p:childTnLst>
+                          </p:cTn>
+                        </p:par>
                       </p:childTnLst>
                     </p:cTn>
                   </p:par>
@@ -4877,7 +5871,12 @@
       <p:bldP spid="10" grpId="0" animBg="1"/>
       <p:bldP spid="11" grpId="0" animBg="1"/>
       <p:bldP spid="12" grpId="0" animBg="1"/>
+      <p:bldP spid="13" grpId="0" animBg="1"/>
+      <p:bldP spid="14" grpId="0" animBg="1"/>
+      <p:bldP spid="15" grpId="0" animBg="1"/>
+      <p:bldP spid="16" grpId="0" animBg="1"/>
       <p:bldP spid="20" grpId="0"/>
+      <p:bldP spid="20" grpId="1"/>
       <p:bldP spid="22" grpId="0"/>
       <p:bldP spid="22" grpId="1"/>
       <p:bldP spid="25" grpId="0"/>
@@ -4885,8 +5884,3019 @@
       <p:bldP spid="26" grpId="1"/>
       <p:bldP spid="27" grpId="0"/>
       <p:bldP spid="28" grpId="0"/>
+      <p:bldP spid="28" grpId="1"/>
       <p:bldP spid="29" grpId="0"/>
+      <p:bldP spid="21" grpId="0"/>
+      <p:bldP spid="21" grpId="1"/>
+      <p:bldP spid="23" grpId="0"/>
+      <p:bldP spid="23" grpId="1"/>
+      <p:bldP spid="24" grpId="0"/>
+      <p:bldP spid="30" grpId="0"/>
+      <p:bldP spid="30" grpId="1"/>
+      <p:bldP spid="31" grpId="0"/>
+      <p:bldP spid="32" grpId="0"/>
+      <p:bldP spid="32" grpId="1"/>
+      <p:bldP spid="33" grpId="0"/>
+      <p:bldP spid="34" grpId="0"/>
     </p:bldLst>
+  </p:timing>
+</p:sld>
+</file>
+
+<file path=ppt/slides/slide3.xml><?xml version="1.0" encoding="utf-8"?>
+<p:sld xmlns:a="http://schemas.openxmlformats.org/drawingml/2006/main" xmlns:r="http://schemas.openxmlformats.org/officeDocument/2006/relationships" xmlns:p="http://schemas.openxmlformats.org/presentationml/2006/main">
+  <p:cSld>
+    <p:spTree>
+      <p:nvGrpSpPr>
+        <p:cNvPr id="1" name=""/>
+        <p:cNvGrpSpPr/>
+        <p:nvPr/>
+      </p:nvGrpSpPr>
+      <p:grpSpPr>
+        <a:xfrm>
+          <a:off x="0" y="0"/>
+          <a:ext cx="0" cy="0"/>
+          <a:chOff x="0" y="0"/>
+          <a:chExt cx="0" cy="0"/>
+        </a:xfrm>
+      </p:grpSpPr>
+      <p:sp>
+        <p:nvSpPr>
+          <p:cNvPr id="4" name="文字方塊 3">
+            <a:extLst>
+              <a:ext uri="{FF2B5EF4-FFF2-40B4-BE49-F238E27FC236}">
+                <a16:creationId xmlns:a16="http://schemas.microsoft.com/office/drawing/2014/main" id="{D9FB07E3-E650-42BE-86B0-31599C45659B}"/>
+              </a:ext>
+            </a:extLst>
+          </p:cNvPr>
+          <p:cNvSpPr txBox="1"/>
+          <p:nvPr/>
+        </p:nvSpPr>
+        <p:spPr>
+          <a:xfrm>
+            <a:off x="4310897" y="354938"/>
+            <a:ext cx="3570208" cy="1538883"/>
+          </a:xfrm>
+          <a:prstGeom prst="rect">
+            <a:avLst/>
+          </a:prstGeom>
+          <a:noFill/>
+        </p:spPr>
+        <p:txBody>
+          <a:bodyPr wrap="none" rtlCol="0">
+            <a:spAutoFit/>
+          </a:bodyPr>
+          <a:lstStyle/>
+          <a:p>
+            <a:pPr algn="ctr"/>
+            <a:r>
+              <a:rPr lang="zh-TW" altLang="en-US" sz="6600" dirty="0">
+                <a:latin typeface="微軟正黑體" panose="020B0604030504040204" pitchFamily="34" charset="-120"/>
+                <a:ea typeface="微軟正黑體" panose="020B0604030504040204" pitchFamily="34" charset="-120"/>
+              </a:rPr>
+              <a:t>簡易佇列</a:t>
+            </a:r>
+            <a:endParaRPr lang="en-US" altLang="zh-TW" sz="6600" dirty="0">
+              <a:latin typeface="微軟正黑體" panose="020B0604030504040204" pitchFamily="34" charset="-120"/>
+              <a:ea typeface="微軟正黑體" panose="020B0604030504040204" pitchFamily="34" charset="-120"/>
+            </a:endParaRPr>
+          </a:p>
+          <a:p>
+            <a:pPr algn="ctr"/>
+            <a:r>
+              <a:rPr lang="en-US" altLang="zh-TW" sz="2800" dirty="0">
+                <a:latin typeface="Times New Roman" panose="02020603050405020304" pitchFamily="18" charset="0"/>
+                <a:cs typeface="Times New Roman" panose="02020603050405020304" pitchFamily="18" charset="0"/>
+              </a:rPr>
+              <a:t>Simple Queue</a:t>
+            </a:r>
+            <a:endParaRPr lang="zh-TW" altLang="en-US" sz="2800" dirty="0">
+              <a:latin typeface="Times New Roman" panose="02020603050405020304" pitchFamily="18" charset="0"/>
+              <a:cs typeface="Times New Roman" panose="02020603050405020304" pitchFamily="18" charset="0"/>
+            </a:endParaRPr>
+          </a:p>
+        </p:txBody>
+      </p:sp>
+      <p:grpSp>
+        <p:nvGrpSpPr>
+          <p:cNvPr id="5" name="群組 4">
+            <a:extLst>
+              <a:ext uri="{FF2B5EF4-FFF2-40B4-BE49-F238E27FC236}">
+                <a16:creationId xmlns:a16="http://schemas.microsoft.com/office/drawing/2014/main" id="{D99BE11F-EDF4-4FE2-966C-2086796E3DA5}"/>
+              </a:ext>
+            </a:extLst>
+          </p:cNvPr>
+          <p:cNvGrpSpPr/>
+          <p:nvPr/>
+        </p:nvGrpSpPr>
+        <p:grpSpPr>
+          <a:xfrm>
+            <a:off x="2831825" y="2909777"/>
+            <a:ext cx="6528349" cy="1038446"/>
+            <a:chOff x="2771553" y="1913861"/>
+            <a:chExt cx="6528349" cy="1038446"/>
+          </a:xfrm>
+        </p:grpSpPr>
+        <p:cxnSp>
+          <p:nvCxnSpPr>
+            <p:cNvPr id="6" name="直線接點 5">
+              <a:extLst>
+                <a:ext uri="{FF2B5EF4-FFF2-40B4-BE49-F238E27FC236}">
+                  <a16:creationId xmlns:a16="http://schemas.microsoft.com/office/drawing/2014/main" id="{83959189-A61F-4DB3-8C95-C33C518D9630}"/>
+                </a:ext>
+              </a:extLst>
+            </p:cNvPr>
+            <p:cNvCxnSpPr>
+              <a:cxnSpLocks/>
+            </p:cNvCxnSpPr>
+            <p:nvPr/>
+          </p:nvCxnSpPr>
+          <p:spPr>
+            <a:xfrm>
+              <a:off x="2771553" y="1913861"/>
+              <a:ext cx="6528349" cy="0"/>
+            </a:xfrm>
+            <a:prstGeom prst="line">
+              <a:avLst/>
+            </a:prstGeom>
+            <a:ln w="57150">
+              <a:solidFill>
+                <a:schemeClr val="tx1"/>
+              </a:solidFill>
+            </a:ln>
+          </p:spPr>
+          <p:style>
+            <a:lnRef idx="1">
+              <a:schemeClr val="accent1"/>
+            </a:lnRef>
+            <a:fillRef idx="0">
+              <a:schemeClr val="accent1"/>
+            </a:fillRef>
+            <a:effectRef idx="0">
+              <a:schemeClr val="accent1"/>
+            </a:effectRef>
+            <a:fontRef idx="minor">
+              <a:schemeClr val="tx1"/>
+            </a:fontRef>
+          </p:style>
+        </p:cxnSp>
+        <p:cxnSp>
+          <p:nvCxnSpPr>
+            <p:cNvPr id="7" name="直線接點 6">
+              <a:extLst>
+                <a:ext uri="{FF2B5EF4-FFF2-40B4-BE49-F238E27FC236}">
+                  <a16:creationId xmlns:a16="http://schemas.microsoft.com/office/drawing/2014/main" id="{53DEAE69-E412-4B47-BFE5-A824A35E3EB5}"/>
+                </a:ext>
+              </a:extLst>
+            </p:cNvPr>
+            <p:cNvCxnSpPr>
+              <a:cxnSpLocks/>
+            </p:cNvCxnSpPr>
+            <p:nvPr/>
+          </p:nvCxnSpPr>
+          <p:spPr>
+            <a:xfrm>
+              <a:off x="2771553" y="2952307"/>
+              <a:ext cx="6528349" cy="0"/>
+            </a:xfrm>
+            <a:prstGeom prst="line">
+              <a:avLst/>
+            </a:prstGeom>
+            <a:ln w="57150">
+              <a:solidFill>
+                <a:schemeClr val="tx1"/>
+              </a:solidFill>
+            </a:ln>
+          </p:spPr>
+          <p:style>
+            <a:lnRef idx="1">
+              <a:schemeClr val="accent1"/>
+            </a:lnRef>
+            <a:fillRef idx="0">
+              <a:schemeClr val="accent1"/>
+            </a:fillRef>
+            <a:effectRef idx="0">
+              <a:schemeClr val="accent1"/>
+            </a:effectRef>
+            <a:fontRef idx="minor">
+              <a:schemeClr val="tx1"/>
+            </a:fontRef>
+          </p:style>
+        </p:cxnSp>
+      </p:grpSp>
+      <p:grpSp>
+        <p:nvGrpSpPr>
+          <p:cNvPr id="22" name="群組 21">
+            <a:extLst>
+              <a:ext uri="{FF2B5EF4-FFF2-40B4-BE49-F238E27FC236}">
+                <a16:creationId xmlns:a16="http://schemas.microsoft.com/office/drawing/2014/main" id="{FFF8BD77-CF88-4C95-8379-08D82AFF4502}"/>
+              </a:ext>
+            </a:extLst>
+          </p:cNvPr>
+          <p:cNvGrpSpPr/>
+          <p:nvPr/>
+        </p:nvGrpSpPr>
+        <p:grpSpPr>
+          <a:xfrm>
+            <a:off x="2831825" y="3007246"/>
+            <a:ext cx="843509" cy="843509"/>
+            <a:chOff x="2831825" y="3007246"/>
+            <a:chExt cx="843509" cy="843509"/>
+          </a:xfrm>
+        </p:grpSpPr>
+        <p:sp>
+          <p:nvSpPr>
+            <p:cNvPr id="8" name="矩形 7">
+              <a:extLst>
+                <a:ext uri="{FF2B5EF4-FFF2-40B4-BE49-F238E27FC236}">
+                  <a16:creationId xmlns:a16="http://schemas.microsoft.com/office/drawing/2014/main" id="{FD6DAE9A-7690-4998-AA46-4726B1A1D4DA}"/>
+                </a:ext>
+              </a:extLst>
+            </p:cNvPr>
+            <p:cNvSpPr/>
+            <p:nvPr/>
+          </p:nvSpPr>
+          <p:spPr>
+            <a:xfrm>
+              <a:off x="2831825" y="3007246"/>
+              <a:ext cx="843509" cy="843509"/>
+            </a:xfrm>
+            <a:prstGeom prst="rect">
+              <a:avLst/>
+            </a:prstGeom>
+            <a:noFill/>
+            <a:ln w="28575">
+              <a:solidFill>
+                <a:schemeClr val="tx1"/>
+              </a:solidFill>
+            </a:ln>
+          </p:spPr>
+          <p:style>
+            <a:lnRef idx="2">
+              <a:schemeClr val="accent1">
+                <a:shade val="50000"/>
+              </a:schemeClr>
+            </a:lnRef>
+            <a:fillRef idx="1">
+              <a:schemeClr val="accent1"/>
+            </a:fillRef>
+            <a:effectRef idx="0">
+              <a:schemeClr val="accent1"/>
+            </a:effectRef>
+            <a:fontRef idx="minor">
+              <a:schemeClr val="lt1"/>
+            </a:fontRef>
+          </p:style>
+          <p:txBody>
+            <a:bodyPr rtlCol="0" anchor="ctr"/>
+            <a:lstStyle/>
+            <a:p>
+              <a:pPr algn="ctr"/>
+              <a:endParaRPr lang="zh-TW" altLang="en-US"/>
+            </a:p>
+          </p:txBody>
+        </p:sp>
+        <p:sp>
+          <p:nvSpPr>
+            <p:cNvPr id="15" name="文字方塊 14">
+              <a:extLst>
+                <a:ext uri="{FF2B5EF4-FFF2-40B4-BE49-F238E27FC236}">
+                  <a16:creationId xmlns:a16="http://schemas.microsoft.com/office/drawing/2014/main" id="{29B6D99B-6AA4-4BFF-96FB-35E6070AA50B}"/>
+                </a:ext>
+              </a:extLst>
+            </p:cNvPr>
+            <p:cNvSpPr txBox="1"/>
+            <p:nvPr/>
+          </p:nvSpPr>
+          <p:spPr>
+            <a:xfrm>
+              <a:off x="3099912" y="3198166"/>
+              <a:ext cx="462553" cy="461665"/>
+            </a:xfrm>
+            <a:prstGeom prst="rect">
+              <a:avLst/>
+            </a:prstGeom>
+            <a:noFill/>
+          </p:spPr>
+          <p:txBody>
+            <a:bodyPr wrap="square">
+              <a:spAutoFit/>
+            </a:bodyPr>
+            <a:lstStyle/>
+            <a:p>
+              <a:r>
+                <a:rPr lang="en-US" altLang="zh-TW" sz="2400" dirty="0">
+                  <a:solidFill>
+                    <a:srgbClr val="FF33CC"/>
+                  </a:solidFill>
+                  <a:latin typeface="Consolas" panose="020B0609020204030204" pitchFamily="49" charset="0"/>
+                </a:rPr>
+                <a:t>1</a:t>
+              </a:r>
+              <a:endParaRPr lang="zh-TW" altLang="en-US" sz="2400" dirty="0"/>
+            </a:p>
+          </p:txBody>
+        </p:sp>
+      </p:grpSp>
+      <p:grpSp>
+        <p:nvGrpSpPr>
+          <p:cNvPr id="23" name="群組 22">
+            <a:extLst>
+              <a:ext uri="{FF2B5EF4-FFF2-40B4-BE49-F238E27FC236}">
+                <a16:creationId xmlns:a16="http://schemas.microsoft.com/office/drawing/2014/main" id="{7972108C-3F9D-47E7-9B31-0DD1AAB3F742}"/>
+              </a:ext>
+            </a:extLst>
+          </p:cNvPr>
+          <p:cNvGrpSpPr/>
+          <p:nvPr/>
+        </p:nvGrpSpPr>
+        <p:grpSpPr>
+          <a:xfrm>
+            <a:off x="3788755" y="3007246"/>
+            <a:ext cx="843509" cy="843509"/>
+            <a:chOff x="3788755" y="3007246"/>
+            <a:chExt cx="843509" cy="843509"/>
+          </a:xfrm>
+        </p:grpSpPr>
+        <p:sp>
+          <p:nvSpPr>
+            <p:cNvPr id="9" name="矩形 8">
+              <a:extLst>
+                <a:ext uri="{FF2B5EF4-FFF2-40B4-BE49-F238E27FC236}">
+                  <a16:creationId xmlns:a16="http://schemas.microsoft.com/office/drawing/2014/main" id="{8947B029-3F58-41B4-B088-6CFC2220AB5E}"/>
+                </a:ext>
+              </a:extLst>
+            </p:cNvPr>
+            <p:cNvSpPr/>
+            <p:nvPr/>
+          </p:nvSpPr>
+          <p:spPr>
+            <a:xfrm>
+              <a:off x="3788755" y="3007246"/>
+              <a:ext cx="843509" cy="843509"/>
+            </a:xfrm>
+            <a:prstGeom prst="rect">
+              <a:avLst/>
+            </a:prstGeom>
+            <a:noFill/>
+            <a:ln w="28575">
+              <a:solidFill>
+                <a:schemeClr val="tx1"/>
+              </a:solidFill>
+            </a:ln>
+          </p:spPr>
+          <p:style>
+            <a:lnRef idx="2">
+              <a:schemeClr val="accent1">
+                <a:shade val="50000"/>
+              </a:schemeClr>
+            </a:lnRef>
+            <a:fillRef idx="1">
+              <a:schemeClr val="accent1"/>
+            </a:fillRef>
+            <a:effectRef idx="0">
+              <a:schemeClr val="accent1"/>
+            </a:effectRef>
+            <a:fontRef idx="minor">
+              <a:schemeClr val="lt1"/>
+            </a:fontRef>
+          </p:style>
+          <p:txBody>
+            <a:bodyPr rtlCol="0" anchor="ctr"/>
+            <a:lstStyle/>
+            <a:p>
+              <a:pPr algn="ctr"/>
+              <a:endParaRPr lang="zh-TW" altLang="en-US"/>
+            </a:p>
+          </p:txBody>
+        </p:sp>
+        <p:sp>
+          <p:nvSpPr>
+            <p:cNvPr id="16" name="文字方塊 15">
+              <a:extLst>
+                <a:ext uri="{FF2B5EF4-FFF2-40B4-BE49-F238E27FC236}">
+                  <a16:creationId xmlns:a16="http://schemas.microsoft.com/office/drawing/2014/main" id="{AFA1DE66-C9EE-4A3F-83CA-1EB6D0505D9F}"/>
+                </a:ext>
+              </a:extLst>
+            </p:cNvPr>
+            <p:cNvSpPr txBox="1"/>
+            <p:nvPr/>
+          </p:nvSpPr>
+          <p:spPr>
+            <a:xfrm>
+              <a:off x="4062313" y="3198167"/>
+              <a:ext cx="462553" cy="461665"/>
+            </a:xfrm>
+            <a:prstGeom prst="rect">
+              <a:avLst/>
+            </a:prstGeom>
+            <a:noFill/>
+          </p:spPr>
+          <p:txBody>
+            <a:bodyPr wrap="square">
+              <a:spAutoFit/>
+            </a:bodyPr>
+            <a:lstStyle/>
+            <a:p>
+              <a:r>
+                <a:rPr lang="en-US" altLang="zh-TW" sz="2400" dirty="0">
+                  <a:solidFill>
+                    <a:srgbClr val="FF33CC"/>
+                  </a:solidFill>
+                  <a:latin typeface="Consolas" panose="020B0609020204030204" pitchFamily="49" charset="0"/>
+                </a:rPr>
+                <a:t>2</a:t>
+              </a:r>
+              <a:endParaRPr lang="zh-TW" altLang="en-US" sz="2400" dirty="0"/>
+            </a:p>
+          </p:txBody>
+        </p:sp>
+      </p:grpSp>
+      <p:grpSp>
+        <p:nvGrpSpPr>
+          <p:cNvPr id="24" name="群組 23">
+            <a:extLst>
+              <a:ext uri="{FF2B5EF4-FFF2-40B4-BE49-F238E27FC236}">
+                <a16:creationId xmlns:a16="http://schemas.microsoft.com/office/drawing/2014/main" id="{1D99C10C-86EC-41DD-9E73-CE33207BF152}"/>
+              </a:ext>
+            </a:extLst>
+          </p:cNvPr>
+          <p:cNvGrpSpPr/>
+          <p:nvPr/>
+        </p:nvGrpSpPr>
+        <p:grpSpPr>
+          <a:xfrm>
+            <a:off x="4745685" y="3007246"/>
+            <a:ext cx="843509" cy="843509"/>
+            <a:chOff x="4745685" y="3007246"/>
+            <a:chExt cx="843509" cy="843509"/>
+          </a:xfrm>
+        </p:grpSpPr>
+        <p:sp>
+          <p:nvSpPr>
+            <p:cNvPr id="10" name="矩形 9">
+              <a:extLst>
+                <a:ext uri="{FF2B5EF4-FFF2-40B4-BE49-F238E27FC236}">
+                  <a16:creationId xmlns:a16="http://schemas.microsoft.com/office/drawing/2014/main" id="{2001A9E6-E69E-4776-8987-0436781DDC47}"/>
+                </a:ext>
+              </a:extLst>
+            </p:cNvPr>
+            <p:cNvSpPr/>
+            <p:nvPr/>
+          </p:nvSpPr>
+          <p:spPr>
+            <a:xfrm>
+              <a:off x="4745685" y="3007246"/>
+              <a:ext cx="843509" cy="843509"/>
+            </a:xfrm>
+            <a:prstGeom prst="rect">
+              <a:avLst/>
+            </a:prstGeom>
+            <a:noFill/>
+            <a:ln w="28575">
+              <a:solidFill>
+                <a:schemeClr val="tx1"/>
+              </a:solidFill>
+            </a:ln>
+          </p:spPr>
+          <p:style>
+            <a:lnRef idx="2">
+              <a:schemeClr val="accent1">
+                <a:shade val="50000"/>
+              </a:schemeClr>
+            </a:lnRef>
+            <a:fillRef idx="1">
+              <a:schemeClr val="accent1"/>
+            </a:fillRef>
+            <a:effectRef idx="0">
+              <a:schemeClr val="accent1"/>
+            </a:effectRef>
+            <a:fontRef idx="minor">
+              <a:schemeClr val="lt1"/>
+            </a:fontRef>
+          </p:style>
+          <p:txBody>
+            <a:bodyPr rtlCol="0" anchor="ctr"/>
+            <a:lstStyle/>
+            <a:p>
+              <a:pPr algn="ctr"/>
+              <a:endParaRPr lang="zh-TW" altLang="en-US"/>
+            </a:p>
+          </p:txBody>
+        </p:sp>
+        <p:sp>
+          <p:nvSpPr>
+            <p:cNvPr id="17" name="文字方塊 16">
+              <a:extLst>
+                <a:ext uri="{FF2B5EF4-FFF2-40B4-BE49-F238E27FC236}">
+                  <a16:creationId xmlns:a16="http://schemas.microsoft.com/office/drawing/2014/main" id="{24B40074-1901-4AC4-99EE-7542D8F05423}"/>
+                </a:ext>
+              </a:extLst>
+            </p:cNvPr>
+            <p:cNvSpPr txBox="1"/>
+            <p:nvPr/>
+          </p:nvSpPr>
+          <p:spPr>
+            <a:xfrm>
+              <a:off x="5023846" y="3198167"/>
+              <a:ext cx="462553" cy="461665"/>
+            </a:xfrm>
+            <a:prstGeom prst="rect">
+              <a:avLst/>
+            </a:prstGeom>
+            <a:noFill/>
+          </p:spPr>
+          <p:txBody>
+            <a:bodyPr wrap="square">
+              <a:spAutoFit/>
+            </a:bodyPr>
+            <a:lstStyle/>
+            <a:p>
+              <a:r>
+                <a:rPr lang="en-US" altLang="zh-TW" sz="2400" dirty="0">
+                  <a:solidFill>
+                    <a:srgbClr val="FF33CC"/>
+                  </a:solidFill>
+                  <a:latin typeface="Consolas" panose="020B0609020204030204" pitchFamily="49" charset="0"/>
+                </a:rPr>
+                <a:t>3</a:t>
+              </a:r>
+              <a:endParaRPr lang="zh-TW" altLang="en-US" sz="2400" dirty="0"/>
+            </a:p>
+          </p:txBody>
+        </p:sp>
+      </p:grpSp>
+      <p:grpSp>
+        <p:nvGrpSpPr>
+          <p:cNvPr id="25" name="群組 24">
+            <a:extLst>
+              <a:ext uri="{FF2B5EF4-FFF2-40B4-BE49-F238E27FC236}">
+                <a16:creationId xmlns:a16="http://schemas.microsoft.com/office/drawing/2014/main" id="{B83CE4C2-FACC-4FF3-93C5-78D44972E8F7}"/>
+              </a:ext>
+            </a:extLst>
+          </p:cNvPr>
+          <p:cNvGrpSpPr/>
+          <p:nvPr/>
+        </p:nvGrpSpPr>
+        <p:grpSpPr>
+          <a:xfrm>
+            <a:off x="5688430" y="3007246"/>
+            <a:ext cx="843509" cy="843509"/>
+            <a:chOff x="5688430" y="3007246"/>
+            <a:chExt cx="843509" cy="843509"/>
+          </a:xfrm>
+        </p:grpSpPr>
+        <p:sp>
+          <p:nvSpPr>
+            <p:cNvPr id="11" name="矩形 10">
+              <a:extLst>
+                <a:ext uri="{FF2B5EF4-FFF2-40B4-BE49-F238E27FC236}">
+                  <a16:creationId xmlns:a16="http://schemas.microsoft.com/office/drawing/2014/main" id="{D2BED430-8F96-4132-93C3-FF2794EF22E1}"/>
+                </a:ext>
+              </a:extLst>
+            </p:cNvPr>
+            <p:cNvSpPr/>
+            <p:nvPr/>
+          </p:nvSpPr>
+          <p:spPr>
+            <a:xfrm>
+              <a:off x="5688430" y="3007246"/>
+              <a:ext cx="843509" cy="843509"/>
+            </a:xfrm>
+            <a:prstGeom prst="rect">
+              <a:avLst/>
+            </a:prstGeom>
+            <a:noFill/>
+            <a:ln w="28575">
+              <a:solidFill>
+                <a:schemeClr val="tx1"/>
+              </a:solidFill>
+            </a:ln>
+          </p:spPr>
+          <p:style>
+            <a:lnRef idx="2">
+              <a:schemeClr val="accent1">
+                <a:shade val="50000"/>
+              </a:schemeClr>
+            </a:lnRef>
+            <a:fillRef idx="1">
+              <a:schemeClr val="accent1"/>
+            </a:fillRef>
+            <a:effectRef idx="0">
+              <a:schemeClr val="accent1"/>
+            </a:effectRef>
+            <a:fontRef idx="minor">
+              <a:schemeClr val="lt1"/>
+            </a:fontRef>
+          </p:style>
+          <p:txBody>
+            <a:bodyPr rtlCol="0" anchor="ctr"/>
+            <a:lstStyle/>
+            <a:p>
+              <a:pPr algn="ctr"/>
+              <a:endParaRPr lang="zh-TW" altLang="en-US"/>
+            </a:p>
+          </p:txBody>
+        </p:sp>
+        <p:sp>
+          <p:nvSpPr>
+            <p:cNvPr id="18" name="文字方塊 17">
+              <a:extLst>
+                <a:ext uri="{FF2B5EF4-FFF2-40B4-BE49-F238E27FC236}">
+                  <a16:creationId xmlns:a16="http://schemas.microsoft.com/office/drawing/2014/main" id="{5A77EFF5-1370-4FCC-A001-B8EFEC00EE36}"/>
+                </a:ext>
+              </a:extLst>
+            </p:cNvPr>
+            <p:cNvSpPr txBox="1"/>
+            <p:nvPr/>
+          </p:nvSpPr>
+          <p:spPr>
+            <a:xfrm>
+              <a:off x="5964021" y="3198167"/>
+              <a:ext cx="462553" cy="461665"/>
+            </a:xfrm>
+            <a:prstGeom prst="rect">
+              <a:avLst/>
+            </a:prstGeom>
+            <a:noFill/>
+          </p:spPr>
+          <p:txBody>
+            <a:bodyPr wrap="square">
+              <a:spAutoFit/>
+            </a:bodyPr>
+            <a:lstStyle/>
+            <a:p>
+              <a:r>
+                <a:rPr lang="en-US" altLang="zh-TW" sz="2400" dirty="0">
+                  <a:solidFill>
+                    <a:srgbClr val="FF33CC"/>
+                  </a:solidFill>
+                  <a:latin typeface="Consolas" panose="020B0609020204030204" pitchFamily="49" charset="0"/>
+                </a:rPr>
+                <a:t>4</a:t>
+              </a:r>
+              <a:endParaRPr lang="zh-TW" altLang="en-US" sz="2400" dirty="0"/>
+            </a:p>
+          </p:txBody>
+        </p:sp>
+      </p:grpSp>
+      <p:grpSp>
+        <p:nvGrpSpPr>
+          <p:cNvPr id="26" name="群組 25">
+            <a:extLst>
+              <a:ext uri="{FF2B5EF4-FFF2-40B4-BE49-F238E27FC236}">
+                <a16:creationId xmlns:a16="http://schemas.microsoft.com/office/drawing/2014/main" id="{73FAAACC-00DF-4690-9A97-E4E26EA2AA53}"/>
+              </a:ext>
+            </a:extLst>
+          </p:cNvPr>
+          <p:cNvGrpSpPr/>
+          <p:nvPr/>
+        </p:nvGrpSpPr>
+        <p:grpSpPr>
+          <a:xfrm>
+            <a:off x="6631175" y="3007246"/>
+            <a:ext cx="843509" cy="843509"/>
+            <a:chOff x="6631175" y="3007246"/>
+            <a:chExt cx="843509" cy="843509"/>
+          </a:xfrm>
+        </p:grpSpPr>
+        <p:sp>
+          <p:nvSpPr>
+            <p:cNvPr id="12" name="矩形 11">
+              <a:extLst>
+                <a:ext uri="{FF2B5EF4-FFF2-40B4-BE49-F238E27FC236}">
+                  <a16:creationId xmlns:a16="http://schemas.microsoft.com/office/drawing/2014/main" id="{1B47299F-309E-4358-81AA-9C7ABBB3852F}"/>
+                </a:ext>
+              </a:extLst>
+            </p:cNvPr>
+            <p:cNvSpPr/>
+            <p:nvPr/>
+          </p:nvSpPr>
+          <p:spPr>
+            <a:xfrm>
+              <a:off x="6631175" y="3007246"/>
+              <a:ext cx="843509" cy="843509"/>
+            </a:xfrm>
+            <a:prstGeom prst="rect">
+              <a:avLst/>
+            </a:prstGeom>
+            <a:noFill/>
+            <a:ln w="28575">
+              <a:solidFill>
+                <a:schemeClr val="tx1"/>
+              </a:solidFill>
+            </a:ln>
+          </p:spPr>
+          <p:style>
+            <a:lnRef idx="2">
+              <a:schemeClr val="accent1">
+                <a:shade val="50000"/>
+              </a:schemeClr>
+            </a:lnRef>
+            <a:fillRef idx="1">
+              <a:schemeClr val="accent1"/>
+            </a:fillRef>
+            <a:effectRef idx="0">
+              <a:schemeClr val="accent1"/>
+            </a:effectRef>
+            <a:fontRef idx="minor">
+              <a:schemeClr val="lt1"/>
+            </a:fontRef>
+          </p:style>
+          <p:txBody>
+            <a:bodyPr rtlCol="0" anchor="ctr"/>
+            <a:lstStyle/>
+            <a:p>
+              <a:pPr algn="ctr"/>
+              <a:endParaRPr lang="zh-TW" altLang="en-US"/>
+            </a:p>
+          </p:txBody>
+        </p:sp>
+        <p:sp>
+          <p:nvSpPr>
+            <p:cNvPr id="19" name="文字方塊 18">
+              <a:extLst>
+                <a:ext uri="{FF2B5EF4-FFF2-40B4-BE49-F238E27FC236}">
+                  <a16:creationId xmlns:a16="http://schemas.microsoft.com/office/drawing/2014/main" id="{80179456-8DE3-4A10-BA0A-F5FA4EE22548}"/>
+                </a:ext>
+              </a:extLst>
+            </p:cNvPr>
+            <p:cNvSpPr txBox="1"/>
+            <p:nvPr/>
+          </p:nvSpPr>
+          <p:spPr>
+            <a:xfrm>
+              <a:off x="6911118" y="3198167"/>
+              <a:ext cx="462553" cy="461665"/>
+            </a:xfrm>
+            <a:prstGeom prst="rect">
+              <a:avLst/>
+            </a:prstGeom>
+            <a:noFill/>
+          </p:spPr>
+          <p:txBody>
+            <a:bodyPr wrap="square">
+              <a:spAutoFit/>
+            </a:bodyPr>
+            <a:lstStyle/>
+            <a:p>
+              <a:r>
+                <a:rPr lang="en-US" altLang="zh-TW" sz="2400" dirty="0">
+                  <a:solidFill>
+                    <a:srgbClr val="FF33CC"/>
+                  </a:solidFill>
+                  <a:latin typeface="Consolas" panose="020B0609020204030204" pitchFamily="49" charset="0"/>
+                </a:rPr>
+                <a:t>5</a:t>
+              </a:r>
+              <a:endParaRPr lang="zh-TW" altLang="en-US" sz="2400" dirty="0"/>
+            </a:p>
+          </p:txBody>
+        </p:sp>
+      </p:grpSp>
+      <p:grpSp>
+        <p:nvGrpSpPr>
+          <p:cNvPr id="27" name="群組 26">
+            <a:extLst>
+              <a:ext uri="{FF2B5EF4-FFF2-40B4-BE49-F238E27FC236}">
+                <a16:creationId xmlns:a16="http://schemas.microsoft.com/office/drawing/2014/main" id="{3798ECFB-4E11-419D-98E0-B0909412A3B1}"/>
+              </a:ext>
+            </a:extLst>
+          </p:cNvPr>
+          <p:cNvGrpSpPr/>
+          <p:nvPr/>
+        </p:nvGrpSpPr>
+        <p:grpSpPr>
+          <a:xfrm>
+            <a:off x="7573920" y="3007246"/>
+            <a:ext cx="843509" cy="843509"/>
+            <a:chOff x="7573920" y="3007246"/>
+            <a:chExt cx="843509" cy="843509"/>
+          </a:xfrm>
+        </p:grpSpPr>
+        <p:sp>
+          <p:nvSpPr>
+            <p:cNvPr id="13" name="矩形 12">
+              <a:extLst>
+                <a:ext uri="{FF2B5EF4-FFF2-40B4-BE49-F238E27FC236}">
+                  <a16:creationId xmlns:a16="http://schemas.microsoft.com/office/drawing/2014/main" id="{CB186404-AB72-44D4-AF3E-BCF27FFDE11C}"/>
+                </a:ext>
+              </a:extLst>
+            </p:cNvPr>
+            <p:cNvSpPr/>
+            <p:nvPr/>
+          </p:nvSpPr>
+          <p:spPr>
+            <a:xfrm>
+              <a:off x="7573920" y="3007246"/>
+              <a:ext cx="843509" cy="843509"/>
+            </a:xfrm>
+            <a:prstGeom prst="rect">
+              <a:avLst/>
+            </a:prstGeom>
+            <a:noFill/>
+            <a:ln w="28575">
+              <a:solidFill>
+                <a:schemeClr val="tx1"/>
+              </a:solidFill>
+            </a:ln>
+          </p:spPr>
+          <p:style>
+            <a:lnRef idx="2">
+              <a:schemeClr val="accent1">
+                <a:shade val="50000"/>
+              </a:schemeClr>
+            </a:lnRef>
+            <a:fillRef idx="1">
+              <a:schemeClr val="accent1"/>
+            </a:fillRef>
+            <a:effectRef idx="0">
+              <a:schemeClr val="accent1"/>
+            </a:effectRef>
+            <a:fontRef idx="minor">
+              <a:schemeClr val="lt1"/>
+            </a:fontRef>
+          </p:style>
+          <p:txBody>
+            <a:bodyPr rtlCol="0" anchor="ctr"/>
+            <a:lstStyle/>
+            <a:p>
+              <a:pPr algn="ctr"/>
+              <a:endParaRPr lang="zh-TW" altLang="en-US"/>
+            </a:p>
+          </p:txBody>
+        </p:sp>
+        <p:sp>
+          <p:nvSpPr>
+            <p:cNvPr id="20" name="文字方塊 19">
+              <a:extLst>
+                <a:ext uri="{FF2B5EF4-FFF2-40B4-BE49-F238E27FC236}">
+                  <a16:creationId xmlns:a16="http://schemas.microsoft.com/office/drawing/2014/main" id="{2933A56D-829B-48C4-AC02-40E9694DA131}"/>
+                </a:ext>
+              </a:extLst>
+            </p:cNvPr>
+            <p:cNvSpPr txBox="1"/>
+            <p:nvPr/>
+          </p:nvSpPr>
+          <p:spPr>
+            <a:xfrm>
+              <a:off x="7839361" y="3198167"/>
+              <a:ext cx="462553" cy="461665"/>
+            </a:xfrm>
+            <a:prstGeom prst="rect">
+              <a:avLst/>
+            </a:prstGeom>
+            <a:noFill/>
+          </p:spPr>
+          <p:txBody>
+            <a:bodyPr wrap="square">
+              <a:spAutoFit/>
+            </a:bodyPr>
+            <a:lstStyle/>
+            <a:p>
+              <a:r>
+                <a:rPr lang="en-US" altLang="zh-TW" sz="2400" dirty="0">
+                  <a:solidFill>
+                    <a:srgbClr val="FF33CC"/>
+                  </a:solidFill>
+                  <a:latin typeface="Consolas" panose="020B0609020204030204" pitchFamily="49" charset="0"/>
+                </a:rPr>
+                <a:t>6</a:t>
+              </a:r>
+              <a:endParaRPr lang="zh-TW" altLang="en-US" sz="2400" dirty="0"/>
+            </a:p>
+          </p:txBody>
+        </p:sp>
+      </p:grpSp>
+      <p:grpSp>
+        <p:nvGrpSpPr>
+          <p:cNvPr id="28" name="群組 27">
+            <a:extLst>
+              <a:ext uri="{FF2B5EF4-FFF2-40B4-BE49-F238E27FC236}">
+                <a16:creationId xmlns:a16="http://schemas.microsoft.com/office/drawing/2014/main" id="{342CE5C5-1134-4DD0-AB00-253F85000732}"/>
+              </a:ext>
+            </a:extLst>
+          </p:cNvPr>
+          <p:cNvGrpSpPr/>
+          <p:nvPr/>
+        </p:nvGrpSpPr>
+        <p:grpSpPr>
+          <a:xfrm>
+            <a:off x="8516665" y="3007246"/>
+            <a:ext cx="843509" cy="843509"/>
+            <a:chOff x="8516665" y="3007246"/>
+            <a:chExt cx="843509" cy="843509"/>
+          </a:xfrm>
+        </p:grpSpPr>
+        <p:sp>
+          <p:nvSpPr>
+            <p:cNvPr id="14" name="矩形 13">
+              <a:extLst>
+                <a:ext uri="{FF2B5EF4-FFF2-40B4-BE49-F238E27FC236}">
+                  <a16:creationId xmlns:a16="http://schemas.microsoft.com/office/drawing/2014/main" id="{F7129E6F-A9BC-4EA5-8C9F-489DFC0018D6}"/>
+                </a:ext>
+              </a:extLst>
+            </p:cNvPr>
+            <p:cNvSpPr/>
+            <p:nvPr/>
+          </p:nvSpPr>
+          <p:spPr>
+            <a:xfrm>
+              <a:off x="8516665" y="3007246"/>
+              <a:ext cx="843509" cy="843509"/>
+            </a:xfrm>
+            <a:prstGeom prst="rect">
+              <a:avLst/>
+            </a:prstGeom>
+            <a:noFill/>
+            <a:ln w="28575">
+              <a:solidFill>
+                <a:schemeClr val="tx1"/>
+              </a:solidFill>
+            </a:ln>
+          </p:spPr>
+          <p:style>
+            <a:lnRef idx="2">
+              <a:schemeClr val="accent1">
+                <a:shade val="50000"/>
+              </a:schemeClr>
+            </a:lnRef>
+            <a:fillRef idx="1">
+              <a:schemeClr val="accent1"/>
+            </a:fillRef>
+            <a:effectRef idx="0">
+              <a:schemeClr val="accent1"/>
+            </a:effectRef>
+            <a:fontRef idx="minor">
+              <a:schemeClr val="lt1"/>
+            </a:fontRef>
+          </p:style>
+          <p:txBody>
+            <a:bodyPr rtlCol="0" anchor="ctr"/>
+            <a:lstStyle/>
+            <a:p>
+              <a:pPr algn="ctr"/>
+              <a:endParaRPr lang="zh-TW" altLang="en-US"/>
+            </a:p>
+          </p:txBody>
+        </p:sp>
+        <p:sp>
+          <p:nvSpPr>
+            <p:cNvPr id="21" name="文字方塊 20">
+              <a:extLst>
+                <a:ext uri="{FF2B5EF4-FFF2-40B4-BE49-F238E27FC236}">
+                  <a16:creationId xmlns:a16="http://schemas.microsoft.com/office/drawing/2014/main" id="{AD71959A-B401-4D99-AE52-C78EF9063F90}"/>
+                </a:ext>
+              </a:extLst>
+            </p:cNvPr>
+            <p:cNvSpPr txBox="1"/>
+            <p:nvPr/>
+          </p:nvSpPr>
+          <p:spPr>
+            <a:xfrm>
+              <a:off x="8783358" y="3198167"/>
+              <a:ext cx="462553" cy="461665"/>
+            </a:xfrm>
+            <a:prstGeom prst="rect">
+              <a:avLst/>
+            </a:prstGeom>
+            <a:noFill/>
+          </p:spPr>
+          <p:txBody>
+            <a:bodyPr wrap="square">
+              <a:spAutoFit/>
+            </a:bodyPr>
+            <a:lstStyle/>
+            <a:p>
+              <a:r>
+                <a:rPr lang="en-US" altLang="zh-TW" sz="2400" dirty="0">
+                  <a:solidFill>
+                    <a:srgbClr val="FF33CC"/>
+                  </a:solidFill>
+                  <a:latin typeface="Consolas" panose="020B0609020204030204" pitchFamily="49" charset="0"/>
+                </a:rPr>
+                <a:t>7</a:t>
+              </a:r>
+              <a:endParaRPr lang="zh-TW" altLang="en-US" sz="2400" dirty="0"/>
+            </a:p>
+          </p:txBody>
+        </p:sp>
+      </p:grpSp>
+      <p:sp>
+        <p:nvSpPr>
+          <p:cNvPr id="29" name="文字方塊 28">
+            <a:extLst>
+              <a:ext uri="{FF2B5EF4-FFF2-40B4-BE49-F238E27FC236}">
+                <a16:creationId xmlns:a16="http://schemas.microsoft.com/office/drawing/2014/main" id="{5E822828-0945-4977-A1B5-558A6A1CCD34}"/>
+              </a:ext>
+            </a:extLst>
+          </p:cNvPr>
+          <p:cNvSpPr txBox="1"/>
+          <p:nvPr/>
+        </p:nvSpPr>
+        <p:spPr>
+          <a:xfrm>
+            <a:off x="4068753" y="4694281"/>
+            <a:ext cx="4253087" cy="584775"/>
+          </a:xfrm>
+          <a:prstGeom prst="rect">
+            <a:avLst/>
+          </a:prstGeom>
+          <a:noFill/>
+        </p:spPr>
+        <p:txBody>
+          <a:bodyPr wrap="none" rtlCol="0">
+            <a:spAutoFit/>
+          </a:bodyPr>
+          <a:lstStyle/>
+          <a:p>
+            <a:r>
+              <a:rPr lang="en-US" altLang="zh-TW" sz="3200" dirty="0" err="1">
+                <a:latin typeface="Consolas" panose="020B0609020204030204" pitchFamily="49" charset="0"/>
+              </a:rPr>
+              <a:t>SimpleQueue</a:t>
+            </a:r>
+            <a:r>
+              <a:rPr lang="en-US" altLang="zh-TW" sz="3200" dirty="0" err="1">
+                <a:solidFill>
+                  <a:srgbClr val="FF0000"/>
+                </a:solidFill>
+                <a:latin typeface="Consolas" panose="020B0609020204030204" pitchFamily="49" charset="0"/>
+              </a:rPr>
+              <a:t>.</a:t>
+            </a:r>
+            <a:r>
+              <a:rPr lang="en-US" altLang="zh-TW" sz="3200" dirty="0" err="1">
+                <a:latin typeface="Consolas" panose="020B0609020204030204" pitchFamily="49" charset="0"/>
+              </a:rPr>
+              <a:t>pop</a:t>
+            </a:r>
+            <a:r>
+              <a:rPr lang="en-US" altLang="zh-TW" sz="3200" dirty="0">
+                <a:solidFill>
+                  <a:srgbClr val="FF0000"/>
+                </a:solidFill>
+                <a:latin typeface="Consolas" panose="020B0609020204030204" pitchFamily="49" charset="0"/>
+              </a:rPr>
+              <a:t>();</a:t>
+            </a:r>
+            <a:endParaRPr lang="zh-TW" altLang="en-US" sz="3200" dirty="0">
+              <a:solidFill>
+                <a:srgbClr val="FF0000"/>
+              </a:solidFill>
+              <a:latin typeface="Consolas" panose="020B0609020204030204" pitchFamily="49" charset="0"/>
+            </a:endParaRPr>
+          </a:p>
+        </p:txBody>
+      </p:sp>
+      <p:sp>
+        <p:nvSpPr>
+          <p:cNvPr id="32" name="文字方塊 31">
+            <a:extLst>
+              <a:ext uri="{FF2B5EF4-FFF2-40B4-BE49-F238E27FC236}">
+                <a16:creationId xmlns:a16="http://schemas.microsoft.com/office/drawing/2014/main" id="{4D7DAD3C-6327-44FD-A446-26D2EC89C2AC}"/>
+              </a:ext>
+            </a:extLst>
+          </p:cNvPr>
+          <p:cNvSpPr txBox="1"/>
+          <p:nvPr/>
+        </p:nvSpPr>
+        <p:spPr>
+          <a:xfrm>
+            <a:off x="4369316" y="2767278"/>
+            <a:ext cx="3651962" cy="1323439"/>
+          </a:xfrm>
+          <a:prstGeom prst="rect">
+            <a:avLst/>
+          </a:prstGeom>
+          <a:noFill/>
+        </p:spPr>
+        <p:txBody>
+          <a:bodyPr wrap="none" rtlCol="0">
+            <a:spAutoFit/>
+          </a:bodyPr>
+          <a:lstStyle/>
+          <a:p>
+            <a:pPr algn="ctr"/>
+            <a:r>
+              <a:rPr lang="zh-TW" altLang="en-US" sz="4000" dirty="0">
+                <a:latin typeface="微軟正黑體" panose="020B0604030504040204" pitchFamily="34" charset="-120"/>
+                <a:ea typeface="微軟正黑體" panose="020B0604030504040204" pitchFamily="34" charset="-120"/>
+              </a:rPr>
+              <a:t>不限長度</a:t>
+            </a:r>
+            <a:endParaRPr lang="en-US" altLang="zh-TW" sz="4000" dirty="0">
+              <a:latin typeface="微軟正黑體" panose="020B0604030504040204" pitchFamily="34" charset="-120"/>
+              <a:ea typeface="微軟正黑體" panose="020B0604030504040204" pitchFamily="34" charset="-120"/>
+            </a:endParaRPr>
+          </a:p>
+          <a:p>
+            <a:pPr algn="ctr"/>
+            <a:r>
+              <a:rPr lang="en-US" altLang="zh-TW" sz="4000" dirty="0">
+                <a:latin typeface="Times New Roman" panose="02020603050405020304" pitchFamily="18" charset="0"/>
+                <a:cs typeface="Times New Roman" panose="02020603050405020304" pitchFamily="18" charset="0"/>
+              </a:rPr>
+              <a:t>First in, first out.</a:t>
+            </a:r>
+            <a:endParaRPr lang="zh-TW" altLang="en-US" sz="4000" dirty="0">
+              <a:latin typeface="Times New Roman" panose="02020603050405020304" pitchFamily="18" charset="0"/>
+              <a:cs typeface="Times New Roman" panose="02020603050405020304" pitchFamily="18" charset="0"/>
+            </a:endParaRPr>
+          </a:p>
+        </p:txBody>
+      </p:sp>
+    </p:spTree>
+    <p:extLst>
+      <p:ext uri="{BB962C8B-B14F-4D97-AF65-F5344CB8AC3E}">
+        <p14:creationId xmlns:p14="http://schemas.microsoft.com/office/powerpoint/2010/main" val="2288816965"/>
+      </p:ext>
+    </p:extLst>
+  </p:cSld>
+  <p:clrMapOvr>
+    <a:masterClrMapping/>
+  </p:clrMapOvr>
+  <mc:AlternateContent xmlns:mc="http://schemas.openxmlformats.org/markup-compatibility/2006">
+    <mc:Choice xmlns:p159="http://schemas.microsoft.com/office/powerpoint/2015/09/main" Requires="p159">
+      <p:transition xmlns:p14="http://schemas.microsoft.com/office/powerpoint/2010/main" spd="slow" p14:dur="2000">
+        <p159:morph option="byObject"/>
+      </p:transition>
+    </mc:Choice>
+    <mc:Fallback>
+      <p:transition spd="slow">
+        <p:fade/>
+      </p:transition>
+    </mc:Fallback>
+  </mc:AlternateContent>
+  <p:timing>
+    <p:tnLst>
+      <p:par>
+        <p:cTn id="1" dur="indefinite" restart="never" nodeType="tmRoot">
+          <p:childTnLst>
+            <p:seq concurrent="1" nextAc="seek">
+              <p:cTn id="2" dur="indefinite" nodeType="mainSeq">
+                <p:childTnLst>
+                  <p:par>
+                    <p:cTn id="3" fill="hold">
+                      <p:stCondLst>
+                        <p:cond delay="indefinite"/>
+                        <p:cond evt="onBegin" delay="0">
+                          <p:tn val="2"/>
+                        </p:cond>
+                      </p:stCondLst>
+                      <p:childTnLst>
+                        <p:par>
+                          <p:cTn id="4" fill="hold">
+                            <p:stCondLst>
+                              <p:cond delay="0"/>
+                            </p:stCondLst>
+                            <p:childTnLst>
+                              <p:par>
+                                <p:cTn id="5" presetID="10" presetClass="entr" presetSubtype="0" fill="hold" grpId="0" nodeType="afterEffect">
+                                  <p:stCondLst>
+                                    <p:cond delay="0"/>
+                                  </p:stCondLst>
+                                  <p:childTnLst>
+                                    <p:set>
+                                      <p:cBhvr>
+                                        <p:cTn id="6" dur="1" fill="hold">
+                                          <p:stCondLst>
+                                            <p:cond delay="0"/>
+                                          </p:stCondLst>
+                                        </p:cTn>
+                                        <p:tgtEl>
+                                          <p:spTgt spid="29"/>
+                                        </p:tgtEl>
+                                        <p:attrNameLst>
+                                          <p:attrName>style.visibility</p:attrName>
+                                        </p:attrNameLst>
+                                      </p:cBhvr>
+                                      <p:to>
+                                        <p:strVal val="visible"/>
+                                      </p:to>
+                                    </p:set>
+                                    <p:animEffect transition="in" filter="fade">
+                                      <p:cBhvr>
+                                        <p:cTn id="7" dur="500"/>
+                                        <p:tgtEl>
+                                          <p:spTgt spid="29"/>
+                                        </p:tgtEl>
+                                      </p:cBhvr>
+                                    </p:animEffect>
+                                  </p:childTnLst>
+                                </p:cTn>
+                              </p:par>
+                            </p:childTnLst>
+                          </p:cTn>
+                        </p:par>
+                        <p:par>
+                          <p:cTn id="8" fill="hold">
+                            <p:stCondLst>
+                              <p:cond delay="500"/>
+                            </p:stCondLst>
+                            <p:childTnLst>
+                              <p:par>
+                                <p:cTn id="9" presetID="2" presetClass="exit" presetSubtype="8" fill="hold" nodeType="afterEffect">
+                                  <p:stCondLst>
+                                    <p:cond delay="0"/>
+                                  </p:stCondLst>
+                                  <p:childTnLst>
+                                    <p:anim calcmode="lin" valueType="num">
+                                      <p:cBhvr additive="base">
+                                        <p:cTn id="10" dur="500"/>
+                                        <p:tgtEl>
+                                          <p:spTgt spid="22"/>
+                                        </p:tgtEl>
+                                        <p:attrNameLst>
+                                          <p:attrName>ppt_x</p:attrName>
+                                        </p:attrNameLst>
+                                      </p:cBhvr>
+                                      <p:tavLst>
+                                        <p:tav tm="0">
+                                          <p:val>
+                                            <p:strVal val="ppt_x"/>
+                                          </p:val>
+                                        </p:tav>
+                                        <p:tav tm="100000">
+                                          <p:val>
+                                            <p:strVal val="0-ppt_w/2"/>
+                                          </p:val>
+                                        </p:tav>
+                                      </p:tavLst>
+                                    </p:anim>
+                                    <p:anim calcmode="lin" valueType="num">
+                                      <p:cBhvr additive="base">
+                                        <p:cTn id="11" dur="500"/>
+                                        <p:tgtEl>
+                                          <p:spTgt spid="22"/>
+                                        </p:tgtEl>
+                                        <p:attrNameLst>
+                                          <p:attrName>ppt_y</p:attrName>
+                                        </p:attrNameLst>
+                                      </p:cBhvr>
+                                      <p:tavLst>
+                                        <p:tav tm="0">
+                                          <p:val>
+                                            <p:strVal val="ppt_y"/>
+                                          </p:val>
+                                        </p:tav>
+                                        <p:tav tm="100000">
+                                          <p:val>
+                                            <p:strVal val="ppt_y"/>
+                                          </p:val>
+                                        </p:tav>
+                                      </p:tavLst>
+                                    </p:anim>
+                                    <p:set>
+                                      <p:cBhvr>
+                                        <p:cTn id="12" dur="1" fill="hold">
+                                          <p:stCondLst>
+                                            <p:cond delay="499"/>
+                                          </p:stCondLst>
+                                        </p:cTn>
+                                        <p:tgtEl>
+                                          <p:spTgt spid="22"/>
+                                        </p:tgtEl>
+                                        <p:attrNameLst>
+                                          <p:attrName>style.visibility</p:attrName>
+                                        </p:attrNameLst>
+                                      </p:cBhvr>
+                                      <p:to>
+                                        <p:strVal val="hidden"/>
+                                      </p:to>
+                                    </p:set>
+                                  </p:childTnLst>
+                                </p:cTn>
+                              </p:par>
+                            </p:childTnLst>
+                          </p:cTn>
+                        </p:par>
+                        <p:par>
+                          <p:cTn id="13" fill="hold">
+                            <p:stCondLst>
+                              <p:cond delay="1000"/>
+                            </p:stCondLst>
+                            <p:childTnLst>
+                              <p:par>
+                                <p:cTn id="14" presetID="2" presetClass="exit" presetSubtype="8" fill="hold" nodeType="afterEffect">
+                                  <p:stCondLst>
+                                    <p:cond delay="0"/>
+                                  </p:stCondLst>
+                                  <p:childTnLst>
+                                    <p:anim calcmode="lin" valueType="num">
+                                      <p:cBhvr additive="base">
+                                        <p:cTn id="15" dur="500"/>
+                                        <p:tgtEl>
+                                          <p:spTgt spid="23"/>
+                                        </p:tgtEl>
+                                        <p:attrNameLst>
+                                          <p:attrName>ppt_x</p:attrName>
+                                        </p:attrNameLst>
+                                      </p:cBhvr>
+                                      <p:tavLst>
+                                        <p:tav tm="0">
+                                          <p:val>
+                                            <p:strVal val="ppt_x"/>
+                                          </p:val>
+                                        </p:tav>
+                                        <p:tav tm="100000">
+                                          <p:val>
+                                            <p:strVal val="0-ppt_w/2"/>
+                                          </p:val>
+                                        </p:tav>
+                                      </p:tavLst>
+                                    </p:anim>
+                                    <p:anim calcmode="lin" valueType="num">
+                                      <p:cBhvr additive="base">
+                                        <p:cTn id="16" dur="500"/>
+                                        <p:tgtEl>
+                                          <p:spTgt spid="23"/>
+                                        </p:tgtEl>
+                                        <p:attrNameLst>
+                                          <p:attrName>ppt_y</p:attrName>
+                                        </p:attrNameLst>
+                                      </p:cBhvr>
+                                      <p:tavLst>
+                                        <p:tav tm="0">
+                                          <p:val>
+                                            <p:strVal val="ppt_y"/>
+                                          </p:val>
+                                        </p:tav>
+                                        <p:tav tm="100000">
+                                          <p:val>
+                                            <p:strVal val="ppt_y"/>
+                                          </p:val>
+                                        </p:tav>
+                                      </p:tavLst>
+                                    </p:anim>
+                                    <p:set>
+                                      <p:cBhvr>
+                                        <p:cTn id="17" dur="1" fill="hold">
+                                          <p:stCondLst>
+                                            <p:cond delay="499"/>
+                                          </p:stCondLst>
+                                        </p:cTn>
+                                        <p:tgtEl>
+                                          <p:spTgt spid="23"/>
+                                        </p:tgtEl>
+                                        <p:attrNameLst>
+                                          <p:attrName>style.visibility</p:attrName>
+                                        </p:attrNameLst>
+                                      </p:cBhvr>
+                                      <p:to>
+                                        <p:strVal val="hidden"/>
+                                      </p:to>
+                                    </p:set>
+                                  </p:childTnLst>
+                                </p:cTn>
+                              </p:par>
+                            </p:childTnLst>
+                          </p:cTn>
+                        </p:par>
+                        <p:par>
+                          <p:cTn id="18" fill="hold">
+                            <p:stCondLst>
+                              <p:cond delay="1500"/>
+                            </p:stCondLst>
+                            <p:childTnLst>
+                              <p:par>
+                                <p:cTn id="19" presetID="2" presetClass="exit" presetSubtype="8" fill="hold" nodeType="afterEffect">
+                                  <p:stCondLst>
+                                    <p:cond delay="0"/>
+                                  </p:stCondLst>
+                                  <p:childTnLst>
+                                    <p:anim calcmode="lin" valueType="num">
+                                      <p:cBhvr additive="base">
+                                        <p:cTn id="20" dur="500"/>
+                                        <p:tgtEl>
+                                          <p:spTgt spid="24"/>
+                                        </p:tgtEl>
+                                        <p:attrNameLst>
+                                          <p:attrName>ppt_x</p:attrName>
+                                        </p:attrNameLst>
+                                      </p:cBhvr>
+                                      <p:tavLst>
+                                        <p:tav tm="0">
+                                          <p:val>
+                                            <p:strVal val="ppt_x"/>
+                                          </p:val>
+                                        </p:tav>
+                                        <p:tav tm="100000">
+                                          <p:val>
+                                            <p:strVal val="0-ppt_w/2"/>
+                                          </p:val>
+                                        </p:tav>
+                                      </p:tavLst>
+                                    </p:anim>
+                                    <p:anim calcmode="lin" valueType="num">
+                                      <p:cBhvr additive="base">
+                                        <p:cTn id="21" dur="500"/>
+                                        <p:tgtEl>
+                                          <p:spTgt spid="24"/>
+                                        </p:tgtEl>
+                                        <p:attrNameLst>
+                                          <p:attrName>ppt_y</p:attrName>
+                                        </p:attrNameLst>
+                                      </p:cBhvr>
+                                      <p:tavLst>
+                                        <p:tav tm="0">
+                                          <p:val>
+                                            <p:strVal val="ppt_y"/>
+                                          </p:val>
+                                        </p:tav>
+                                        <p:tav tm="100000">
+                                          <p:val>
+                                            <p:strVal val="ppt_y"/>
+                                          </p:val>
+                                        </p:tav>
+                                      </p:tavLst>
+                                    </p:anim>
+                                    <p:set>
+                                      <p:cBhvr>
+                                        <p:cTn id="22" dur="1" fill="hold">
+                                          <p:stCondLst>
+                                            <p:cond delay="499"/>
+                                          </p:stCondLst>
+                                        </p:cTn>
+                                        <p:tgtEl>
+                                          <p:spTgt spid="24"/>
+                                        </p:tgtEl>
+                                        <p:attrNameLst>
+                                          <p:attrName>style.visibility</p:attrName>
+                                        </p:attrNameLst>
+                                      </p:cBhvr>
+                                      <p:to>
+                                        <p:strVal val="hidden"/>
+                                      </p:to>
+                                    </p:set>
+                                  </p:childTnLst>
+                                </p:cTn>
+                              </p:par>
+                            </p:childTnLst>
+                          </p:cTn>
+                        </p:par>
+                        <p:par>
+                          <p:cTn id="23" fill="hold">
+                            <p:stCondLst>
+                              <p:cond delay="2000"/>
+                            </p:stCondLst>
+                            <p:childTnLst>
+                              <p:par>
+                                <p:cTn id="24" presetID="2" presetClass="exit" presetSubtype="8" fill="hold" nodeType="afterEffect">
+                                  <p:stCondLst>
+                                    <p:cond delay="0"/>
+                                  </p:stCondLst>
+                                  <p:childTnLst>
+                                    <p:anim calcmode="lin" valueType="num">
+                                      <p:cBhvr additive="base">
+                                        <p:cTn id="25" dur="500"/>
+                                        <p:tgtEl>
+                                          <p:spTgt spid="25"/>
+                                        </p:tgtEl>
+                                        <p:attrNameLst>
+                                          <p:attrName>ppt_x</p:attrName>
+                                        </p:attrNameLst>
+                                      </p:cBhvr>
+                                      <p:tavLst>
+                                        <p:tav tm="0">
+                                          <p:val>
+                                            <p:strVal val="ppt_x"/>
+                                          </p:val>
+                                        </p:tav>
+                                        <p:tav tm="100000">
+                                          <p:val>
+                                            <p:strVal val="0-ppt_w/2"/>
+                                          </p:val>
+                                        </p:tav>
+                                      </p:tavLst>
+                                    </p:anim>
+                                    <p:anim calcmode="lin" valueType="num">
+                                      <p:cBhvr additive="base">
+                                        <p:cTn id="26" dur="500"/>
+                                        <p:tgtEl>
+                                          <p:spTgt spid="25"/>
+                                        </p:tgtEl>
+                                        <p:attrNameLst>
+                                          <p:attrName>ppt_y</p:attrName>
+                                        </p:attrNameLst>
+                                      </p:cBhvr>
+                                      <p:tavLst>
+                                        <p:tav tm="0">
+                                          <p:val>
+                                            <p:strVal val="ppt_y"/>
+                                          </p:val>
+                                        </p:tav>
+                                        <p:tav tm="100000">
+                                          <p:val>
+                                            <p:strVal val="ppt_y"/>
+                                          </p:val>
+                                        </p:tav>
+                                      </p:tavLst>
+                                    </p:anim>
+                                    <p:set>
+                                      <p:cBhvr>
+                                        <p:cTn id="27" dur="1" fill="hold">
+                                          <p:stCondLst>
+                                            <p:cond delay="499"/>
+                                          </p:stCondLst>
+                                        </p:cTn>
+                                        <p:tgtEl>
+                                          <p:spTgt spid="25"/>
+                                        </p:tgtEl>
+                                        <p:attrNameLst>
+                                          <p:attrName>style.visibility</p:attrName>
+                                        </p:attrNameLst>
+                                      </p:cBhvr>
+                                      <p:to>
+                                        <p:strVal val="hidden"/>
+                                      </p:to>
+                                    </p:set>
+                                  </p:childTnLst>
+                                </p:cTn>
+                              </p:par>
+                            </p:childTnLst>
+                          </p:cTn>
+                        </p:par>
+                        <p:par>
+                          <p:cTn id="28" fill="hold">
+                            <p:stCondLst>
+                              <p:cond delay="2500"/>
+                            </p:stCondLst>
+                            <p:childTnLst>
+                              <p:par>
+                                <p:cTn id="29" presetID="2" presetClass="exit" presetSubtype="8" fill="hold" nodeType="afterEffect">
+                                  <p:stCondLst>
+                                    <p:cond delay="0"/>
+                                  </p:stCondLst>
+                                  <p:childTnLst>
+                                    <p:anim calcmode="lin" valueType="num">
+                                      <p:cBhvr additive="base">
+                                        <p:cTn id="30" dur="500"/>
+                                        <p:tgtEl>
+                                          <p:spTgt spid="26"/>
+                                        </p:tgtEl>
+                                        <p:attrNameLst>
+                                          <p:attrName>ppt_x</p:attrName>
+                                        </p:attrNameLst>
+                                      </p:cBhvr>
+                                      <p:tavLst>
+                                        <p:tav tm="0">
+                                          <p:val>
+                                            <p:strVal val="ppt_x"/>
+                                          </p:val>
+                                        </p:tav>
+                                        <p:tav tm="100000">
+                                          <p:val>
+                                            <p:strVal val="0-ppt_w/2"/>
+                                          </p:val>
+                                        </p:tav>
+                                      </p:tavLst>
+                                    </p:anim>
+                                    <p:anim calcmode="lin" valueType="num">
+                                      <p:cBhvr additive="base">
+                                        <p:cTn id="31" dur="500"/>
+                                        <p:tgtEl>
+                                          <p:spTgt spid="26"/>
+                                        </p:tgtEl>
+                                        <p:attrNameLst>
+                                          <p:attrName>ppt_y</p:attrName>
+                                        </p:attrNameLst>
+                                      </p:cBhvr>
+                                      <p:tavLst>
+                                        <p:tav tm="0">
+                                          <p:val>
+                                            <p:strVal val="ppt_y"/>
+                                          </p:val>
+                                        </p:tav>
+                                        <p:tav tm="100000">
+                                          <p:val>
+                                            <p:strVal val="ppt_y"/>
+                                          </p:val>
+                                        </p:tav>
+                                      </p:tavLst>
+                                    </p:anim>
+                                    <p:set>
+                                      <p:cBhvr>
+                                        <p:cTn id="32" dur="1" fill="hold">
+                                          <p:stCondLst>
+                                            <p:cond delay="499"/>
+                                          </p:stCondLst>
+                                        </p:cTn>
+                                        <p:tgtEl>
+                                          <p:spTgt spid="26"/>
+                                        </p:tgtEl>
+                                        <p:attrNameLst>
+                                          <p:attrName>style.visibility</p:attrName>
+                                        </p:attrNameLst>
+                                      </p:cBhvr>
+                                      <p:to>
+                                        <p:strVal val="hidden"/>
+                                      </p:to>
+                                    </p:set>
+                                  </p:childTnLst>
+                                </p:cTn>
+                              </p:par>
+                            </p:childTnLst>
+                          </p:cTn>
+                        </p:par>
+                        <p:par>
+                          <p:cTn id="33" fill="hold">
+                            <p:stCondLst>
+                              <p:cond delay="3000"/>
+                            </p:stCondLst>
+                            <p:childTnLst>
+                              <p:par>
+                                <p:cTn id="34" presetID="2" presetClass="exit" presetSubtype="8" fill="hold" nodeType="afterEffect">
+                                  <p:stCondLst>
+                                    <p:cond delay="0"/>
+                                  </p:stCondLst>
+                                  <p:childTnLst>
+                                    <p:anim calcmode="lin" valueType="num">
+                                      <p:cBhvr additive="base">
+                                        <p:cTn id="35" dur="500"/>
+                                        <p:tgtEl>
+                                          <p:spTgt spid="27"/>
+                                        </p:tgtEl>
+                                        <p:attrNameLst>
+                                          <p:attrName>ppt_x</p:attrName>
+                                        </p:attrNameLst>
+                                      </p:cBhvr>
+                                      <p:tavLst>
+                                        <p:tav tm="0">
+                                          <p:val>
+                                            <p:strVal val="ppt_x"/>
+                                          </p:val>
+                                        </p:tav>
+                                        <p:tav tm="100000">
+                                          <p:val>
+                                            <p:strVal val="0-ppt_w/2"/>
+                                          </p:val>
+                                        </p:tav>
+                                      </p:tavLst>
+                                    </p:anim>
+                                    <p:anim calcmode="lin" valueType="num">
+                                      <p:cBhvr additive="base">
+                                        <p:cTn id="36" dur="500"/>
+                                        <p:tgtEl>
+                                          <p:spTgt spid="27"/>
+                                        </p:tgtEl>
+                                        <p:attrNameLst>
+                                          <p:attrName>ppt_y</p:attrName>
+                                        </p:attrNameLst>
+                                      </p:cBhvr>
+                                      <p:tavLst>
+                                        <p:tav tm="0">
+                                          <p:val>
+                                            <p:strVal val="ppt_y"/>
+                                          </p:val>
+                                        </p:tav>
+                                        <p:tav tm="100000">
+                                          <p:val>
+                                            <p:strVal val="ppt_y"/>
+                                          </p:val>
+                                        </p:tav>
+                                      </p:tavLst>
+                                    </p:anim>
+                                    <p:set>
+                                      <p:cBhvr>
+                                        <p:cTn id="37" dur="1" fill="hold">
+                                          <p:stCondLst>
+                                            <p:cond delay="499"/>
+                                          </p:stCondLst>
+                                        </p:cTn>
+                                        <p:tgtEl>
+                                          <p:spTgt spid="27"/>
+                                        </p:tgtEl>
+                                        <p:attrNameLst>
+                                          <p:attrName>style.visibility</p:attrName>
+                                        </p:attrNameLst>
+                                      </p:cBhvr>
+                                      <p:to>
+                                        <p:strVal val="hidden"/>
+                                      </p:to>
+                                    </p:set>
+                                  </p:childTnLst>
+                                </p:cTn>
+                              </p:par>
+                            </p:childTnLst>
+                          </p:cTn>
+                        </p:par>
+                        <p:par>
+                          <p:cTn id="38" fill="hold">
+                            <p:stCondLst>
+                              <p:cond delay="3500"/>
+                            </p:stCondLst>
+                            <p:childTnLst>
+                              <p:par>
+                                <p:cTn id="39" presetID="2" presetClass="exit" presetSubtype="8" fill="hold" nodeType="afterEffect">
+                                  <p:stCondLst>
+                                    <p:cond delay="0"/>
+                                  </p:stCondLst>
+                                  <p:childTnLst>
+                                    <p:anim calcmode="lin" valueType="num">
+                                      <p:cBhvr additive="base">
+                                        <p:cTn id="40" dur="500"/>
+                                        <p:tgtEl>
+                                          <p:spTgt spid="28"/>
+                                        </p:tgtEl>
+                                        <p:attrNameLst>
+                                          <p:attrName>ppt_x</p:attrName>
+                                        </p:attrNameLst>
+                                      </p:cBhvr>
+                                      <p:tavLst>
+                                        <p:tav tm="0">
+                                          <p:val>
+                                            <p:strVal val="ppt_x"/>
+                                          </p:val>
+                                        </p:tav>
+                                        <p:tav tm="100000">
+                                          <p:val>
+                                            <p:strVal val="0-ppt_w/2"/>
+                                          </p:val>
+                                        </p:tav>
+                                      </p:tavLst>
+                                    </p:anim>
+                                    <p:anim calcmode="lin" valueType="num">
+                                      <p:cBhvr additive="base">
+                                        <p:cTn id="41" dur="500"/>
+                                        <p:tgtEl>
+                                          <p:spTgt spid="28"/>
+                                        </p:tgtEl>
+                                        <p:attrNameLst>
+                                          <p:attrName>ppt_y</p:attrName>
+                                        </p:attrNameLst>
+                                      </p:cBhvr>
+                                      <p:tavLst>
+                                        <p:tav tm="0">
+                                          <p:val>
+                                            <p:strVal val="ppt_y"/>
+                                          </p:val>
+                                        </p:tav>
+                                        <p:tav tm="100000">
+                                          <p:val>
+                                            <p:strVal val="ppt_y"/>
+                                          </p:val>
+                                        </p:tav>
+                                      </p:tavLst>
+                                    </p:anim>
+                                    <p:set>
+                                      <p:cBhvr>
+                                        <p:cTn id="42" dur="1" fill="hold">
+                                          <p:stCondLst>
+                                            <p:cond delay="499"/>
+                                          </p:stCondLst>
+                                        </p:cTn>
+                                        <p:tgtEl>
+                                          <p:spTgt spid="28"/>
+                                        </p:tgtEl>
+                                        <p:attrNameLst>
+                                          <p:attrName>style.visibility</p:attrName>
+                                        </p:attrNameLst>
+                                      </p:cBhvr>
+                                      <p:to>
+                                        <p:strVal val="hidden"/>
+                                      </p:to>
+                                    </p:set>
+                                  </p:childTnLst>
+                                </p:cTn>
+                              </p:par>
+                            </p:childTnLst>
+                          </p:cTn>
+                        </p:par>
+                        <p:par>
+                          <p:cTn id="43" fill="hold">
+                            <p:stCondLst>
+                              <p:cond delay="4000"/>
+                            </p:stCondLst>
+                            <p:childTnLst>
+                              <p:par>
+                                <p:cTn id="44" presetID="53" presetClass="exit" presetSubtype="32" fill="hold" nodeType="afterEffect">
+                                  <p:stCondLst>
+                                    <p:cond delay="0"/>
+                                  </p:stCondLst>
+                                  <p:childTnLst>
+                                    <p:anim calcmode="lin" valueType="num">
+                                      <p:cBhvr>
+                                        <p:cTn id="45" dur="500"/>
+                                        <p:tgtEl>
+                                          <p:spTgt spid="5"/>
+                                        </p:tgtEl>
+                                        <p:attrNameLst>
+                                          <p:attrName>ppt_w</p:attrName>
+                                        </p:attrNameLst>
+                                      </p:cBhvr>
+                                      <p:tavLst>
+                                        <p:tav tm="0">
+                                          <p:val>
+                                            <p:strVal val="ppt_w"/>
+                                          </p:val>
+                                        </p:tav>
+                                        <p:tav tm="100000">
+                                          <p:val>
+                                            <p:fltVal val="0"/>
+                                          </p:val>
+                                        </p:tav>
+                                      </p:tavLst>
+                                    </p:anim>
+                                    <p:anim calcmode="lin" valueType="num">
+                                      <p:cBhvr>
+                                        <p:cTn id="46" dur="500"/>
+                                        <p:tgtEl>
+                                          <p:spTgt spid="5"/>
+                                        </p:tgtEl>
+                                        <p:attrNameLst>
+                                          <p:attrName>ppt_h</p:attrName>
+                                        </p:attrNameLst>
+                                      </p:cBhvr>
+                                      <p:tavLst>
+                                        <p:tav tm="0">
+                                          <p:val>
+                                            <p:strVal val="ppt_h"/>
+                                          </p:val>
+                                        </p:tav>
+                                        <p:tav tm="100000">
+                                          <p:val>
+                                            <p:fltVal val="0"/>
+                                          </p:val>
+                                        </p:tav>
+                                      </p:tavLst>
+                                    </p:anim>
+                                    <p:animEffect transition="out" filter="fade">
+                                      <p:cBhvr>
+                                        <p:cTn id="47" dur="500"/>
+                                        <p:tgtEl>
+                                          <p:spTgt spid="5"/>
+                                        </p:tgtEl>
+                                      </p:cBhvr>
+                                    </p:animEffect>
+                                    <p:set>
+                                      <p:cBhvr>
+                                        <p:cTn id="48" dur="1" fill="hold">
+                                          <p:stCondLst>
+                                            <p:cond delay="499"/>
+                                          </p:stCondLst>
+                                        </p:cTn>
+                                        <p:tgtEl>
+                                          <p:spTgt spid="5"/>
+                                        </p:tgtEl>
+                                        <p:attrNameLst>
+                                          <p:attrName>style.visibility</p:attrName>
+                                        </p:attrNameLst>
+                                      </p:cBhvr>
+                                      <p:to>
+                                        <p:strVal val="hidden"/>
+                                      </p:to>
+                                    </p:set>
+                                  </p:childTnLst>
+                                </p:cTn>
+                              </p:par>
+                              <p:par>
+                                <p:cTn id="49" presetID="10" presetClass="exit" presetSubtype="0" fill="hold" grpId="1" nodeType="withEffect">
+                                  <p:stCondLst>
+                                    <p:cond delay="0"/>
+                                  </p:stCondLst>
+                                  <p:childTnLst>
+                                    <p:animEffect transition="out" filter="fade">
+                                      <p:cBhvr>
+                                        <p:cTn id="50" dur="500"/>
+                                        <p:tgtEl>
+                                          <p:spTgt spid="29"/>
+                                        </p:tgtEl>
+                                      </p:cBhvr>
+                                    </p:animEffect>
+                                    <p:set>
+                                      <p:cBhvr>
+                                        <p:cTn id="51" dur="1" fill="hold">
+                                          <p:stCondLst>
+                                            <p:cond delay="499"/>
+                                          </p:stCondLst>
+                                        </p:cTn>
+                                        <p:tgtEl>
+                                          <p:spTgt spid="29"/>
+                                        </p:tgtEl>
+                                        <p:attrNameLst>
+                                          <p:attrName>style.visibility</p:attrName>
+                                        </p:attrNameLst>
+                                      </p:cBhvr>
+                                      <p:to>
+                                        <p:strVal val="hidden"/>
+                                      </p:to>
+                                    </p:set>
+                                  </p:childTnLst>
+                                </p:cTn>
+                              </p:par>
+                            </p:childTnLst>
+                          </p:cTn>
+                        </p:par>
+                        <p:par>
+                          <p:cTn id="52" fill="hold">
+                            <p:stCondLst>
+                              <p:cond delay="4500"/>
+                            </p:stCondLst>
+                            <p:childTnLst>
+                              <p:par>
+                                <p:cTn id="53" presetID="10" presetClass="entr" presetSubtype="0" fill="hold" grpId="0" nodeType="afterEffect">
+                                  <p:stCondLst>
+                                    <p:cond delay="0"/>
+                                  </p:stCondLst>
+                                  <p:childTnLst>
+                                    <p:set>
+                                      <p:cBhvr>
+                                        <p:cTn id="54" dur="1" fill="hold">
+                                          <p:stCondLst>
+                                            <p:cond delay="0"/>
+                                          </p:stCondLst>
+                                        </p:cTn>
+                                        <p:tgtEl>
+                                          <p:spTgt spid="32"/>
+                                        </p:tgtEl>
+                                        <p:attrNameLst>
+                                          <p:attrName>style.visibility</p:attrName>
+                                        </p:attrNameLst>
+                                      </p:cBhvr>
+                                      <p:to>
+                                        <p:strVal val="visible"/>
+                                      </p:to>
+                                    </p:set>
+                                    <p:animEffect transition="in" filter="fade">
+                                      <p:cBhvr>
+                                        <p:cTn id="55" dur="500"/>
+                                        <p:tgtEl>
+                                          <p:spTgt spid="32"/>
+                                        </p:tgtEl>
+                                      </p:cBhvr>
+                                    </p:animEffect>
+                                  </p:childTnLst>
+                                </p:cTn>
+                              </p:par>
+                            </p:childTnLst>
+                          </p:cTn>
+                        </p:par>
+                      </p:childTnLst>
+                    </p:cTn>
+                  </p:par>
+                </p:childTnLst>
+              </p:cTn>
+              <p:prevCondLst>
+                <p:cond evt="onPrev" delay="0">
+                  <p:tgtEl>
+                    <p:sldTgt/>
+                  </p:tgtEl>
+                </p:cond>
+              </p:prevCondLst>
+              <p:nextCondLst>
+                <p:cond evt="onNext" delay="0">
+                  <p:tgtEl>
+                    <p:sldTgt/>
+                  </p:tgtEl>
+                </p:cond>
+              </p:nextCondLst>
+            </p:seq>
+          </p:childTnLst>
+        </p:cTn>
+      </p:par>
+    </p:tnLst>
+    <p:bldLst>
+      <p:bldP spid="29" grpId="0"/>
+      <p:bldP spid="29" grpId="1"/>
+      <p:bldP spid="32" grpId="0"/>
+    </p:bldLst>
+  </p:timing>
+</p:sld>
+</file>
+
+<file path=ppt/slides/slide4.xml><?xml version="1.0" encoding="utf-8"?>
+<p:sld xmlns:a="http://schemas.openxmlformats.org/drawingml/2006/main" xmlns:r="http://schemas.openxmlformats.org/officeDocument/2006/relationships" xmlns:p="http://schemas.openxmlformats.org/presentationml/2006/main">
+  <p:cSld>
+    <p:spTree>
+      <p:nvGrpSpPr>
+        <p:cNvPr id="1" name=""/>
+        <p:cNvGrpSpPr/>
+        <p:nvPr/>
+      </p:nvGrpSpPr>
+      <p:grpSpPr>
+        <a:xfrm>
+          <a:off x="0" y="0"/>
+          <a:ext cx="0" cy="0"/>
+          <a:chOff x="0" y="0"/>
+          <a:chExt cx="0" cy="0"/>
+        </a:xfrm>
+      </p:grpSpPr>
+      <p:sp>
+        <p:nvSpPr>
+          <p:cNvPr id="4" name="文字方塊 3">
+            <a:extLst>
+              <a:ext uri="{FF2B5EF4-FFF2-40B4-BE49-F238E27FC236}">
+                <a16:creationId xmlns:a16="http://schemas.microsoft.com/office/drawing/2014/main" id="{FB427CFF-864D-4D99-9CF5-4C756D46AD5A}"/>
+              </a:ext>
+            </a:extLst>
+          </p:cNvPr>
+          <p:cNvSpPr txBox="1"/>
+          <p:nvPr/>
+        </p:nvSpPr>
+        <p:spPr>
+          <a:xfrm>
+            <a:off x="879542" y="685800"/>
+            <a:ext cx="3570208" cy="1538883"/>
+          </a:xfrm>
+          <a:prstGeom prst="rect">
+            <a:avLst/>
+          </a:prstGeom>
+          <a:noFill/>
+        </p:spPr>
+        <p:txBody>
+          <a:bodyPr wrap="none" rtlCol="0">
+            <a:spAutoFit/>
+          </a:bodyPr>
+          <a:lstStyle/>
+          <a:p>
+            <a:pPr algn="ctr"/>
+            <a:r>
+              <a:rPr lang="zh-TW" altLang="en-US" sz="6600" dirty="0">
+                <a:latin typeface="微軟正黑體" panose="020B0604030504040204" pitchFamily="34" charset="-120"/>
+                <a:ea typeface="微軟正黑體" panose="020B0604030504040204" pitchFamily="34" charset="-120"/>
+              </a:rPr>
+              <a:t>環狀佇列</a:t>
+            </a:r>
+            <a:endParaRPr lang="en-US" altLang="zh-TW" sz="6600" dirty="0">
+              <a:latin typeface="微軟正黑體" panose="020B0604030504040204" pitchFamily="34" charset="-120"/>
+              <a:ea typeface="微軟正黑體" panose="020B0604030504040204" pitchFamily="34" charset="-120"/>
+            </a:endParaRPr>
+          </a:p>
+          <a:p>
+            <a:pPr algn="ctr"/>
+            <a:r>
+              <a:rPr lang="en-US" altLang="zh-TW" sz="2800" dirty="0">
+                <a:latin typeface="Times New Roman" panose="02020603050405020304" pitchFamily="18" charset="0"/>
+                <a:cs typeface="Times New Roman" panose="02020603050405020304" pitchFamily="18" charset="0"/>
+              </a:rPr>
+              <a:t>Circular Queue</a:t>
+            </a:r>
+            <a:endParaRPr lang="zh-TW" altLang="en-US" sz="2800" dirty="0">
+              <a:latin typeface="Times New Roman" panose="02020603050405020304" pitchFamily="18" charset="0"/>
+              <a:cs typeface="Times New Roman" panose="02020603050405020304" pitchFamily="18" charset="0"/>
+            </a:endParaRPr>
+          </a:p>
+        </p:txBody>
+      </p:sp>
+      <p:sp>
+        <p:nvSpPr>
+          <p:cNvPr id="54" name="文字方塊 53">
+            <a:extLst>
+              <a:ext uri="{FF2B5EF4-FFF2-40B4-BE49-F238E27FC236}">
+                <a16:creationId xmlns:a16="http://schemas.microsoft.com/office/drawing/2014/main" id="{902156A7-5CE3-493D-8BB3-13E5B72144A3}"/>
+              </a:ext>
+            </a:extLst>
+          </p:cNvPr>
+          <p:cNvSpPr txBox="1"/>
+          <p:nvPr/>
+        </p:nvSpPr>
+        <p:spPr>
+          <a:xfrm>
+            <a:off x="11075001" y="1939564"/>
+            <a:ext cx="509023" cy="461665"/>
+          </a:xfrm>
+          <a:prstGeom prst="rect">
+            <a:avLst/>
+          </a:prstGeom>
+          <a:noFill/>
+        </p:spPr>
+        <p:txBody>
+          <a:bodyPr wrap="square" rtlCol="0">
+            <a:spAutoFit/>
+          </a:bodyPr>
+          <a:lstStyle/>
+          <a:p>
+            <a:r>
+              <a:rPr lang="en-US" altLang="zh-TW" sz="2400" dirty="0">
+                <a:latin typeface="Consolas" panose="020B0609020204030204" pitchFamily="49" charset="0"/>
+                <a:cs typeface="Times New Roman" panose="02020603050405020304" pitchFamily="18" charset="0"/>
+              </a:rPr>
+              <a:t>1</a:t>
+            </a:r>
+            <a:endParaRPr lang="zh-TW" altLang="en-US" sz="2400" dirty="0">
+              <a:latin typeface="Consolas" panose="020B0609020204030204" pitchFamily="49" charset="0"/>
+              <a:cs typeface="Times New Roman" panose="02020603050405020304" pitchFamily="18" charset="0"/>
+            </a:endParaRPr>
+          </a:p>
+        </p:txBody>
+      </p:sp>
+      <p:sp>
+        <p:nvSpPr>
+          <p:cNvPr id="55" name="文字方塊 54">
+            <a:extLst>
+              <a:ext uri="{FF2B5EF4-FFF2-40B4-BE49-F238E27FC236}">
+                <a16:creationId xmlns:a16="http://schemas.microsoft.com/office/drawing/2014/main" id="{FBE59672-13C0-4D97-997C-7CDAB8D7A172}"/>
+              </a:ext>
+            </a:extLst>
+          </p:cNvPr>
+          <p:cNvSpPr txBox="1"/>
+          <p:nvPr/>
+        </p:nvSpPr>
+        <p:spPr>
+          <a:xfrm>
+            <a:off x="11084638" y="4251357"/>
+            <a:ext cx="509023" cy="461665"/>
+          </a:xfrm>
+          <a:prstGeom prst="rect">
+            <a:avLst/>
+          </a:prstGeom>
+          <a:noFill/>
+        </p:spPr>
+        <p:txBody>
+          <a:bodyPr wrap="square" rtlCol="0">
+            <a:spAutoFit/>
+          </a:bodyPr>
+          <a:lstStyle/>
+          <a:p>
+            <a:r>
+              <a:rPr lang="en-US" altLang="zh-TW" sz="2400" dirty="0">
+                <a:latin typeface="Consolas" panose="020B0609020204030204" pitchFamily="49" charset="0"/>
+                <a:cs typeface="Times New Roman" panose="02020603050405020304" pitchFamily="18" charset="0"/>
+              </a:rPr>
+              <a:t>2</a:t>
+            </a:r>
+            <a:endParaRPr lang="zh-TW" altLang="en-US" sz="2400" dirty="0">
+              <a:latin typeface="Consolas" panose="020B0609020204030204" pitchFamily="49" charset="0"/>
+              <a:cs typeface="Times New Roman" panose="02020603050405020304" pitchFamily="18" charset="0"/>
+            </a:endParaRPr>
+          </a:p>
+        </p:txBody>
+      </p:sp>
+      <p:grpSp>
+        <p:nvGrpSpPr>
+          <p:cNvPr id="61" name="群組 60">
+            <a:extLst>
+              <a:ext uri="{FF2B5EF4-FFF2-40B4-BE49-F238E27FC236}">
+                <a16:creationId xmlns:a16="http://schemas.microsoft.com/office/drawing/2014/main" id="{A6F6A18C-51FE-4461-89F6-418A2CE80007}"/>
+              </a:ext>
+            </a:extLst>
+          </p:cNvPr>
+          <p:cNvGrpSpPr/>
+          <p:nvPr/>
+        </p:nvGrpSpPr>
+        <p:grpSpPr>
+          <a:xfrm>
+            <a:off x="5000531" y="224135"/>
+            <a:ext cx="6066536" cy="6391759"/>
+            <a:chOff x="5000531" y="224135"/>
+            <a:chExt cx="6066536" cy="6391759"/>
+          </a:xfrm>
+        </p:grpSpPr>
+        <p:sp>
+          <p:nvSpPr>
+            <p:cNvPr id="26" name="橢圓 25">
+              <a:extLst>
+                <a:ext uri="{FF2B5EF4-FFF2-40B4-BE49-F238E27FC236}">
+                  <a16:creationId xmlns:a16="http://schemas.microsoft.com/office/drawing/2014/main" id="{EA79EC96-8AB9-42F0-AC6D-8193D1CE6258}"/>
+                </a:ext>
+              </a:extLst>
+            </p:cNvPr>
+            <p:cNvSpPr/>
+            <p:nvPr/>
+          </p:nvSpPr>
+          <p:spPr>
+            <a:xfrm>
+              <a:off x="5392131" y="591532"/>
+              <a:ext cx="5674936" cy="5674936"/>
+            </a:xfrm>
+            <a:prstGeom prst="ellipse">
+              <a:avLst/>
+            </a:prstGeom>
+            <a:noFill/>
+            <a:ln w="38100">
+              <a:solidFill>
+                <a:schemeClr val="tx1">
+                  <a:lumMod val="95000"/>
+                  <a:lumOff val="5000"/>
+                </a:schemeClr>
+              </a:solidFill>
+            </a:ln>
+          </p:spPr>
+          <p:style>
+            <a:lnRef idx="2">
+              <a:schemeClr val="accent1">
+                <a:shade val="50000"/>
+              </a:schemeClr>
+            </a:lnRef>
+            <a:fillRef idx="1">
+              <a:schemeClr val="accent1"/>
+            </a:fillRef>
+            <a:effectRef idx="0">
+              <a:schemeClr val="accent1"/>
+            </a:effectRef>
+            <a:fontRef idx="minor">
+              <a:schemeClr val="lt1"/>
+            </a:fontRef>
+          </p:style>
+          <p:txBody>
+            <a:bodyPr rtlCol="0" anchor="ctr"/>
+            <a:lstStyle/>
+            <a:p>
+              <a:pPr algn="ctr"/>
+              <a:endParaRPr lang="zh-TW" altLang="en-US"/>
+            </a:p>
+          </p:txBody>
+        </p:sp>
+        <p:sp>
+          <p:nvSpPr>
+            <p:cNvPr id="27" name="橢圓 26">
+              <a:extLst>
+                <a:ext uri="{FF2B5EF4-FFF2-40B4-BE49-F238E27FC236}">
+                  <a16:creationId xmlns:a16="http://schemas.microsoft.com/office/drawing/2014/main" id="{8D1F261D-9B76-4F24-A81F-4EFB868C89DD}"/>
+                </a:ext>
+              </a:extLst>
+            </p:cNvPr>
+            <p:cNvSpPr/>
+            <p:nvPr/>
+          </p:nvSpPr>
+          <p:spPr>
+            <a:xfrm>
+              <a:off x="6740163" y="1939564"/>
+              <a:ext cx="2978872" cy="2978872"/>
+            </a:xfrm>
+            <a:prstGeom prst="ellipse">
+              <a:avLst/>
+            </a:prstGeom>
+            <a:noFill/>
+            <a:ln w="38100">
+              <a:solidFill>
+                <a:schemeClr val="tx1">
+                  <a:lumMod val="95000"/>
+                  <a:lumOff val="5000"/>
+                </a:schemeClr>
+              </a:solidFill>
+            </a:ln>
+          </p:spPr>
+          <p:style>
+            <a:lnRef idx="2">
+              <a:schemeClr val="accent1">
+                <a:shade val="50000"/>
+              </a:schemeClr>
+            </a:lnRef>
+            <a:fillRef idx="1">
+              <a:schemeClr val="accent1"/>
+            </a:fillRef>
+            <a:effectRef idx="0">
+              <a:schemeClr val="accent1"/>
+            </a:effectRef>
+            <a:fontRef idx="minor">
+              <a:schemeClr val="lt1"/>
+            </a:fontRef>
+          </p:style>
+          <p:txBody>
+            <a:bodyPr rtlCol="0" anchor="ctr"/>
+            <a:lstStyle/>
+            <a:p>
+              <a:pPr algn="ctr"/>
+              <a:endParaRPr lang="zh-TW" altLang="en-US"/>
+            </a:p>
+          </p:txBody>
+        </p:sp>
+        <p:cxnSp>
+          <p:nvCxnSpPr>
+            <p:cNvPr id="29" name="直線接點 28">
+              <a:extLst>
+                <a:ext uri="{FF2B5EF4-FFF2-40B4-BE49-F238E27FC236}">
+                  <a16:creationId xmlns:a16="http://schemas.microsoft.com/office/drawing/2014/main" id="{6546D57E-B7AC-484A-B170-443EADAE3BEC}"/>
+                </a:ext>
+              </a:extLst>
+            </p:cNvPr>
+            <p:cNvCxnSpPr>
+              <a:cxnSpLocks/>
+              <a:stCxn id="27" idx="0"/>
+              <a:endCxn id="26" idx="0"/>
+            </p:cNvCxnSpPr>
+            <p:nvPr/>
+          </p:nvCxnSpPr>
+          <p:spPr>
+            <a:xfrm flipV="1">
+              <a:off x="8229599" y="591532"/>
+              <a:ext cx="0" cy="1348032"/>
+            </a:xfrm>
+            <a:prstGeom prst="line">
+              <a:avLst/>
+            </a:prstGeom>
+            <a:ln w="38100">
+              <a:solidFill>
+                <a:schemeClr val="tx1">
+                  <a:lumMod val="95000"/>
+                  <a:lumOff val="5000"/>
+                </a:schemeClr>
+              </a:solidFill>
+            </a:ln>
+          </p:spPr>
+          <p:style>
+            <a:lnRef idx="1">
+              <a:schemeClr val="accent1"/>
+            </a:lnRef>
+            <a:fillRef idx="0">
+              <a:schemeClr val="accent1"/>
+            </a:fillRef>
+            <a:effectRef idx="0">
+              <a:schemeClr val="accent1"/>
+            </a:effectRef>
+            <a:fontRef idx="minor">
+              <a:schemeClr val="tx1"/>
+            </a:fontRef>
+          </p:style>
+        </p:cxnSp>
+        <p:cxnSp>
+          <p:nvCxnSpPr>
+            <p:cNvPr id="31" name="直線接點 30">
+              <a:extLst>
+                <a:ext uri="{FF2B5EF4-FFF2-40B4-BE49-F238E27FC236}">
+                  <a16:creationId xmlns:a16="http://schemas.microsoft.com/office/drawing/2014/main" id="{E2383222-300D-4F0D-8B6A-0FA319F122BD}"/>
+                </a:ext>
+              </a:extLst>
+            </p:cNvPr>
+            <p:cNvCxnSpPr>
+              <a:cxnSpLocks/>
+              <a:stCxn id="27" idx="7"/>
+              <a:endCxn id="26" idx="7"/>
+            </p:cNvCxnSpPr>
+            <p:nvPr/>
+          </p:nvCxnSpPr>
+          <p:spPr>
+            <a:xfrm flipV="1">
+              <a:off x="9282789" y="1422607"/>
+              <a:ext cx="953203" cy="953203"/>
+            </a:xfrm>
+            <a:prstGeom prst="line">
+              <a:avLst/>
+            </a:prstGeom>
+            <a:ln w="38100">
+              <a:solidFill>
+                <a:schemeClr val="tx1">
+                  <a:lumMod val="95000"/>
+                  <a:lumOff val="5000"/>
+                </a:schemeClr>
+              </a:solidFill>
+            </a:ln>
+          </p:spPr>
+          <p:style>
+            <a:lnRef idx="1">
+              <a:schemeClr val="accent1"/>
+            </a:lnRef>
+            <a:fillRef idx="0">
+              <a:schemeClr val="accent1"/>
+            </a:fillRef>
+            <a:effectRef idx="0">
+              <a:schemeClr val="accent1"/>
+            </a:effectRef>
+            <a:fontRef idx="minor">
+              <a:schemeClr val="tx1"/>
+            </a:fontRef>
+          </p:style>
+        </p:cxnSp>
+        <p:cxnSp>
+          <p:nvCxnSpPr>
+            <p:cNvPr id="35" name="直線接點 34">
+              <a:extLst>
+                <a:ext uri="{FF2B5EF4-FFF2-40B4-BE49-F238E27FC236}">
+                  <a16:creationId xmlns:a16="http://schemas.microsoft.com/office/drawing/2014/main" id="{D3486CAE-1900-4DD6-BFB1-BDBFB6430341}"/>
+                </a:ext>
+              </a:extLst>
+            </p:cNvPr>
+            <p:cNvCxnSpPr>
+              <a:cxnSpLocks/>
+              <a:stCxn id="27" idx="6"/>
+              <a:endCxn id="26" idx="6"/>
+            </p:cNvCxnSpPr>
+            <p:nvPr/>
+          </p:nvCxnSpPr>
+          <p:spPr>
+            <a:xfrm>
+              <a:off x="9719035" y="3429000"/>
+              <a:ext cx="1348032" cy="0"/>
+            </a:xfrm>
+            <a:prstGeom prst="line">
+              <a:avLst/>
+            </a:prstGeom>
+            <a:ln w="38100">
+              <a:solidFill>
+                <a:schemeClr val="tx1">
+                  <a:lumMod val="95000"/>
+                  <a:lumOff val="5000"/>
+                </a:schemeClr>
+              </a:solidFill>
+            </a:ln>
+          </p:spPr>
+          <p:style>
+            <a:lnRef idx="1">
+              <a:schemeClr val="accent1"/>
+            </a:lnRef>
+            <a:fillRef idx="0">
+              <a:schemeClr val="accent1"/>
+            </a:fillRef>
+            <a:effectRef idx="0">
+              <a:schemeClr val="accent1"/>
+            </a:effectRef>
+            <a:fontRef idx="minor">
+              <a:schemeClr val="tx1"/>
+            </a:fontRef>
+          </p:style>
+        </p:cxnSp>
+        <p:cxnSp>
+          <p:nvCxnSpPr>
+            <p:cNvPr id="38" name="直線接點 37">
+              <a:extLst>
+                <a:ext uri="{FF2B5EF4-FFF2-40B4-BE49-F238E27FC236}">
+                  <a16:creationId xmlns:a16="http://schemas.microsoft.com/office/drawing/2014/main" id="{ADE686C6-139D-4A1D-BB08-DB473B89B749}"/>
+                </a:ext>
+              </a:extLst>
+            </p:cNvPr>
+            <p:cNvCxnSpPr>
+              <a:cxnSpLocks/>
+              <a:stCxn id="27" idx="5"/>
+              <a:endCxn id="26" idx="5"/>
+            </p:cNvCxnSpPr>
+            <p:nvPr/>
+          </p:nvCxnSpPr>
+          <p:spPr>
+            <a:xfrm>
+              <a:off x="9282789" y="4482190"/>
+              <a:ext cx="953203" cy="953203"/>
+            </a:xfrm>
+            <a:prstGeom prst="line">
+              <a:avLst/>
+            </a:prstGeom>
+            <a:ln w="38100">
+              <a:solidFill>
+                <a:schemeClr val="tx1">
+                  <a:lumMod val="95000"/>
+                  <a:lumOff val="5000"/>
+                </a:schemeClr>
+              </a:solidFill>
+            </a:ln>
+          </p:spPr>
+          <p:style>
+            <a:lnRef idx="1">
+              <a:schemeClr val="accent1"/>
+            </a:lnRef>
+            <a:fillRef idx="0">
+              <a:schemeClr val="accent1"/>
+            </a:fillRef>
+            <a:effectRef idx="0">
+              <a:schemeClr val="accent1"/>
+            </a:effectRef>
+            <a:fontRef idx="minor">
+              <a:schemeClr val="tx1"/>
+            </a:fontRef>
+          </p:style>
+        </p:cxnSp>
+        <p:cxnSp>
+          <p:nvCxnSpPr>
+            <p:cNvPr id="41" name="直線接點 40">
+              <a:extLst>
+                <a:ext uri="{FF2B5EF4-FFF2-40B4-BE49-F238E27FC236}">
+                  <a16:creationId xmlns:a16="http://schemas.microsoft.com/office/drawing/2014/main" id="{D5419370-EF94-42A9-A5C0-22A64550A070}"/>
+                </a:ext>
+              </a:extLst>
+            </p:cNvPr>
+            <p:cNvCxnSpPr>
+              <a:cxnSpLocks/>
+              <a:stCxn id="26" idx="4"/>
+              <a:endCxn id="27" idx="4"/>
+            </p:cNvCxnSpPr>
+            <p:nvPr/>
+          </p:nvCxnSpPr>
+          <p:spPr>
+            <a:xfrm flipV="1">
+              <a:off x="8229599" y="4918436"/>
+              <a:ext cx="0" cy="1348032"/>
+            </a:xfrm>
+            <a:prstGeom prst="line">
+              <a:avLst/>
+            </a:prstGeom>
+            <a:ln w="38100">
+              <a:solidFill>
+                <a:schemeClr val="tx1">
+                  <a:lumMod val="95000"/>
+                  <a:lumOff val="5000"/>
+                </a:schemeClr>
+              </a:solidFill>
+            </a:ln>
+          </p:spPr>
+          <p:style>
+            <a:lnRef idx="1">
+              <a:schemeClr val="accent1"/>
+            </a:lnRef>
+            <a:fillRef idx="0">
+              <a:schemeClr val="accent1"/>
+            </a:fillRef>
+            <a:effectRef idx="0">
+              <a:schemeClr val="accent1"/>
+            </a:effectRef>
+            <a:fontRef idx="minor">
+              <a:schemeClr val="tx1"/>
+            </a:fontRef>
+          </p:style>
+        </p:cxnSp>
+        <p:cxnSp>
+          <p:nvCxnSpPr>
+            <p:cNvPr id="44" name="直線接點 43">
+              <a:extLst>
+                <a:ext uri="{FF2B5EF4-FFF2-40B4-BE49-F238E27FC236}">
+                  <a16:creationId xmlns:a16="http://schemas.microsoft.com/office/drawing/2014/main" id="{1228992F-FCB9-4A6E-8568-545DFAA977F6}"/>
+                </a:ext>
+              </a:extLst>
+            </p:cNvPr>
+            <p:cNvCxnSpPr>
+              <a:cxnSpLocks/>
+              <a:stCxn id="26" idx="3"/>
+              <a:endCxn id="27" idx="3"/>
+            </p:cNvCxnSpPr>
+            <p:nvPr/>
+          </p:nvCxnSpPr>
+          <p:spPr>
+            <a:xfrm flipV="1">
+              <a:off x="6223206" y="4482190"/>
+              <a:ext cx="953203" cy="953203"/>
+            </a:xfrm>
+            <a:prstGeom prst="line">
+              <a:avLst/>
+            </a:prstGeom>
+            <a:ln w="38100">
+              <a:solidFill>
+                <a:schemeClr val="tx1">
+                  <a:lumMod val="95000"/>
+                  <a:lumOff val="5000"/>
+                </a:schemeClr>
+              </a:solidFill>
+            </a:ln>
+          </p:spPr>
+          <p:style>
+            <a:lnRef idx="1">
+              <a:schemeClr val="accent1"/>
+            </a:lnRef>
+            <a:fillRef idx="0">
+              <a:schemeClr val="accent1"/>
+            </a:fillRef>
+            <a:effectRef idx="0">
+              <a:schemeClr val="accent1"/>
+            </a:effectRef>
+            <a:fontRef idx="minor">
+              <a:schemeClr val="tx1"/>
+            </a:fontRef>
+          </p:style>
+        </p:cxnSp>
+        <p:cxnSp>
+          <p:nvCxnSpPr>
+            <p:cNvPr id="47" name="直線接點 46">
+              <a:extLst>
+                <a:ext uri="{FF2B5EF4-FFF2-40B4-BE49-F238E27FC236}">
+                  <a16:creationId xmlns:a16="http://schemas.microsoft.com/office/drawing/2014/main" id="{B1C0A069-255E-41E6-857F-B1EC71B72C5B}"/>
+                </a:ext>
+              </a:extLst>
+            </p:cNvPr>
+            <p:cNvCxnSpPr>
+              <a:cxnSpLocks/>
+              <a:stCxn id="27" idx="2"/>
+              <a:endCxn id="26" idx="2"/>
+            </p:cNvCxnSpPr>
+            <p:nvPr/>
+          </p:nvCxnSpPr>
+          <p:spPr>
+            <a:xfrm flipH="1">
+              <a:off x="5392131" y="3429000"/>
+              <a:ext cx="1348032" cy="0"/>
+            </a:xfrm>
+            <a:prstGeom prst="line">
+              <a:avLst/>
+            </a:prstGeom>
+            <a:ln w="38100">
+              <a:solidFill>
+                <a:schemeClr val="tx1">
+                  <a:lumMod val="95000"/>
+                  <a:lumOff val="5000"/>
+                </a:schemeClr>
+              </a:solidFill>
+            </a:ln>
+          </p:spPr>
+          <p:style>
+            <a:lnRef idx="1">
+              <a:schemeClr val="accent1"/>
+            </a:lnRef>
+            <a:fillRef idx="0">
+              <a:schemeClr val="accent1"/>
+            </a:fillRef>
+            <a:effectRef idx="0">
+              <a:schemeClr val="accent1"/>
+            </a:effectRef>
+            <a:fontRef idx="minor">
+              <a:schemeClr val="tx1"/>
+            </a:fontRef>
+          </p:style>
+        </p:cxnSp>
+        <p:cxnSp>
+          <p:nvCxnSpPr>
+            <p:cNvPr id="50" name="直線接點 49">
+              <a:extLst>
+                <a:ext uri="{FF2B5EF4-FFF2-40B4-BE49-F238E27FC236}">
+                  <a16:creationId xmlns:a16="http://schemas.microsoft.com/office/drawing/2014/main" id="{52414C72-A93B-4400-8608-FEDF679D9134}"/>
+                </a:ext>
+              </a:extLst>
+            </p:cNvPr>
+            <p:cNvCxnSpPr>
+              <a:cxnSpLocks/>
+              <a:stCxn id="27" idx="1"/>
+              <a:endCxn id="26" idx="1"/>
+            </p:cNvCxnSpPr>
+            <p:nvPr/>
+          </p:nvCxnSpPr>
+          <p:spPr>
+            <a:xfrm flipH="1" flipV="1">
+              <a:off x="6223206" y="1422607"/>
+              <a:ext cx="953203" cy="953203"/>
+            </a:xfrm>
+            <a:prstGeom prst="line">
+              <a:avLst/>
+            </a:prstGeom>
+            <a:ln w="38100">
+              <a:solidFill>
+                <a:schemeClr val="tx1">
+                  <a:lumMod val="95000"/>
+                  <a:lumOff val="5000"/>
+                </a:schemeClr>
+              </a:solidFill>
+            </a:ln>
+          </p:spPr>
+          <p:style>
+            <a:lnRef idx="1">
+              <a:schemeClr val="accent1"/>
+            </a:lnRef>
+            <a:fillRef idx="0">
+              <a:schemeClr val="accent1"/>
+            </a:fillRef>
+            <a:effectRef idx="0">
+              <a:schemeClr val="accent1"/>
+            </a:effectRef>
+            <a:fontRef idx="minor">
+              <a:schemeClr val="tx1"/>
+            </a:fontRef>
+          </p:style>
+        </p:cxnSp>
+        <p:sp>
+          <p:nvSpPr>
+            <p:cNvPr id="53" name="文字方塊 52">
+              <a:extLst>
+                <a:ext uri="{FF2B5EF4-FFF2-40B4-BE49-F238E27FC236}">
+                  <a16:creationId xmlns:a16="http://schemas.microsoft.com/office/drawing/2014/main" id="{BA2277DA-9ADE-4A50-839B-45163C267861}"/>
+                </a:ext>
+              </a:extLst>
+            </p:cNvPr>
+            <p:cNvSpPr txBox="1"/>
+            <p:nvPr/>
+          </p:nvSpPr>
+          <p:spPr>
+            <a:xfrm>
+              <a:off x="9210012" y="254772"/>
+              <a:ext cx="509023" cy="461665"/>
+            </a:xfrm>
+            <a:prstGeom prst="rect">
+              <a:avLst/>
+            </a:prstGeom>
+            <a:noFill/>
+          </p:spPr>
+          <p:txBody>
+            <a:bodyPr wrap="square" rtlCol="0">
+              <a:spAutoFit/>
+            </a:bodyPr>
+            <a:lstStyle/>
+            <a:p>
+              <a:r>
+                <a:rPr lang="en-US" altLang="zh-TW" sz="2400" dirty="0">
+                  <a:latin typeface="Consolas" panose="020B0609020204030204" pitchFamily="49" charset="0"/>
+                  <a:cs typeface="Times New Roman" panose="02020603050405020304" pitchFamily="18" charset="0"/>
+                </a:rPr>
+                <a:t>0</a:t>
+              </a:r>
+              <a:endParaRPr lang="zh-TW" altLang="en-US" sz="2400" dirty="0">
+                <a:latin typeface="Consolas" panose="020B0609020204030204" pitchFamily="49" charset="0"/>
+                <a:cs typeface="Times New Roman" panose="02020603050405020304" pitchFamily="18" charset="0"/>
+              </a:endParaRPr>
+            </a:p>
+          </p:txBody>
+        </p:sp>
+        <p:sp>
+          <p:nvSpPr>
+            <p:cNvPr id="56" name="文字方塊 55">
+              <a:extLst>
+                <a:ext uri="{FF2B5EF4-FFF2-40B4-BE49-F238E27FC236}">
+                  <a16:creationId xmlns:a16="http://schemas.microsoft.com/office/drawing/2014/main" id="{2425FBB9-C2E1-4CD6-8239-E2462DA909AF}"/>
+                </a:ext>
+              </a:extLst>
+            </p:cNvPr>
+            <p:cNvSpPr txBox="1"/>
+            <p:nvPr/>
+          </p:nvSpPr>
+          <p:spPr>
+            <a:xfrm>
+              <a:off x="9282789" y="6154229"/>
+              <a:ext cx="509023" cy="461665"/>
+            </a:xfrm>
+            <a:prstGeom prst="rect">
+              <a:avLst/>
+            </a:prstGeom>
+            <a:noFill/>
+          </p:spPr>
+          <p:txBody>
+            <a:bodyPr wrap="square" rtlCol="0">
+              <a:spAutoFit/>
+            </a:bodyPr>
+            <a:lstStyle/>
+            <a:p>
+              <a:r>
+                <a:rPr lang="en-US" altLang="zh-TW" sz="2400" dirty="0">
+                  <a:latin typeface="Consolas" panose="020B0609020204030204" pitchFamily="49" charset="0"/>
+                  <a:cs typeface="Times New Roman" panose="02020603050405020304" pitchFamily="18" charset="0"/>
+                </a:rPr>
+                <a:t>3</a:t>
+              </a:r>
+              <a:endParaRPr lang="zh-TW" altLang="en-US" sz="2400" dirty="0">
+                <a:latin typeface="Consolas" panose="020B0609020204030204" pitchFamily="49" charset="0"/>
+                <a:cs typeface="Times New Roman" panose="02020603050405020304" pitchFamily="18" charset="0"/>
+              </a:endParaRPr>
+            </a:p>
+          </p:txBody>
+        </p:sp>
+        <p:sp>
+          <p:nvSpPr>
+            <p:cNvPr id="57" name="文字方塊 56">
+              <a:extLst>
+                <a:ext uri="{FF2B5EF4-FFF2-40B4-BE49-F238E27FC236}">
+                  <a16:creationId xmlns:a16="http://schemas.microsoft.com/office/drawing/2014/main" id="{15892435-E57C-4177-893C-EFEB47F98CCF}"/>
+                </a:ext>
+              </a:extLst>
+            </p:cNvPr>
+            <p:cNvSpPr txBox="1"/>
+            <p:nvPr/>
+          </p:nvSpPr>
+          <p:spPr>
+            <a:xfrm>
+              <a:off x="6828437" y="6154229"/>
+              <a:ext cx="509023" cy="461665"/>
+            </a:xfrm>
+            <a:prstGeom prst="rect">
+              <a:avLst/>
+            </a:prstGeom>
+            <a:noFill/>
+          </p:spPr>
+          <p:txBody>
+            <a:bodyPr wrap="square" rtlCol="0">
+              <a:spAutoFit/>
+            </a:bodyPr>
+            <a:lstStyle/>
+            <a:p>
+              <a:r>
+                <a:rPr lang="en-US" altLang="zh-TW" sz="2400" dirty="0">
+                  <a:latin typeface="Consolas" panose="020B0609020204030204" pitchFamily="49" charset="0"/>
+                  <a:cs typeface="Times New Roman" panose="02020603050405020304" pitchFamily="18" charset="0"/>
+                </a:rPr>
+                <a:t>4</a:t>
+              </a:r>
+              <a:endParaRPr lang="zh-TW" altLang="en-US" sz="2400" dirty="0">
+                <a:latin typeface="Consolas" panose="020B0609020204030204" pitchFamily="49" charset="0"/>
+                <a:cs typeface="Times New Roman" panose="02020603050405020304" pitchFamily="18" charset="0"/>
+              </a:endParaRPr>
+            </a:p>
+          </p:txBody>
+        </p:sp>
+        <p:sp>
+          <p:nvSpPr>
+            <p:cNvPr id="58" name="文字方塊 57">
+              <a:extLst>
+                <a:ext uri="{FF2B5EF4-FFF2-40B4-BE49-F238E27FC236}">
+                  <a16:creationId xmlns:a16="http://schemas.microsoft.com/office/drawing/2014/main" id="{4DC4BC9B-A4FA-4162-B55E-552EEC559EFF}"/>
+                </a:ext>
+              </a:extLst>
+            </p:cNvPr>
+            <p:cNvSpPr txBox="1"/>
+            <p:nvPr/>
+          </p:nvSpPr>
+          <p:spPr>
+            <a:xfrm>
+              <a:off x="5000531" y="4251357"/>
+              <a:ext cx="509023" cy="461665"/>
+            </a:xfrm>
+            <a:prstGeom prst="rect">
+              <a:avLst/>
+            </a:prstGeom>
+            <a:noFill/>
+          </p:spPr>
+          <p:txBody>
+            <a:bodyPr wrap="square" rtlCol="0">
+              <a:spAutoFit/>
+            </a:bodyPr>
+            <a:lstStyle/>
+            <a:p>
+              <a:r>
+                <a:rPr lang="en-US" altLang="zh-TW" sz="2400" dirty="0">
+                  <a:latin typeface="Consolas" panose="020B0609020204030204" pitchFamily="49" charset="0"/>
+                  <a:cs typeface="Times New Roman" panose="02020603050405020304" pitchFamily="18" charset="0"/>
+                </a:rPr>
+                <a:t>5</a:t>
+              </a:r>
+              <a:endParaRPr lang="zh-TW" altLang="en-US" sz="2400" dirty="0">
+                <a:latin typeface="Consolas" panose="020B0609020204030204" pitchFamily="49" charset="0"/>
+                <a:cs typeface="Times New Roman" panose="02020603050405020304" pitchFamily="18" charset="0"/>
+              </a:endParaRPr>
+            </a:p>
+          </p:txBody>
+        </p:sp>
+        <p:sp>
+          <p:nvSpPr>
+            <p:cNvPr id="59" name="文字方塊 58">
+              <a:extLst>
+                <a:ext uri="{FF2B5EF4-FFF2-40B4-BE49-F238E27FC236}">
+                  <a16:creationId xmlns:a16="http://schemas.microsoft.com/office/drawing/2014/main" id="{10C4FA92-83FC-4172-BBC6-0B5FB8F659A8}"/>
+                </a:ext>
+              </a:extLst>
+            </p:cNvPr>
+            <p:cNvSpPr txBox="1"/>
+            <p:nvPr/>
+          </p:nvSpPr>
+          <p:spPr>
+            <a:xfrm>
+              <a:off x="5066918" y="1753591"/>
+              <a:ext cx="509023" cy="461665"/>
+            </a:xfrm>
+            <a:prstGeom prst="rect">
+              <a:avLst/>
+            </a:prstGeom>
+            <a:noFill/>
+          </p:spPr>
+          <p:txBody>
+            <a:bodyPr wrap="square" rtlCol="0">
+              <a:spAutoFit/>
+            </a:bodyPr>
+            <a:lstStyle/>
+            <a:p>
+              <a:r>
+                <a:rPr lang="en-US" altLang="zh-TW" sz="2400" dirty="0">
+                  <a:latin typeface="Consolas" panose="020B0609020204030204" pitchFamily="49" charset="0"/>
+                  <a:cs typeface="Times New Roman" panose="02020603050405020304" pitchFamily="18" charset="0"/>
+                </a:rPr>
+                <a:t>6</a:t>
+              </a:r>
+              <a:endParaRPr lang="zh-TW" altLang="en-US" sz="2400" dirty="0">
+                <a:latin typeface="Consolas" panose="020B0609020204030204" pitchFamily="49" charset="0"/>
+                <a:cs typeface="Times New Roman" panose="02020603050405020304" pitchFamily="18" charset="0"/>
+              </a:endParaRPr>
+            </a:p>
+          </p:txBody>
+        </p:sp>
+        <p:sp>
+          <p:nvSpPr>
+            <p:cNvPr id="60" name="文字方塊 59">
+              <a:extLst>
+                <a:ext uri="{FF2B5EF4-FFF2-40B4-BE49-F238E27FC236}">
+                  <a16:creationId xmlns:a16="http://schemas.microsoft.com/office/drawing/2014/main" id="{1E54344A-2A39-49EE-83F4-E289A6B7B96D}"/>
+                </a:ext>
+              </a:extLst>
+            </p:cNvPr>
+            <p:cNvSpPr txBox="1"/>
+            <p:nvPr/>
+          </p:nvSpPr>
+          <p:spPr>
+            <a:xfrm>
+              <a:off x="6828437" y="224135"/>
+              <a:ext cx="509023" cy="461665"/>
+            </a:xfrm>
+            <a:prstGeom prst="rect">
+              <a:avLst/>
+            </a:prstGeom>
+            <a:noFill/>
+          </p:spPr>
+          <p:txBody>
+            <a:bodyPr wrap="square" rtlCol="0">
+              <a:spAutoFit/>
+            </a:bodyPr>
+            <a:lstStyle/>
+            <a:p>
+              <a:r>
+                <a:rPr lang="en-US" altLang="zh-TW" sz="2400" dirty="0">
+                  <a:latin typeface="Consolas" panose="020B0609020204030204" pitchFamily="49" charset="0"/>
+                  <a:cs typeface="Times New Roman" panose="02020603050405020304" pitchFamily="18" charset="0"/>
+                </a:rPr>
+                <a:t>7</a:t>
+              </a:r>
+              <a:endParaRPr lang="zh-TW" altLang="en-US" sz="2400" dirty="0">
+                <a:latin typeface="Consolas" panose="020B0609020204030204" pitchFamily="49" charset="0"/>
+                <a:cs typeface="Times New Roman" panose="02020603050405020304" pitchFamily="18" charset="0"/>
+              </a:endParaRPr>
+            </a:p>
+          </p:txBody>
+        </p:sp>
+      </p:grpSp>
+    </p:spTree>
+    <p:extLst>
+      <p:ext uri="{BB962C8B-B14F-4D97-AF65-F5344CB8AC3E}">
+        <p14:creationId xmlns:p14="http://schemas.microsoft.com/office/powerpoint/2010/main" val="3832445507"/>
+      </p:ext>
+    </p:extLst>
+  </p:cSld>
+  <p:clrMapOvr>
+    <a:masterClrMapping/>
+  </p:clrMapOvr>
+  <mc:AlternateContent xmlns:mc="http://schemas.openxmlformats.org/markup-compatibility/2006">
+    <mc:Choice xmlns:p159="http://schemas.microsoft.com/office/powerpoint/2015/09/main" Requires="p159">
+      <p:transition xmlns:p14="http://schemas.microsoft.com/office/powerpoint/2010/main" spd="slow" p14:dur="2000">
+        <p159:morph option="byObject"/>
+      </p:transition>
+    </mc:Choice>
+    <mc:Fallback>
+      <p:transition spd="slow">
+        <p:fade/>
+      </p:transition>
+    </mc:Fallback>
+  </mc:AlternateContent>
+  <p:timing>
+    <p:tnLst>
+      <p:par>
+        <p:cTn id="1" dur="indefinite" restart="never" nodeType="tmRoot">
+          <p:childTnLst>
+            <p:seq concurrent="1" nextAc="seek">
+              <p:cTn id="2" dur="indefinite" nodeType="mainSeq">
+                <p:childTnLst>
+                  <p:par>
+                    <p:cTn id="3" fill="hold">
+                      <p:stCondLst>
+                        <p:cond delay="indefinite"/>
+                        <p:cond evt="onBegin" delay="0">
+                          <p:tn val="2"/>
+                        </p:cond>
+                      </p:stCondLst>
+                      <p:childTnLst>
+                        <p:par>
+                          <p:cTn id="4" fill="hold">
+                            <p:stCondLst>
+                              <p:cond delay="0"/>
+                            </p:stCondLst>
+                            <p:childTnLst>
+                              <p:par>
+                                <p:cTn id="5" presetID="10" presetClass="entr" presetSubtype="0" fill="hold" nodeType="afterEffect">
+                                  <p:stCondLst>
+                                    <p:cond delay="0"/>
+                                  </p:stCondLst>
+                                  <p:childTnLst>
+                                    <p:set>
+                                      <p:cBhvr>
+                                        <p:cTn id="6" dur="1" fill="hold">
+                                          <p:stCondLst>
+                                            <p:cond delay="0"/>
+                                          </p:stCondLst>
+                                        </p:cTn>
+                                        <p:tgtEl>
+                                          <p:spTgt spid="61"/>
+                                        </p:tgtEl>
+                                        <p:attrNameLst>
+                                          <p:attrName>style.visibility</p:attrName>
+                                        </p:attrNameLst>
+                                      </p:cBhvr>
+                                      <p:to>
+                                        <p:strVal val="visible"/>
+                                      </p:to>
+                                    </p:set>
+                                    <p:animEffect transition="in" filter="fade">
+                                      <p:cBhvr>
+                                        <p:cTn id="7" dur="500"/>
+                                        <p:tgtEl>
+                                          <p:spTgt spid="61"/>
+                                        </p:tgtEl>
+                                      </p:cBhvr>
+                                    </p:animEffect>
+                                  </p:childTnLst>
+                                </p:cTn>
+                              </p:par>
+                            </p:childTnLst>
+                          </p:cTn>
+                        </p:par>
+                      </p:childTnLst>
+                    </p:cTn>
+                  </p:par>
+                </p:childTnLst>
+              </p:cTn>
+              <p:prevCondLst>
+                <p:cond evt="onPrev" delay="0">
+                  <p:tgtEl>
+                    <p:sldTgt/>
+                  </p:tgtEl>
+                </p:cond>
+              </p:prevCondLst>
+              <p:nextCondLst>
+                <p:cond evt="onNext" delay="0">
+                  <p:tgtEl>
+                    <p:sldTgt/>
+                  </p:tgtEl>
+                </p:cond>
+              </p:nextCondLst>
+            </p:seq>
+          </p:childTnLst>
+        </p:cTn>
+      </p:par>
+    </p:tnLst>
   </p:timing>
 </p:sld>
 </file>

--- a/自製PPT動畫/佇列.pptx
+++ b/自製PPT動畫/佇列.pptx
@@ -13662,47 +13662,6 @@
       </p:sp>
       <p:sp>
         <p:nvSpPr>
-          <p:cNvPr id="33" name="文字方塊 32">
-            <a:extLst>
-              <a:ext uri="{FF2B5EF4-FFF2-40B4-BE49-F238E27FC236}">
-                <a16:creationId xmlns:a16="http://schemas.microsoft.com/office/drawing/2014/main" id="{3D665296-AE61-480A-99D5-BC7BD7C704E4}"/>
-              </a:ext>
-            </a:extLst>
-          </p:cNvPr>
-          <p:cNvSpPr txBox="1"/>
-          <p:nvPr/>
-        </p:nvSpPr>
-        <p:spPr>
-          <a:xfrm>
-            <a:off x="12342371" y="4745759"/>
-            <a:ext cx="393851" cy="523220"/>
-          </a:xfrm>
-          <a:prstGeom prst="rect">
-            <a:avLst/>
-          </a:prstGeom>
-          <a:noFill/>
-        </p:spPr>
-        <p:txBody>
-          <a:bodyPr wrap="square">
-            <a:spAutoFit/>
-          </a:bodyPr>
-          <a:lstStyle/>
-          <a:p>
-            <a:r>
-              <a:rPr lang="en-US" altLang="zh-TW" sz="2800" dirty="0">
-                <a:solidFill>
-                  <a:srgbClr val="FF33CC"/>
-                </a:solidFill>
-                <a:latin typeface="Consolas" panose="020B0609020204030204" pitchFamily="49" charset="0"/>
-              </a:rPr>
-              <a:t>3</a:t>
-            </a:r>
-            <a:endParaRPr lang="zh-TW" altLang="en-US" sz="2800" dirty="0"/>
-          </a:p>
-        </p:txBody>
-      </p:sp>
-      <p:sp>
-        <p:nvSpPr>
           <p:cNvPr id="34" name="文字方塊 33">
             <a:extLst>
               <a:ext uri="{FF2B5EF4-FFF2-40B4-BE49-F238E27FC236}">
@@ -15496,47 +15455,6 @@
       </p:sp>
       <p:sp>
         <p:nvSpPr>
-          <p:cNvPr id="33" name="文字方塊 32">
-            <a:extLst>
-              <a:ext uri="{FF2B5EF4-FFF2-40B4-BE49-F238E27FC236}">
-                <a16:creationId xmlns:a16="http://schemas.microsoft.com/office/drawing/2014/main" id="{3D665296-AE61-480A-99D5-BC7BD7C704E4}"/>
-              </a:ext>
-            </a:extLst>
-          </p:cNvPr>
-          <p:cNvSpPr txBox="1"/>
-          <p:nvPr/>
-        </p:nvSpPr>
-        <p:spPr>
-          <a:xfrm>
-            <a:off x="12342371" y="4745759"/>
-            <a:ext cx="393851" cy="523220"/>
-          </a:xfrm>
-          <a:prstGeom prst="rect">
-            <a:avLst/>
-          </a:prstGeom>
-          <a:noFill/>
-        </p:spPr>
-        <p:txBody>
-          <a:bodyPr wrap="square">
-            <a:spAutoFit/>
-          </a:bodyPr>
-          <a:lstStyle/>
-          <a:p>
-            <a:r>
-              <a:rPr lang="en-US" altLang="zh-TW" sz="2800" dirty="0">
-                <a:solidFill>
-                  <a:srgbClr val="FF33CC"/>
-                </a:solidFill>
-                <a:latin typeface="Consolas" panose="020B0609020204030204" pitchFamily="49" charset="0"/>
-              </a:rPr>
-              <a:t>3</a:t>
-            </a:r>
-            <a:endParaRPr lang="zh-TW" altLang="en-US" sz="2800" dirty="0"/>
-          </a:p>
-        </p:txBody>
-      </p:sp>
-      <p:sp>
-        <p:nvSpPr>
           <p:cNvPr id="34" name="文字方塊 33">
             <a:extLst>
               <a:ext uri="{FF2B5EF4-FFF2-40B4-BE49-F238E27FC236}">
@@ -17371,47 +17289,6 @@
       </p:sp>
       <p:sp>
         <p:nvSpPr>
-          <p:cNvPr id="33" name="文字方塊 32">
-            <a:extLst>
-              <a:ext uri="{FF2B5EF4-FFF2-40B4-BE49-F238E27FC236}">
-                <a16:creationId xmlns:a16="http://schemas.microsoft.com/office/drawing/2014/main" id="{3D665296-AE61-480A-99D5-BC7BD7C704E4}"/>
-              </a:ext>
-            </a:extLst>
-          </p:cNvPr>
-          <p:cNvSpPr txBox="1"/>
-          <p:nvPr/>
-        </p:nvSpPr>
-        <p:spPr>
-          <a:xfrm>
-            <a:off x="12342371" y="4745759"/>
-            <a:ext cx="393851" cy="523220"/>
-          </a:xfrm>
-          <a:prstGeom prst="rect">
-            <a:avLst/>
-          </a:prstGeom>
-          <a:noFill/>
-        </p:spPr>
-        <p:txBody>
-          <a:bodyPr wrap="square">
-            <a:spAutoFit/>
-          </a:bodyPr>
-          <a:lstStyle/>
-          <a:p>
-            <a:r>
-              <a:rPr lang="en-US" altLang="zh-TW" sz="2800" dirty="0">
-                <a:solidFill>
-                  <a:srgbClr val="FF33CC"/>
-                </a:solidFill>
-                <a:latin typeface="Consolas" panose="020B0609020204030204" pitchFamily="49" charset="0"/>
-              </a:rPr>
-              <a:t>3</a:t>
-            </a:r>
-            <a:endParaRPr lang="zh-TW" altLang="en-US" sz="2800" dirty="0"/>
-          </a:p>
-        </p:txBody>
-      </p:sp>
-      <p:sp>
-        <p:nvSpPr>
           <p:cNvPr id="34" name="文字方塊 33">
             <a:extLst>
               <a:ext uri="{FF2B5EF4-FFF2-40B4-BE49-F238E27FC236}">
@@ -18095,47 +17972,6 @@
               <a:latin typeface="Times New Roman" panose="02020603050405020304" pitchFamily="18" charset="0"/>
               <a:cs typeface="Times New Roman" panose="02020603050405020304" pitchFamily="18" charset="0"/>
             </a:endParaRPr>
-          </a:p>
-        </p:txBody>
-      </p:sp>
-      <p:sp>
-        <p:nvSpPr>
-          <p:cNvPr id="33" name="文字方塊 32">
-            <a:extLst>
-              <a:ext uri="{FF2B5EF4-FFF2-40B4-BE49-F238E27FC236}">
-                <a16:creationId xmlns:a16="http://schemas.microsoft.com/office/drawing/2014/main" id="{3D665296-AE61-480A-99D5-BC7BD7C704E4}"/>
-              </a:ext>
-            </a:extLst>
-          </p:cNvPr>
-          <p:cNvSpPr txBox="1"/>
-          <p:nvPr/>
-        </p:nvSpPr>
-        <p:spPr>
-          <a:xfrm>
-            <a:off x="12342371" y="4745759"/>
-            <a:ext cx="393851" cy="523220"/>
-          </a:xfrm>
-          <a:prstGeom prst="rect">
-            <a:avLst/>
-          </a:prstGeom>
-          <a:noFill/>
-        </p:spPr>
-        <p:txBody>
-          <a:bodyPr wrap="square">
-            <a:spAutoFit/>
-          </a:bodyPr>
-          <a:lstStyle/>
-          <a:p>
-            <a:r>
-              <a:rPr lang="en-US" altLang="zh-TW" sz="2800" dirty="0">
-                <a:solidFill>
-                  <a:srgbClr val="FF33CC"/>
-                </a:solidFill>
-                <a:latin typeface="Consolas" panose="020B0609020204030204" pitchFamily="49" charset="0"/>
-              </a:rPr>
-              <a:t>3</a:t>
-            </a:r>
-            <a:endParaRPr lang="zh-TW" altLang="en-US" sz="2800" dirty="0"/>
           </a:p>
         </p:txBody>
       </p:sp>
@@ -20793,804 +20629,293 @@
           </p:style>
         </p:cxnSp>
       </p:grpSp>
-      <p:grpSp>
-        <p:nvGrpSpPr>
-          <p:cNvPr id="22" name="群組 21">
+      <p:sp>
+        <p:nvSpPr>
+          <p:cNvPr id="15" name="文字方塊 14">
             <a:extLst>
               <a:ext uri="{FF2B5EF4-FFF2-40B4-BE49-F238E27FC236}">
-                <a16:creationId xmlns:a16="http://schemas.microsoft.com/office/drawing/2014/main" id="{FFF8BD77-CF88-4C95-8379-08D82AFF4502}"/>
+                <a16:creationId xmlns:a16="http://schemas.microsoft.com/office/drawing/2014/main" id="{29B6D99B-6AA4-4BFF-96FB-35E6070AA50B}"/>
               </a:ext>
             </a:extLst>
           </p:cNvPr>
-          <p:cNvGrpSpPr/>
+          <p:cNvSpPr txBox="1"/>
           <p:nvPr/>
-        </p:nvGrpSpPr>
-        <p:grpSpPr>
+        </p:nvSpPr>
+        <p:spPr>
           <a:xfrm>
-            <a:off x="2831825" y="3007246"/>
-            <a:ext cx="843509" cy="843509"/>
-            <a:chOff x="2831825" y="3007246"/>
-            <a:chExt cx="843509" cy="843509"/>
+            <a:off x="3099912" y="3198166"/>
+            <a:ext cx="462553" cy="461665"/>
           </a:xfrm>
-        </p:grpSpPr>
-        <p:sp>
-          <p:nvSpPr>
-            <p:cNvPr id="8" name="矩形 7">
-              <a:extLst>
-                <a:ext uri="{FF2B5EF4-FFF2-40B4-BE49-F238E27FC236}">
-                  <a16:creationId xmlns:a16="http://schemas.microsoft.com/office/drawing/2014/main" id="{FD6DAE9A-7690-4998-AA46-4726B1A1D4DA}"/>
-                </a:ext>
-              </a:extLst>
-            </p:cNvPr>
-            <p:cNvSpPr/>
-            <p:nvPr/>
-          </p:nvSpPr>
-          <p:spPr>
-            <a:xfrm>
-              <a:off x="2831825" y="3007246"/>
-              <a:ext cx="843509" cy="843509"/>
-            </a:xfrm>
-            <a:prstGeom prst="rect">
-              <a:avLst/>
-            </a:prstGeom>
-            <a:noFill/>
-            <a:ln w="28575">
-              <a:solidFill>
-                <a:schemeClr val="tx1"/>
-              </a:solidFill>
-            </a:ln>
-          </p:spPr>
-          <p:style>
-            <a:lnRef idx="2">
-              <a:schemeClr val="accent1">
-                <a:shade val="50000"/>
-              </a:schemeClr>
-            </a:lnRef>
-            <a:fillRef idx="1">
-              <a:schemeClr val="accent1"/>
-            </a:fillRef>
-            <a:effectRef idx="0">
-              <a:schemeClr val="accent1"/>
-            </a:effectRef>
-            <a:fontRef idx="minor">
-              <a:schemeClr val="lt1"/>
-            </a:fontRef>
-          </p:style>
-          <p:txBody>
-            <a:bodyPr rtlCol="0" anchor="ctr"/>
-            <a:lstStyle/>
-            <a:p>
-              <a:pPr algn="ctr"/>
-              <a:endParaRPr lang="zh-TW" altLang="en-US"/>
-            </a:p>
-          </p:txBody>
-        </p:sp>
-        <p:sp>
-          <p:nvSpPr>
-            <p:cNvPr id="15" name="文字方塊 14">
-              <a:extLst>
-                <a:ext uri="{FF2B5EF4-FFF2-40B4-BE49-F238E27FC236}">
-                  <a16:creationId xmlns:a16="http://schemas.microsoft.com/office/drawing/2014/main" id="{29B6D99B-6AA4-4BFF-96FB-35E6070AA50B}"/>
-                </a:ext>
-              </a:extLst>
-            </p:cNvPr>
-            <p:cNvSpPr txBox="1"/>
-            <p:nvPr/>
-          </p:nvSpPr>
-          <p:spPr>
-            <a:xfrm>
-              <a:off x="3099912" y="3198166"/>
-              <a:ext cx="462553" cy="461665"/>
-            </a:xfrm>
-            <a:prstGeom prst="rect">
-              <a:avLst/>
-            </a:prstGeom>
-            <a:noFill/>
-          </p:spPr>
-          <p:txBody>
-            <a:bodyPr wrap="square">
-              <a:spAutoFit/>
-            </a:bodyPr>
-            <a:lstStyle/>
-            <a:p>
-              <a:r>
-                <a:rPr lang="en-US" altLang="zh-TW" sz="2400" dirty="0">
-                  <a:solidFill>
-                    <a:srgbClr val="FF33CC"/>
-                  </a:solidFill>
-                  <a:latin typeface="Consolas" panose="020B0609020204030204" pitchFamily="49" charset="0"/>
-                </a:rPr>
-                <a:t>1</a:t>
-              </a:r>
-              <a:endParaRPr lang="zh-TW" altLang="en-US" sz="2400" dirty="0"/>
-            </a:p>
-          </p:txBody>
-        </p:sp>
-      </p:grpSp>
-      <p:grpSp>
-        <p:nvGrpSpPr>
-          <p:cNvPr id="23" name="群組 22">
+          <a:prstGeom prst="rect">
+            <a:avLst/>
+          </a:prstGeom>
+          <a:noFill/>
+        </p:spPr>
+        <p:txBody>
+          <a:bodyPr wrap="square">
+            <a:spAutoFit/>
+          </a:bodyPr>
+          <a:lstStyle/>
+          <a:p>
+            <a:r>
+              <a:rPr lang="en-US" altLang="zh-TW" sz="2400" dirty="0">
+                <a:solidFill>
+                  <a:srgbClr val="FF33CC"/>
+                </a:solidFill>
+                <a:latin typeface="Consolas" panose="020B0609020204030204" pitchFamily="49" charset="0"/>
+              </a:rPr>
+              <a:t>1</a:t>
+            </a:r>
+            <a:endParaRPr lang="zh-TW" altLang="en-US" sz="2400" dirty="0"/>
+          </a:p>
+        </p:txBody>
+      </p:sp>
+      <p:sp>
+        <p:nvSpPr>
+          <p:cNvPr id="16" name="文字方塊 15">
             <a:extLst>
               <a:ext uri="{FF2B5EF4-FFF2-40B4-BE49-F238E27FC236}">
-                <a16:creationId xmlns:a16="http://schemas.microsoft.com/office/drawing/2014/main" id="{7972108C-3F9D-47E7-9B31-0DD1AAB3F742}"/>
+                <a16:creationId xmlns:a16="http://schemas.microsoft.com/office/drawing/2014/main" id="{AFA1DE66-C9EE-4A3F-83CA-1EB6D0505D9F}"/>
               </a:ext>
             </a:extLst>
           </p:cNvPr>
-          <p:cNvGrpSpPr/>
+          <p:cNvSpPr txBox="1"/>
           <p:nvPr/>
-        </p:nvGrpSpPr>
-        <p:grpSpPr>
+        </p:nvSpPr>
+        <p:spPr>
           <a:xfrm>
-            <a:off x="3788755" y="3007246"/>
-            <a:ext cx="843509" cy="843509"/>
-            <a:chOff x="3788755" y="3007246"/>
-            <a:chExt cx="843509" cy="843509"/>
+            <a:off x="4062313" y="3198167"/>
+            <a:ext cx="462553" cy="461665"/>
           </a:xfrm>
-        </p:grpSpPr>
-        <p:sp>
-          <p:nvSpPr>
-            <p:cNvPr id="9" name="矩形 8">
-              <a:extLst>
-                <a:ext uri="{FF2B5EF4-FFF2-40B4-BE49-F238E27FC236}">
-                  <a16:creationId xmlns:a16="http://schemas.microsoft.com/office/drawing/2014/main" id="{8947B029-3F58-41B4-B088-6CFC2220AB5E}"/>
-                </a:ext>
-              </a:extLst>
-            </p:cNvPr>
-            <p:cNvSpPr/>
-            <p:nvPr/>
-          </p:nvSpPr>
-          <p:spPr>
-            <a:xfrm>
-              <a:off x="3788755" y="3007246"/>
-              <a:ext cx="843509" cy="843509"/>
-            </a:xfrm>
-            <a:prstGeom prst="rect">
-              <a:avLst/>
-            </a:prstGeom>
-            <a:noFill/>
-            <a:ln w="28575">
-              <a:solidFill>
-                <a:schemeClr val="tx1"/>
-              </a:solidFill>
-            </a:ln>
-          </p:spPr>
-          <p:style>
-            <a:lnRef idx="2">
-              <a:schemeClr val="accent1">
-                <a:shade val="50000"/>
-              </a:schemeClr>
-            </a:lnRef>
-            <a:fillRef idx="1">
-              <a:schemeClr val="accent1"/>
-            </a:fillRef>
-            <a:effectRef idx="0">
-              <a:schemeClr val="accent1"/>
-            </a:effectRef>
-            <a:fontRef idx="minor">
-              <a:schemeClr val="lt1"/>
-            </a:fontRef>
-          </p:style>
-          <p:txBody>
-            <a:bodyPr rtlCol="0" anchor="ctr"/>
-            <a:lstStyle/>
-            <a:p>
-              <a:pPr algn="ctr"/>
-              <a:endParaRPr lang="zh-TW" altLang="en-US"/>
-            </a:p>
-          </p:txBody>
-        </p:sp>
-        <p:sp>
-          <p:nvSpPr>
-            <p:cNvPr id="16" name="文字方塊 15">
-              <a:extLst>
-                <a:ext uri="{FF2B5EF4-FFF2-40B4-BE49-F238E27FC236}">
-                  <a16:creationId xmlns:a16="http://schemas.microsoft.com/office/drawing/2014/main" id="{AFA1DE66-C9EE-4A3F-83CA-1EB6D0505D9F}"/>
-                </a:ext>
-              </a:extLst>
-            </p:cNvPr>
-            <p:cNvSpPr txBox="1"/>
-            <p:nvPr/>
-          </p:nvSpPr>
-          <p:spPr>
-            <a:xfrm>
-              <a:off x="4062313" y="3198167"/>
-              <a:ext cx="462553" cy="461665"/>
-            </a:xfrm>
-            <a:prstGeom prst="rect">
-              <a:avLst/>
-            </a:prstGeom>
-            <a:noFill/>
-          </p:spPr>
-          <p:txBody>
-            <a:bodyPr wrap="square">
-              <a:spAutoFit/>
-            </a:bodyPr>
-            <a:lstStyle/>
-            <a:p>
-              <a:r>
-                <a:rPr lang="en-US" altLang="zh-TW" sz="2400" dirty="0">
-                  <a:solidFill>
-                    <a:srgbClr val="FF33CC"/>
-                  </a:solidFill>
-                  <a:latin typeface="Consolas" panose="020B0609020204030204" pitchFamily="49" charset="0"/>
-                </a:rPr>
-                <a:t>2</a:t>
-              </a:r>
-              <a:endParaRPr lang="zh-TW" altLang="en-US" sz="2400" dirty="0"/>
-            </a:p>
-          </p:txBody>
-        </p:sp>
-      </p:grpSp>
-      <p:grpSp>
-        <p:nvGrpSpPr>
-          <p:cNvPr id="24" name="群組 23">
+          <a:prstGeom prst="rect">
+            <a:avLst/>
+          </a:prstGeom>
+          <a:noFill/>
+        </p:spPr>
+        <p:txBody>
+          <a:bodyPr wrap="square">
+            <a:spAutoFit/>
+          </a:bodyPr>
+          <a:lstStyle/>
+          <a:p>
+            <a:r>
+              <a:rPr lang="en-US" altLang="zh-TW" sz="2400" dirty="0">
+                <a:solidFill>
+                  <a:srgbClr val="FF33CC"/>
+                </a:solidFill>
+                <a:latin typeface="Consolas" panose="020B0609020204030204" pitchFamily="49" charset="0"/>
+              </a:rPr>
+              <a:t>2</a:t>
+            </a:r>
+            <a:endParaRPr lang="zh-TW" altLang="en-US" sz="2400" dirty="0"/>
+          </a:p>
+        </p:txBody>
+      </p:sp>
+      <p:sp>
+        <p:nvSpPr>
+          <p:cNvPr id="17" name="文字方塊 16">
             <a:extLst>
               <a:ext uri="{FF2B5EF4-FFF2-40B4-BE49-F238E27FC236}">
-                <a16:creationId xmlns:a16="http://schemas.microsoft.com/office/drawing/2014/main" id="{1D99C10C-86EC-41DD-9E73-CE33207BF152}"/>
+                <a16:creationId xmlns:a16="http://schemas.microsoft.com/office/drawing/2014/main" id="{24B40074-1901-4AC4-99EE-7542D8F05423}"/>
               </a:ext>
             </a:extLst>
           </p:cNvPr>
-          <p:cNvGrpSpPr/>
+          <p:cNvSpPr txBox="1"/>
           <p:nvPr/>
-        </p:nvGrpSpPr>
-        <p:grpSpPr>
+        </p:nvSpPr>
+        <p:spPr>
           <a:xfrm>
-            <a:off x="4745685" y="3007246"/>
-            <a:ext cx="843509" cy="843509"/>
-            <a:chOff x="4745685" y="3007246"/>
-            <a:chExt cx="843509" cy="843509"/>
+            <a:off x="5023846" y="3198167"/>
+            <a:ext cx="462553" cy="461665"/>
           </a:xfrm>
-        </p:grpSpPr>
-        <p:sp>
-          <p:nvSpPr>
-            <p:cNvPr id="10" name="矩形 9">
-              <a:extLst>
-                <a:ext uri="{FF2B5EF4-FFF2-40B4-BE49-F238E27FC236}">
-                  <a16:creationId xmlns:a16="http://schemas.microsoft.com/office/drawing/2014/main" id="{2001A9E6-E69E-4776-8987-0436781DDC47}"/>
-                </a:ext>
-              </a:extLst>
-            </p:cNvPr>
-            <p:cNvSpPr/>
-            <p:nvPr/>
-          </p:nvSpPr>
-          <p:spPr>
-            <a:xfrm>
-              <a:off x="4745685" y="3007246"/>
-              <a:ext cx="843509" cy="843509"/>
-            </a:xfrm>
-            <a:prstGeom prst="rect">
-              <a:avLst/>
-            </a:prstGeom>
-            <a:noFill/>
-            <a:ln w="28575">
-              <a:solidFill>
-                <a:schemeClr val="tx1"/>
-              </a:solidFill>
-            </a:ln>
-          </p:spPr>
-          <p:style>
-            <a:lnRef idx="2">
-              <a:schemeClr val="accent1">
-                <a:shade val="50000"/>
-              </a:schemeClr>
-            </a:lnRef>
-            <a:fillRef idx="1">
-              <a:schemeClr val="accent1"/>
-            </a:fillRef>
-            <a:effectRef idx="0">
-              <a:schemeClr val="accent1"/>
-            </a:effectRef>
-            <a:fontRef idx="minor">
-              <a:schemeClr val="lt1"/>
-            </a:fontRef>
-          </p:style>
-          <p:txBody>
-            <a:bodyPr rtlCol="0" anchor="ctr"/>
-            <a:lstStyle/>
-            <a:p>
-              <a:pPr algn="ctr"/>
-              <a:endParaRPr lang="zh-TW" altLang="en-US"/>
-            </a:p>
-          </p:txBody>
-        </p:sp>
-        <p:sp>
-          <p:nvSpPr>
-            <p:cNvPr id="17" name="文字方塊 16">
-              <a:extLst>
-                <a:ext uri="{FF2B5EF4-FFF2-40B4-BE49-F238E27FC236}">
-                  <a16:creationId xmlns:a16="http://schemas.microsoft.com/office/drawing/2014/main" id="{24B40074-1901-4AC4-99EE-7542D8F05423}"/>
-                </a:ext>
-              </a:extLst>
-            </p:cNvPr>
-            <p:cNvSpPr txBox="1"/>
-            <p:nvPr/>
-          </p:nvSpPr>
-          <p:spPr>
-            <a:xfrm>
-              <a:off x="5023846" y="3198167"/>
-              <a:ext cx="462553" cy="461665"/>
-            </a:xfrm>
-            <a:prstGeom prst="rect">
-              <a:avLst/>
-            </a:prstGeom>
-            <a:noFill/>
-          </p:spPr>
-          <p:txBody>
-            <a:bodyPr wrap="square">
-              <a:spAutoFit/>
-            </a:bodyPr>
-            <a:lstStyle/>
-            <a:p>
-              <a:r>
-                <a:rPr lang="en-US" altLang="zh-TW" sz="2400" dirty="0">
-                  <a:solidFill>
-                    <a:srgbClr val="FF33CC"/>
-                  </a:solidFill>
-                  <a:latin typeface="Consolas" panose="020B0609020204030204" pitchFamily="49" charset="0"/>
-                </a:rPr>
-                <a:t>3</a:t>
-              </a:r>
-              <a:endParaRPr lang="zh-TW" altLang="en-US" sz="2400" dirty="0"/>
-            </a:p>
-          </p:txBody>
-        </p:sp>
-      </p:grpSp>
-      <p:grpSp>
-        <p:nvGrpSpPr>
-          <p:cNvPr id="25" name="群組 24">
+          <a:prstGeom prst="rect">
+            <a:avLst/>
+          </a:prstGeom>
+          <a:noFill/>
+        </p:spPr>
+        <p:txBody>
+          <a:bodyPr wrap="square">
+            <a:spAutoFit/>
+          </a:bodyPr>
+          <a:lstStyle/>
+          <a:p>
+            <a:r>
+              <a:rPr lang="en-US" altLang="zh-TW" sz="2400" dirty="0">
+                <a:solidFill>
+                  <a:srgbClr val="FF33CC"/>
+                </a:solidFill>
+                <a:latin typeface="Consolas" panose="020B0609020204030204" pitchFamily="49" charset="0"/>
+              </a:rPr>
+              <a:t>3</a:t>
+            </a:r>
+            <a:endParaRPr lang="zh-TW" altLang="en-US" sz="2400" dirty="0"/>
+          </a:p>
+        </p:txBody>
+      </p:sp>
+      <p:sp>
+        <p:nvSpPr>
+          <p:cNvPr id="18" name="文字方塊 17">
             <a:extLst>
               <a:ext uri="{FF2B5EF4-FFF2-40B4-BE49-F238E27FC236}">
-                <a16:creationId xmlns:a16="http://schemas.microsoft.com/office/drawing/2014/main" id="{B83CE4C2-FACC-4FF3-93C5-78D44972E8F7}"/>
+                <a16:creationId xmlns:a16="http://schemas.microsoft.com/office/drawing/2014/main" id="{5A77EFF5-1370-4FCC-A001-B8EFEC00EE36}"/>
               </a:ext>
             </a:extLst>
           </p:cNvPr>
-          <p:cNvGrpSpPr/>
+          <p:cNvSpPr txBox="1"/>
           <p:nvPr/>
-        </p:nvGrpSpPr>
-        <p:grpSpPr>
+        </p:nvSpPr>
+        <p:spPr>
           <a:xfrm>
-            <a:off x="5688430" y="3007246"/>
-            <a:ext cx="843509" cy="843509"/>
-            <a:chOff x="5688430" y="3007246"/>
-            <a:chExt cx="843509" cy="843509"/>
+            <a:off x="5964021" y="3198167"/>
+            <a:ext cx="462553" cy="461665"/>
           </a:xfrm>
-        </p:grpSpPr>
-        <p:sp>
-          <p:nvSpPr>
-            <p:cNvPr id="11" name="矩形 10">
-              <a:extLst>
-                <a:ext uri="{FF2B5EF4-FFF2-40B4-BE49-F238E27FC236}">
-                  <a16:creationId xmlns:a16="http://schemas.microsoft.com/office/drawing/2014/main" id="{D2BED430-8F96-4132-93C3-FF2794EF22E1}"/>
-                </a:ext>
-              </a:extLst>
-            </p:cNvPr>
-            <p:cNvSpPr/>
-            <p:nvPr/>
-          </p:nvSpPr>
-          <p:spPr>
-            <a:xfrm>
-              <a:off x="5688430" y="3007246"/>
-              <a:ext cx="843509" cy="843509"/>
-            </a:xfrm>
-            <a:prstGeom prst="rect">
-              <a:avLst/>
-            </a:prstGeom>
-            <a:noFill/>
-            <a:ln w="28575">
-              <a:solidFill>
-                <a:schemeClr val="tx1"/>
-              </a:solidFill>
-            </a:ln>
-          </p:spPr>
-          <p:style>
-            <a:lnRef idx="2">
-              <a:schemeClr val="accent1">
-                <a:shade val="50000"/>
-              </a:schemeClr>
-            </a:lnRef>
-            <a:fillRef idx="1">
-              <a:schemeClr val="accent1"/>
-            </a:fillRef>
-            <a:effectRef idx="0">
-              <a:schemeClr val="accent1"/>
-            </a:effectRef>
-            <a:fontRef idx="minor">
-              <a:schemeClr val="lt1"/>
-            </a:fontRef>
-          </p:style>
-          <p:txBody>
-            <a:bodyPr rtlCol="0" anchor="ctr"/>
-            <a:lstStyle/>
-            <a:p>
-              <a:pPr algn="ctr"/>
-              <a:endParaRPr lang="zh-TW" altLang="en-US"/>
-            </a:p>
-          </p:txBody>
-        </p:sp>
-        <p:sp>
-          <p:nvSpPr>
-            <p:cNvPr id="18" name="文字方塊 17">
-              <a:extLst>
-                <a:ext uri="{FF2B5EF4-FFF2-40B4-BE49-F238E27FC236}">
-                  <a16:creationId xmlns:a16="http://schemas.microsoft.com/office/drawing/2014/main" id="{5A77EFF5-1370-4FCC-A001-B8EFEC00EE36}"/>
-                </a:ext>
-              </a:extLst>
-            </p:cNvPr>
-            <p:cNvSpPr txBox="1"/>
-            <p:nvPr/>
-          </p:nvSpPr>
-          <p:spPr>
-            <a:xfrm>
-              <a:off x="5964021" y="3198167"/>
-              <a:ext cx="462553" cy="461665"/>
-            </a:xfrm>
-            <a:prstGeom prst="rect">
-              <a:avLst/>
-            </a:prstGeom>
-            <a:noFill/>
-          </p:spPr>
-          <p:txBody>
-            <a:bodyPr wrap="square">
-              <a:spAutoFit/>
-            </a:bodyPr>
-            <a:lstStyle/>
-            <a:p>
-              <a:r>
-                <a:rPr lang="en-US" altLang="zh-TW" sz="2400" dirty="0">
-                  <a:solidFill>
-                    <a:srgbClr val="FF33CC"/>
-                  </a:solidFill>
-                  <a:latin typeface="Consolas" panose="020B0609020204030204" pitchFamily="49" charset="0"/>
-                </a:rPr>
-                <a:t>4</a:t>
-              </a:r>
-              <a:endParaRPr lang="zh-TW" altLang="en-US" sz="2400" dirty="0"/>
-            </a:p>
-          </p:txBody>
-        </p:sp>
-      </p:grpSp>
-      <p:grpSp>
-        <p:nvGrpSpPr>
-          <p:cNvPr id="26" name="群組 25">
+          <a:prstGeom prst="rect">
+            <a:avLst/>
+          </a:prstGeom>
+          <a:noFill/>
+        </p:spPr>
+        <p:txBody>
+          <a:bodyPr wrap="square">
+            <a:spAutoFit/>
+          </a:bodyPr>
+          <a:lstStyle/>
+          <a:p>
+            <a:r>
+              <a:rPr lang="en-US" altLang="zh-TW" sz="2400" dirty="0">
+                <a:solidFill>
+                  <a:srgbClr val="FF33CC"/>
+                </a:solidFill>
+                <a:latin typeface="Consolas" panose="020B0609020204030204" pitchFamily="49" charset="0"/>
+              </a:rPr>
+              <a:t>4</a:t>
+            </a:r>
+            <a:endParaRPr lang="zh-TW" altLang="en-US" sz="2400" dirty="0"/>
+          </a:p>
+        </p:txBody>
+      </p:sp>
+      <p:sp>
+        <p:nvSpPr>
+          <p:cNvPr id="19" name="文字方塊 18">
             <a:extLst>
               <a:ext uri="{FF2B5EF4-FFF2-40B4-BE49-F238E27FC236}">
-                <a16:creationId xmlns:a16="http://schemas.microsoft.com/office/drawing/2014/main" id="{73FAAACC-00DF-4690-9A97-E4E26EA2AA53}"/>
+                <a16:creationId xmlns:a16="http://schemas.microsoft.com/office/drawing/2014/main" id="{80179456-8DE3-4A10-BA0A-F5FA4EE22548}"/>
               </a:ext>
             </a:extLst>
           </p:cNvPr>
-          <p:cNvGrpSpPr/>
+          <p:cNvSpPr txBox="1"/>
           <p:nvPr/>
-        </p:nvGrpSpPr>
-        <p:grpSpPr>
+        </p:nvSpPr>
+        <p:spPr>
           <a:xfrm>
-            <a:off x="6631175" y="3007246"/>
-            <a:ext cx="843509" cy="843509"/>
-            <a:chOff x="6631175" y="3007246"/>
-            <a:chExt cx="843509" cy="843509"/>
+            <a:off x="6911118" y="3198167"/>
+            <a:ext cx="462553" cy="461665"/>
           </a:xfrm>
-        </p:grpSpPr>
-        <p:sp>
-          <p:nvSpPr>
-            <p:cNvPr id="12" name="矩形 11">
-              <a:extLst>
-                <a:ext uri="{FF2B5EF4-FFF2-40B4-BE49-F238E27FC236}">
-                  <a16:creationId xmlns:a16="http://schemas.microsoft.com/office/drawing/2014/main" id="{1B47299F-309E-4358-81AA-9C7ABBB3852F}"/>
-                </a:ext>
-              </a:extLst>
-            </p:cNvPr>
-            <p:cNvSpPr/>
-            <p:nvPr/>
-          </p:nvSpPr>
-          <p:spPr>
-            <a:xfrm>
-              <a:off x="6631175" y="3007246"/>
-              <a:ext cx="843509" cy="843509"/>
-            </a:xfrm>
-            <a:prstGeom prst="rect">
-              <a:avLst/>
-            </a:prstGeom>
-            <a:noFill/>
-            <a:ln w="28575">
-              <a:solidFill>
-                <a:schemeClr val="tx1"/>
-              </a:solidFill>
-            </a:ln>
-          </p:spPr>
-          <p:style>
-            <a:lnRef idx="2">
-              <a:schemeClr val="accent1">
-                <a:shade val="50000"/>
-              </a:schemeClr>
-            </a:lnRef>
-            <a:fillRef idx="1">
-              <a:schemeClr val="accent1"/>
-            </a:fillRef>
-            <a:effectRef idx="0">
-              <a:schemeClr val="accent1"/>
-            </a:effectRef>
-            <a:fontRef idx="minor">
-              <a:schemeClr val="lt1"/>
-            </a:fontRef>
-          </p:style>
-          <p:txBody>
-            <a:bodyPr rtlCol="0" anchor="ctr"/>
-            <a:lstStyle/>
-            <a:p>
-              <a:pPr algn="ctr"/>
-              <a:endParaRPr lang="zh-TW" altLang="en-US"/>
-            </a:p>
-          </p:txBody>
-        </p:sp>
-        <p:sp>
-          <p:nvSpPr>
-            <p:cNvPr id="19" name="文字方塊 18">
-              <a:extLst>
-                <a:ext uri="{FF2B5EF4-FFF2-40B4-BE49-F238E27FC236}">
-                  <a16:creationId xmlns:a16="http://schemas.microsoft.com/office/drawing/2014/main" id="{80179456-8DE3-4A10-BA0A-F5FA4EE22548}"/>
-                </a:ext>
-              </a:extLst>
-            </p:cNvPr>
-            <p:cNvSpPr txBox="1"/>
-            <p:nvPr/>
-          </p:nvSpPr>
-          <p:spPr>
-            <a:xfrm>
-              <a:off x="6911118" y="3198167"/>
-              <a:ext cx="462553" cy="461665"/>
-            </a:xfrm>
-            <a:prstGeom prst="rect">
-              <a:avLst/>
-            </a:prstGeom>
-            <a:noFill/>
-          </p:spPr>
-          <p:txBody>
-            <a:bodyPr wrap="square">
-              <a:spAutoFit/>
-            </a:bodyPr>
-            <a:lstStyle/>
-            <a:p>
-              <a:r>
-                <a:rPr lang="en-US" altLang="zh-TW" sz="2400" dirty="0">
-                  <a:solidFill>
-                    <a:srgbClr val="FF33CC"/>
-                  </a:solidFill>
-                  <a:latin typeface="Consolas" panose="020B0609020204030204" pitchFamily="49" charset="0"/>
-                </a:rPr>
-                <a:t>5</a:t>
-              </a:r>
-              <a:endParaRPr lang="zh-TW" altLang="en-US" sz="2400" dirty="0"/>
-            </a:p>
-          </p:txBody>
-        </p:sp>
-      </p:grpSp>
-      <p:grpSp>
-        <p:nvGrpSpPr>
-          <p:cNvPr id="27" name="群組 26">
+          <a:prstGeom prst="rect">
+            <a:avLst/>
+          </a:prstGeom>
+          <a:noFill/>
+        </p:spPr>
+        <p:txBody>
+          <a:bodyPr wrap="square">
+            <a:spAutoFit/>
+          </a:bodyPr>
+          <a:lstStyle/>
+          <a:p>
+            <a:r>
+              <a:rPr lang="en-US" altLang="zh-TW" sz="2400" dirty="0">
+                <a:solidFill>
+                  <a:srgbClr val="FF33CC"/>
+                </a:solidFill>
+                <a:latin typeface="Consolas" panose="020B0609020204030204" pitchFamily="49" charset="0"/>
+              </a:rPr>
+              <a:t>5</a:t>
+            </a:r>
+            <a:endParaRPr lang="zh-TW" altLang="en-US" sz="2400" dirty="0"/>
+          </a:p>
+        </p:txBody>
+      </p:sp>
+      <p:sp>
+        <p:nvSpPr>
+          <p:cNvPr id="20" name="文字方塊 19">
             <a:extLst>
               <a:ext uri="{FF2B5EF4-FFF2-40B4-BE49-F238E27FC236}">
-                <a16:creationId xmlns:a16="http://schemas.microsoft.com/office/drawing/2014/main" id="{3798ECFB-4E11-419D-98E0-B0909412A3B1}"/>
+                <a16:creationId xmlns:a16="http://schemas.microsoft.com/office/drawing/2014/main" id="{2933A56D-829B-48C4-AC02-40E9694DA131}"/>
               </a:ext>
             </a:extLst>
           </p:cNvPr>
-          <p:cNvGrpSpPr/>
+          <p:cNvSpPr txBox="1"/>
           <p:nvPr/>
-        </p:nvGrpSpPr>
-        <p:grpSpPr>
+        </p:nvSpPr>
+        <p:spPr>
           <a:xfrm>
-            <a:off x="7573920" y="3007246"/>
-            <a:ext cx="843509" cy="843509"/>
-            <a:chOff x="7573920" y="3007246"/>
-            <a:chExt cx="843509" cy="843509"/>
+            <a:off x="7839361" y="3198167"/>
+            <a:ext cx="462553" cy="461665"/>
           </a:xfrm>
-        </p:grpSpPr>
-        <p:sp>
-          <p:nvSpPr>
-            <p:cNvPr id="13" name="矩形 12">
-              <a:extLst>
-                <a:ext uri="{FF2B5EF4-FFF2-40B4-BE49-F238E27FC236}">
-                  <a16:creationId xmlns:a16="http://schemas.microsoft.com/office/drawing/2014/main" id="{CB186404-AB72-44D4-AF3E-BCF27FFDE11C}"/>
-                </a:ext>
-              </a:extLst>
-            </p:cNvPr>
-            <p:cNvSpPr/>
-            <p:nvPr/>
-          </p:nvSpPr>
-          <p:spPr>
-            <a:xfrm>
-              <a:off x="7573920" y="3007246"/>
-              <a:ext cx="843509" cy="843509"/>
-            </a:xfrm>
-            <a:prstGeom prst="rect">
-              <a:avLst/>
-            </a:prstGeom>
-            <a:noFill/>
-            <a:ln w="28575">
-              <a:solidFill>
-                <a:schemeClr val="tx1"/>
-              </a:solidFill>
-            </a:ln>
-          </p:spPr>
-          <p:style>
-            <a:lnRef idx="2">
-              <a:schemeClr val="accent1">
-                <a:shade val="50000"/>
-              </a:schemeClr>
-            </a:lnRef>
-            <a:fillRef idx="1">
-              <a:schemeClr val="accent1"/>
-            </a:fillRef>
-            <a:effectRef idx="0">
-              <a:schemeClr val="accent1"/>
-            </a:effectRef>
-            <a:fontRef idx="minor">
-              <a:schemeClr val="lt1"/>
-            </a:fontRef>
-          </p:style>
-          <p:txBody>
-            <a:bodyPr rtlCol="0" anchor="ctr"/>
-            <a:lstStyle/>
-            <a:p>
-              <a:pPr algn="ctr"/>
-              <a:endParaRPr lang="zh-TW" altLang="en-US"/>
-            </a:p>
-          </p:txBody>
-        </p:sp>
-        <p:sp>
-          <p:nvSpPr>
-            <p:cNvPr id="20" name="文字方塊 19">
-              <a:extLst>
-                <a:ext uri="{FF2B5EF4-FFF2-40B4-BE49-F238E27FC236}">
-                  <a16:creationId xmlns:a16="http://schemas.microsoft.com/office/drawing/2014/main" id="{2933A56D-829B-48C4-AC02-40E9694DA131}"/>
-                </a:ext>
-              </a:extLst>
-            </p:cNvPr>
-            <p:cNvSpPr txBox="1"/>
-            <p:nvPr/>
-          </p:nvSpPr>
-          <p:spPr>
-            <a:xfrm>
-              <a:off x="7839361" y="3198167"/>
-              <a:ext cx="462553" cy="461665"/>
-            </a:xfrm>
-            <a:prstGeom prst="rect">
-              <a:avLst/>
-            </a:prstGeom>
-            <a:noFill/>
-          </p:spPr>
-          <p:txBody>
-            <a:bodyPr wrap="square">
-              <a:spAutoFit/>
-            </a:bodyPr>
-            <a:lstStyle/>
-            <a:p>
-              <a:r>
-                <a:rPr lang="en-US" altLang="zh-TW" sz="2400" dirty="0">
-                  <a:solidFill>
-                    <a:srgbClr val="FF33CC"/>
-                  </a:solidFill>
-                  <a:latin typeface="Consolas" panose="020B0609020204030204" pitchFamily="49" charset="0"/>
-                </a:rPr>
-                <a:t>6</a:t>
-              </a:r>
-              <a:endParaRPr lang="zh-TW" altLang="en-US" sz="2400" dirty="0"/>
-            </a:p>
-          </p:txBody>
-        </p:sp>
-      </p:grpSp>
-      <p:grpSp>
-        <p:nvGrpSpPr>
-          <p:cNvPr id="28" name="群組 27">
+          <a:prstGeom prst="rect">
+            <a:avLst/>
+          </a:prstGeom>
+          <a:noFill/>
+        </p:spPr>
+        <p:txBody>
+          <a:bodyPr wrap="square">
+            <a:spAutoFit/>
+          </a:bodyPr>
+          <a:lstStyle/>
+          <a:p>
+            <a:r>
+              <a:rPr lang="en-US" altLang="zh-TW" sz="2400" dirty="0">
+                <a:solidFill>
+                  <a:srgbClr val="FF33CC"/>
+                </a:solidFill>
+                <a:latin typeface="Consolas" panose="020B0609020204030204" pitchFamily="49" charset="0"/>
+              </a:rPr>
+              <a:t>6</a:t>
+            </a:r>
+            <a:endParaRPr lang="zh-TW" altLang="en-US" sz="2400" dirty="0"/>
+          </a:p>
+        </p:txBody>
+      </p:sp>
+      <p:sp>
+        <p:nvSpPr>
+          <p:cNvPr id="21" name="文字方塊 20">
             <a:extLst>
               <a:ext uri="{FF2B5EF4-FFF2-40B4-BE49-F238E27FC236}">
-                <a16:creationId xmlns:a16="http://schemas.microsoft.com/office/drawing/2014/main" id="{342CE5C5-1134-4DD0-AB00-253F85000732}"/>
+                <a16:creationId xmlns:a16="http://schemas.microsoft.com/office/drawing/2014/main" id="{AD71959A-B401-4D99-AE52-C78EF9063F90}"/>
               </a:ext>
             </a:extLst>
           </p:cNvPr>
-          <p:cNvGrpSpPr/>
+          <p:cNvSpPr txBox="1"/>
           <p:nvPr/>
-        </p:nvGrpSpPr>
-        <p:grpSpPr>
+        </p:nvSpPr>
+        <p:spPr>
           <a:xfrm>
-            <a:off x="8516665" y="3007246"/>
-            <a:ext cx="843509" cy="843509"/>
-            <a:chOff x="8516665" y="3007246"/>
-            <a:chExt cx="843509" cy="843509"/>
+            <a:off x="8783358" y="3198167"/>
+            <a:ext cx="462553" cy="461665"/>
           </a:xfrm>
-        </p:grpSpPr>
-        <p:sp>
-          <p:nvSpPr>
-            <p:cNvPr id="14" name="矩形 13">
-              <a:extLst>
-                <a:ext uri="{FF2B5EF4-FFF2-40B4-BE49-F238E27FC236}">
-                  <a16:creationId xmlns:a16="http://schemas.microsoft.com/office/drawing/2014/main" id="{F7129E6F-A9BC-4EA5-8C9F-489DFC0018D6}"/>
-                </a:ext>
-              </a:extLst>
-            </p:cNvPr>
-            <p:cNvSpPr/>
-            <p:nvPr/>
-          </p:nvSpPr>
-          <p:spPr>
-            <a:xfrm>
-              <a:off x="8516665" y="3007246"/>
-              <a:ext cx="843509" cy="843509"/>
-            </a:xfrm>
-            <a:prstGeom prst="rect">
-              <a:avLst/>
-            </a:prstGeom>
-            <a:noFill/>
-            <a:ln w="28575">
-              <a:solidFill>
-                <a:schemeClr val="tx1"/>
-              </a:solidFill>
-            </a:ln>
-          </p:spPr>
-          <p:style>
-            <a:lnRef idx="2">
-              <a:schemeClr val="accent1">
-                <a:shade val="50000"/>
-              </a:schemeClr>
-            </a:lnRef>
-            <a:fillRef idx="1">
-              <a:schemeClr val="accent1"/>
-            </a:fillRef>
-            <a:effectRef idx="0">
-              <a:schemeClr val="accent1"/>
-            </a:effectRef>
-            <a:fontRef idx="minor">
-              <a:schemeClr val="lt1"/>
-            </a:fontRef>
-          </p:style>
-          <p:txBody>
-            <a:bodyPr rtlCol="0" anchor="ctr"/>
-            <a:lstStyle/>
-            <a:p>
-              <a:pPr algn="ctr"/>
-              <a:endParaRPr lang="zh-TW" altLang="en-US"/>
-            </a:p>
-          </p:txBody>
-        </p:sp>
-        <p:sp>
-          <p:nvSpPr>
-            <p:cNvPr id="21" name="文字方塊 20">
-              <a:extLst>
-                <a:ext uri="{FF2B5EF4-FFF2-40B4-BE49-F238E27FC236}">
-                  <a16:creationId xmlns:a16="http://schemas.microsoft.com/office/drawing/2014/main" id="{AD71959A-B401-4D99-AE52-C78EF9063F90}"/>
-                </a:ext>
-              </a:extLst>
-            </p:cNvPr>
-            <p:cNvSpPr txBox="1"/>
-            <p:nvPr/>
-          </p:nvSpPr>
-          <p:spPr>
-            <a:xfrm>
-              <a:off x="8783358" y="3198167"/>
-              <a:ext cx="462553" cy="461665"/>
-            </a:xfrm>
-            <a:prstGeom prst="rect">
-              <a:avLst/>
-            </a:prstGeom>
-            <a:noFill/>
-          </p:spPr>
-          <p:txBody>
-            <a:bodyPr wrap="square">
-              <a:spAutoFit/>
-            </a:bodyPr>
-            <a:lstStyle/>
-            <a:p>
-              <a:r>
-                <a:rPr lang="en-US" altLang="zh-TW" sz="2400" dirty="0">
-                  <a:solidFill>
-                    <a:srgbClr val="FF33CC"/>
-                  </a:solidFill>
-                  <a:latin typeface="Consolas" panose="020B0609020204030204" pitchFamily="49" charset="0"/>
-                </a:rPr>
-                <a:t>7</a:t>
-              </a:r>
-              <a:endParaRPr lang="zh-TW" altLang="en-US" sz="2400" dirty="0"/>
-            </a:p>
-          </p:txBody>
-        </p:sp>
-      </p:grpSp>
+          <a:prstGeom prst="rect">
+            <a:avLst/>
+          </a:prstGeom>
+          <a:noFill/>
+        </p:spPr>
+        <p:txBody>
+          <a:bodyPr wrap="square">
+            <a:spAutoFit/>
+          </a:bodyPr>
+          <a:lstStyle/>
+          <a:p>
+            <a:r>
+              <a:rPr lang="en-US" altLang="zh-TW" sz="2400" dirty="0">
+                <a:solidFill>
+                  <a:srgbClr val="FF33CC"/>
+                </a:solidFill>
+                <a:latin typeface="Consolas" panose="020B0609020204030204" pitchFamily="49" charset="0"/>
+              </a:rPr>
+              <a:t>7</a:t>
+            </a:r>
+            <a:endParaRPr lang="zh-TW" altLang="en-US" sz="2400" dirty="0"/>
+          </a:p>
+        </p:txBody>
+      </p:sp>
       <p:sp>
         <p:nvSpPr>
           <p:cNvPr id="29" name="文字方塊 28">
@@ -21672,7 +20997,7 @@
         </p:nvSpPr>
         <p:spPr>
           <a:xfrm>
-            <a:off x="4369316" y="2767278"/>
+            <a:off x="4369315" y="3663229"/>
             <a:ext cx="3651962" cy="1323439"/>
           </a:xfrm>
           <a:prstGeom prst="rect">
@@ -21712,6 +21037,370 @@
               <a:latin typeface="Times New Roman" panose="02020603050405020304" pitchFamily="18" charset="0"/>
               <a:cs typeface="Times New Roman" panose="02020603050405020304" pitchFamily="18" charset="0"/>
             </a:endParaRPr>
+          </a:p>
+        </p:txBody>
+      </p:sp>
+      <p:sp>
+        <p:nvSpPr>
+          <p:cNvPr id="30" name="矩形 29">
+            <a:extLst>
+              <a:ext uri="{FF2B5EF4-FFF2-40B4-BE49-F238E27FC236}">
+                <a16:creationId xmlns:a16="http://schemas.microsoft.com/office/drawing/2014/main" id="{6D5700B5-EE0D-4CAE-A4AF-1A7A8D2F83CE}"/>
+              </a:ext>
+            </a:extLst>
+          </p:cNvPr>
+          <p:cNvSpPr/>
+          <p:nvPr/>
+        </p:nvSpPr>
+        <p:spPr>
+          <a:xfrm>
+            <a:off x="2831825" y="3007246"/>
+            <a:ext cx="843509" cy="843509"/>
+          </a:xfrm>
+          <a:prstGeom prst="rect">
+            <a:avLst/>
+          </a:prstGeom>
+          <a:noFill/>
+          <a:ln w="28575">
+            <a:solidFill>
+              <a:schemeClr val="tx1"/>
+            </a:solidFill>
+          </a:ln>
+        </p:spPr>
+        <p:style>
+          <a:lnRef idx="2">
+            <a:schemeClr val="accent1">
+              <a:shade val="50000"/>
+            </a:schemeClr>
+          </a:lnRef>
+          <a:fillRef idx="1">
+            <a:schemeClr val="accent1"/>
+          </a:fillRef>
+          <a:effectRef idx="0">
+            <a:schemeClr val="accent1"/>
+          </a:effectRef>
+          <a:fontRef idx="minor">
+            <a:schemeClr val="lt1"/>
+          </a:fontRef>
+        </p:style>
+        <p:txBody>
+          <a:bodyPr rtlCol="0" anchor="ctr"/>
+          <a:lstStyle/>
+          <a:p>
+            <a:pPr algn="ctr"/>
+            <a:endParaRPr lang="zh-TW" altLang="en-US"/>
+          </a:p>
+        </p:txBody>
+      </p:sp>
+      <p:sp>
+        <p:nvSpPr>
+          <p:cNvPr id="31" name="矩形 30">
+            <a:extLst>
+              <a:ext uri="{FF2B5EF4-FFF2-40B4-BE49-F238E27FC236}">
+                <a16:creationId xmlns:a16="http://schemas.microsoft.com/office/drawing/2014/main" id="{67FC44BF-C822-460E-A1DC-4B046334E9D6}"/>
+              </a:ext>
+            </a:extLst>
+          </p:cNvPr>
+          <p:cNvSpPr/>
+          <p:nvPr/>
+        </p:nvSpPr>
+        <p:spPr>
+          <a:xfrm>
+            <a:off x="3788755" y="3007246"/>
+            <a:ext cx="843509" cy="843509"/>
+          </a:xfrm>
+          <a:prstGeom prst="rect">
+            <a:avLst/>
+          </a:prstGeom>
+          <a:noFill/>
+          <a:ln w="28575">
+            <a:solidFill>
+              <a:schemeClr val="tx1"/>
+            </a:solidFill>
+          </a:ln>
+        </p:spPr>
+        <p:style>
+          <a:lnRef idx="2">
+            <a:schemeClr val="accent1">
+              <a:shade val="50000"/>
+            </a:schemeClr>
+          </a:lnRef>
+          <a:fillRef idx="1">
+            <a:schemeClr val="accent1"/>
+          </a:fillRef>
+          <a:effectRef idx="0">
+            <a:schemeClr val="accent1"/>
+          </a:effectRef>
+          <a:fontRef idx="minor">
+            <a:schemeClr val="lt1"/>
+          </a:fontRef>
+        </p:style>
+        <p:txBody>
+          <a:bodyPr rtlCol="0" anchor="ctr"/>
+          <a:lstStyle/>
+          <a:p>
+            <a:pPr algn="ctr"/>
+            <a:endParaRPr lang="zh-TW" altLang="en-US"/>
+          </a:p>
+        </p:txBody>
+      </p:sp>
+      <p:sp>
+        <p:nvSpPr>
+          <p:cNvPr id="33" name="矩形 32">
+            <a:extLst>
+              <a:ext uri="{FF2B5EF4-FFF2-40B4-BE49-F238E27FC236}">
+                <a16:creationId xmlns:a16="http://schemas.microsoft.com/office/drawing/2014/main" id="{C89CE722-037F-4084-B163-DBE804172157}"/>
+              </a:ext>
+            </a:extLst>
+          </p:cNvPr>
+          <p:cNvSpPr/>
+          <p:nvPr/>
+        </p:nvSpPr>
+        <p:spPr>
+          <a:xfrm>
+            <a:off x="4745685" y="3007246"/>
+            <a:ext cx="843509" cy="843509"/>
+          </a:xfrm>
+          <a:prstGeom prst="rect">
+            <a:avLst/>
+          </a:prstGeom>
+          <a:noFill/>
+          <a:ln w="28575">
+            <a:solidFill>
+              <a:schemeClr val="tx1"/>
+            </a:solidFill>
+          </a:ln>
+        </p:spPr>
+        <p:style>
+          <a:lnRef idx="2">
+            <a:schemeClr val="accent1">
+              <a:shade val="50000"/>
+            </a:schemeClr>
+          </a:lnRef>
+          <a:fillRef idx="1">
+            <a:schemeClr val="accent1"/>
+          </a:fillRef>
+          <a:effectRef idx="0">
+            <a:schemeClr val="accent1"/>
+          </a:effectRef>
+          <a:fontRef idx="minor">
+            <a:schemeClr val="lt1"/>
+          </a:fontRef>
+        </p:style>
+        <p:txBody>
+          <a:bodyPr rtlCol="0" anchor="ctr"/>
+          <a:lstStyle/>
+          <a:p>
+            <a:pPr algn="ctr"/>
+            <a:endParaRPr lang="zh-TW" altLang="en-US"/>
+          </a:p>
+        </p:txBody>
+      </p:sp>
+      <p:sp>
+        <p:nvSpPr>
+          <p:cNvPr id="34" name="矩形 33">
+            <a:extLst>
+              <a:ext uri="{FF2B5EF4-FFF2-40B4-BE49-F238E27FC236}">
+                <a16:creationId xmlns:a16="http://schemas.microsoft.com/office/drawing/2014/main" id="{88BC9FEB-00D3-4BE1-96CB-E6EF6498376E}"/>
+              </a:ext>
+            </a:extLst>
+          </p:cNvPr>
+          <p:cNvSpPr/>
+          <p:nvPr/>
+        </p:nvSpPr>
+        <p:spPr>
+          <a:xfrm>
+            <a:off x="5688430" y="3007246"/>
+            <a:ext cx="843509" cy="843509"/>
+          </a:xfrm>
+          <a:prstGeom prst="rect">
+            <a:avLst/>
+          </a:prstGeom>
+          <a:noFill/>
+          <a:ln w="28575">
+            <a:solidFill>
+              <a:schemeClr val="tx1"/>
+            </a:solidFill>
+          </a:ln>
+        </p:spPr>
+        <p:style>
+          <a:lnRef idx="2">
+            <a:schemeClr val="accent1">
+              <a:shade val="50000"/>
+            </a:schemeClr>
+          </a:lnRef>
+          <a:fillRef idx="1">
+            <a:schemeClr val="accent1"/>
+          </a:fillRef>
+          <a:effectRef idx="0">
+            <a:schemeClr val="accent1"/>
+          </a:effectRef>
+          <a:fontRef idx="minor">
+            <a:schemeClr val="lt1"/>
+          </a:fontRef>
+        </p:style>
+        <p:txBody>
+          <a:bodyPr rtlCol="0" anchor="ctr"/>
+          <a:lstStyle/>
+          <a:p>
+            <a:pPr algn="ctr"/>
+            <a:endParaRPr lang="zh-TW" altLang="en-US"/>
+          </a:p>
+        </p:txBody>
+      </p:sp>
+      <p:sp>
+        <p:nvSpPr>
+          <p:cNvPr id="35" name="矩形 34">
+            <a:extLst>
+              <a:ext uri="{FF2B5EF4-FFF2-40B4-BE49-F238E27FC236}">
+                <a16:creationId xmlns:a16="http://schemas.microsoft.com/office/drawing/2014/main" id="{A2DF1949-24DF-4266-B818-4B355483C851}"/>
+              </a:ext>
+            </a:extLst>
+          </p:cNvPr>
+          <p:cNvSpPr/>
+          <p:nvPr/>
+        </p:nvSpPr>
+        <p:spPr>
+          <a:xfrm>
+            <a:off x="6631175" y="3007246"/>
+            <a:ext cx="843509" cy="843509"/>
+          </a:xfrm>
+          <a:prstGeom prst="rect">
+            <a:avLst/>
+          </a:prstGeom>
+          <a:noFill/>
+          <a:ln w="28575">
+            <a:solidFill>
+              <a:schemeClr val="tx1"/>
+            </a:solidFill>
+          </a:ln>
+        </p:spPr>
+        <p:style>
+          <a:lnRef idx="2">
+            <a:schemeClr val="accent1">
+              <a:shade val="50000"/>
+            </a:schemeClr>
+          </a:lnRef>
+          <a:fillRef idx="1">
+            <a:schemeClr val="accent1"/>
+          </a:fillRef>
+          <a:effectRef idx="0">
+            <a:schemeClr val="accent1"/>
+          </a:effectRef>
+          <a:fontRef idx="minor">
+            <a:schemeClr val="lt1"/>
+          </a:fontRef>
+        </p:style>
+        <p:txBody>
+          <a:bodyPr rtlCol="0" anchor="ctr"/>
+          <a:lstStyle/>
+          <a:p>
+            <a:pPr algn="ctr"/>
+            <a:endParaRPr lang="zh-TW" altLang="en-US"/>
+          </a:p>
+        </p:txBody>
+      </p:sp>
+      <p:sp>
+        <p:nvSpPr>
+          <p:cNvPr id="36" name="矩形 35">
+            <a:extLst>
+              <a:ext uri="{FF2B5EF4-FFF2-40B4-BE49-F238E27FC236}">
+                <a16:creationId xmlns:a16="http://schemas.microsoft.com/office/drawing/2014/main" id="{6843E777-8B39-46B8-BE15-0CBBDF628C91}"/>
+              </a:ext>
+            </a:extLst>
+          </p:cNvPr>
+          <p:cNvSpPr/>
+          <p:nvPr/>
+        </p:nvSpPr>
+        <p:spPr>
+          <a:xfrm>
+            <a:off x="7573920" y="3007246"/>
+            <a:ext cx="843509" cy="843509"/>
+          </a:xfrm>
+          <a:prstGeom prst="rect">
+            <a:avLst/>
+          </a:prstGeom>
+          <a:noFill/>
+          <a:ln w="28575">
+            <a:solidFill>
+              <a:schemeClr val="tx1"/>
+            </a:solidFill>
+          </a:ln>
+        </p:spPr>
+        <p:style>
+          <a:lnRef idx="2">
+            <a:schemeClr val="accent1">
+              <a:shade val="50000"/>
+            </a:schemeClr>
+          </a:lnRef>
+          <a:fillRef idx="1">
+            <a:schemeClr val="accent1"/>
+          </a:fillRef>
+          <a:effectRef idx="0">
+            <a:schemeClr val="accent1"/>
+          </a:effectRef>
+          <a:fontRef idx="minor">
+            <a:schemeClr val="lt1"/>
+          </a:fontRef>
+        </p:style>
+        <p:txBody>
+          <a:bodyPr rtlCol="0" anchor="ctr"/>
+          <a:lstStyle/>
+          <a:p>
+            <a:pPr algn="ctr"/>
+            <a:endParaRPr lang="zh-TW" altLang="en-US"/>
+          </a:p>
+        </p:txBody>
+      </p:sp>
+      <p:sp>
+        <p:nvSpPr>
+          <p:cNvPr id="37" name="矩形 36">
+            <a:extLst>
+              <a:ext uri="{FF2B5EF4-FFF2-40B4-BE49-F238E27FC236}">
+                <a16:creationId xmlns:a16="http://schemas.microsoft.com/office/drawing/2014/main" id="{8AE447C2-9961-4FE0-B018-6FA2097C1290}"/>
+              </a:ext>
+            </a:extLst>
+          </p:cNvPr>
+          <p:cNvSpPr/>
+          <p:nvPr/>
+        </p:nvSpPr>
+        <p:spPr>
+          <a:xfrm>
+            <a:off x="8516665" y="3007246"/>
+            <a:ext cx="843509" cy="843509"/>
+          </a:xfrm>
+          <a:prstGeom prst="rect">
+            <a:avLst/>
+          </a:prstGeom>
+          <a:noFill/>
+          <a:ln w="28575">
+            <a:solidFill>
+              <a:schemeClr val="tx1"/>
+            </a:solidFill>
+          </a:ln>
+        </p:spPr>
+        <p:style>
+          <a:lnRef idx="2">
+            <a:schemeClr val="accent1">
+              <a:shade val="50000"/>
+            </a:schemeClr>
+          </a:lnRef>
+          <a:fillRef idx="1">
+            <a:schemeClr val="accent1"/>
+          </a:fillRef>
+          <a:effectRef idx="0">
+            <a:schemeClr val="accent1"/>
+          </a:effectRef>
+          <a:fontRef idx="minor">
+            <a:schemeClr val="lt1"/>
+          </a:fontRef>
+        </p:style>
+        <p:txBody>
+          <a:bodyPr rtlCol="0" anchor="ctr"/>
+          <a:lstStyle/>
+          <a:p>
+            <a:pPr algn="ctr"/>
+            <a:endParaRPr lang="zh-TW" altLang="en-US"/>
           </a:p>
         </p:txBody>
       </p:sp>
@@ -21805,7 +21494,7 @@
                             </p:stCondLst>
                             <p:childTnLst>
                               <p:par>
-                                <p:cTn id="9" presetID="2" presetClass="exit" presetSubtype="8" fill="hold" nodeType="afterEffect">
+                                <p:cTn id="9" presetID="2" presetClass="exit" presetSubtype="8" fill="hold" grpId="0" nodeType="afterEffect">
                                   <p:stCondLst>
                                     <p:cond delay="0"/>
                                   </p:stCondLst>
@@ -21814,7 +21503,7 @@
                                       <p:cBhvr additive="base">
                                         <p:cTn id="10" dur="500"/>
                                         <p:tgtEl>
-                                          <p:spTgt spid="22"/>
+                                          <p:spTgt spid="30"/>
                                         </p:tgtEl>
                                         <p:attrNameLst>
                                           <p:attrName>ppt_x</p:attrName>
@@ -21837,7 +21526,7 @@
                                       <p:cBhvr additive="base">
                                         <p:cTn id="11" dur="500"/>
                                         <p:tgtEl>
-                                          <p:spTgt spid="22"/>
+                                          <p:spTgt spid="30"/>
                                         </p:tgtEl>
                                         <p:attrNameLst>
                                           <p:attrName>ppt_y</p:attrName>
@@ -21864,7 +21553,7 @@
                                           </p:stCondLst>
                                         </p:cTn>
                                         <p:tgtEl>
-                                          <p:spTgt spid="22"/>
+                                          <p:spTgt spid="30"/>
                                         </p:tgtEl>
                                         <p:attrNameLst>
                                           <p:attrName>style.visibility</p:attrName>
@@ -21877,26 +21566,17 @@
                                   </p:childTnLst>
                                 </p:cTn>
                               </p:par>
-                            </p:childTnLst>
-                          </p:cTn>
-                        </p:par>
-                        <p:par>
-                          <p:cTn id="13" fill="hold">
-                            <p:stCondLst>
-                              <p:cond delay="1000"/>
-                            </p:stCondLst>
-                            <p:childTnLst>
                               <p:par>
-                                <p:cTn id="14" presetID="2" presetClass="exit" presetSubtype="8" fill="hold" nodeType="afterEffect">
+                                <p:cTn id="13" presetID="2" presetClass="exit" presetSubtype="8" fill="hold" grpId="0" nodeType="withEffect">
                                   <p:stCondLst>
                                     <p:cond delay="0"/>
                                   </p:stCondLst>
                                   <p:childTnLst>
                                     <p:anim calcmode="lin" valueType="num">
                                       <p:cBhvr additive="base">
-                                        <p:cTn id="15" dur="500"/>
+                                        <p:cTn id="14" dur="500"/>
                                         <p:tgtEl>
-                                          <p:spTgt spid="23"/>
+                                          <p:spTgt spid="15"/>
                                         </p:tgtEl>
                                         <p:attrNameLst>
                                           <p:attrName>ppt_x</p:attrName>
@@ -21917,9 +21597,9 @@
                                     </p:anim>
                                     <p:anim calcmode="lin" valueType="num">
                                       <p:cBhvr additive="base">
-                                        <p:cTn id="16" dur="500"/>
+                                        <p:cTn id="15" dur="500"/>
                                         <p:tgtEl>
-                                          <p:spTgt spid="23"/>
+                                          <p:spTgt spid="15"/>
                                         </p:tgtEl>
                                         <p:attrNameLst>
                                           <p:attrName>ppt_y</p:attrName>
@@ -21940,13 +21620,13 @@
                                     </p:anim>
                                     <p:set>
                                       <p:cBhvr>
-                                        <p:cTn id="17" dur="1" fill="hold">
+                                        <p:cTn id="16" dur="1" fill="hold">
                                           <p:stCondLst>
                                             <p:cond delay="499"/>
                                           </p:stCondLst>
                                         </p:cTn>
                                         <p:tgtEl>
-                                          <p:spTgt spid="23"/>
+                                          <p:spTgt spid="15"/>
                                         </p:tgtEl>
                                         <p:attrNameLst>
                                           <p:attrName>style.visibility</p:attrName>
@@ -21963,22 +21643,22 @@
                           </p:cTn>
                         </p:par>
                         <p:par>
-                          <p:cTn id="18" fill="hold">
+                          <p:cTn id="17" fill="hold">
                             <p:stCondLst>
-                              <p:cond delay="1500"/>
+                              <p:cond delay="1000"/>
                             </p:stCondLst>
                             <p:childTnLst>
                               <p:par>
-                                <p:cTn id="19" presetID="2" presetClass="exit" presetSubtype="8" fill="hold" nodeType="afterEffect">
+                                <p:cTn id="18" presetID="2" presetClass="exit" presetSubtype="8" fill="hold" grpId="0" nodeType="afterEffect">
                                   <p:stCondLst>
                                     <p:cond delay="0"/>
                                   </p:stCondLst>
                                   <p:childTnLst>
                                     <p:anim calcmode="lin" valueType="num">
                                       <p:cBhvr additive="base">
-                                        <p:cTn id="20" dur="500"/>
+                                        <p:cTn id="19" dur="500"/>
                                         <p:tgtEl>
-                                          <p:spTgt spid="24"/>
+                                          <p:spTgt spid="31"/>
                                         </p:tgtEl>
                                         <p:attrNameLst>
                                           <p:attrName>ppt_x</p:attrName>
@@ -21999,9 +21679,9 @@
                                     </p:anim>
                                     <p:anim calcmode="lin" valueType="num">
                                       <p:cBhvr additive="base">
-                                        <p:cTn id="21" dur="500"/>
+                                        <p:cTn id="20" dur="500"/>
                                         <p:tgtEl>
-                                          <p:spTgt spid="24"/>
+                                          <p:spTgt spid="31"/>
                                         </p:tgtEl>
                                         <p:attrNameLst>
                                           <p:attrName>ppt_y</p:attrName>
@@ -22022,13 +21702,13 @@
                                     </p:anim>
                                     <p:set>
                                       <p:cBhvr>
-                                        <p:cTn id="22" dur="1" fill="hold">
+                                        <p:cTn id="21" dur="1" fill="hold">
                                           <p:stCondLst>
                                             <p:cond delay="499"/>
                                           </p:stCondLst>
                                         </p:cTn>
                                         <p:tgtEl>
-                                          <p:spTgt spid="24"/>
+                                          <p:spTgt spid="31"/>
                                         </p:tgtEl>
                                         <p:attrNameLst>
                                           <p:attrName>style.visibility</p:attrName>
@@ -22041,26 +21721,17 @@
                                   </p:childTnLst>
                                 </p:cTn>
                               </p:par>
-                            </p:childTnLst>
-                          </p:cTn>
-                        </p:par>
-                        <p:par>
-                          <p:cTn id="23" fill="hold">
-                            <p:stCondLst>
-                              <p:cond delay="2000"/>
-                            </p:stCondLst>
-                            <p:childTnLst>
                               <p:par>
-                                <p:cTn id="24" presetID="2" presetClass="exit" presetSubtype="8" fill="hold" nodeType="afterEffect">
+                                <p:cTn id="22" presetID="2" presetClass="exit" presetSubtype="8" fill="hold" grpId="0" nodeType="withEffect">
                                   <p:stCondLst>
                                     <p:cond delay="0"/>
                                   </p:stCondLst>
                                   <p:childTnLst>
                                     <p:anim calcmode="lin" valueType="num">
                                       <p:cBhvr additive="base">
-                                        <p:cTn id="25" dur="500"/>
+                                        <p:cTn id="23" dur="500"/>
                                         <p:tgtEl>
-                                          <p:spTgt spid="25"/>
+                                          <p:spTgt spid="16"/>
                                         </p:tgtEl>
                                         <p:attrNameLst>
                                           <p:attrName>ppt_x</p:attrName>
@@ -22081,9 +21752,9 @@
                                     </p:anim>
                                     <p:anim calcmode="lin" valueType="num">
                                       <p:cBhvr additive="base">
-                                        <p:cTn id="26" dur="500"/>
+                                        <p:cTn id="24" dur="500"/>
                                         <p:tgtEl>
-                                          <p:spTgt spid="25"/>
+                                          <p:spTgt spid="16"/>
                                         </p:tgtEl>
                                         <p:attrNameLst>
                                           <p:attrName>ppt_y</p:attrName>
@@ -22104,13 +21775,13 @@
                                     </p:anim>
                                     <p:set>
                                       <p:cBhvr>
-                                        <p:cTn id="27" dur="1" fill="hold">
+                                        <p:cTn id="25" dur="1" fill="hold">
                                           <p:stCondLst>
                                             <p:cond delay="499"/>
                                           </p:stCondLst>
                                         </p:cTn>
                                         <p:tgtEl>
-                                          <p:spTgt spid="25"/>
+                                          <p:spTgt spid="16"/>
                                         </p:tgtEl>
                                         <p:attrNameLst>
                                           <p:attrName>style.visibility</p:attrName>
@@ -22127,22 +21798,22 @@
                           </p:cTn>
                         </p:par>
                         <p:par>
-                          <p:cTn id="28" fill="hold">
+                          <p:cTn id="26" fill="hold">
                             <p:stCondLst>
-                              <p:cond delay="2500"/>
+                              <p:cond delay="1500"/>
                             </p:stCondLst>
                             <p:childTnLst>
                               <p:par>
-                                <p:cTn id="29" presetID="2" presetClass="exit" presetSubtype="8" fill="hold" nodeType="afterEffect">
+                                <p:cTn id="27" presetID="2" presetClass="exit" presetSubtype="8" fill="hold" grpId="0" nodeType="afterEffect">
                                   <p:stCondLst>
                                     <p:cond delay="0"/>
                                   </p:stCondLst>
                                   <p:childTnLst>
                                     <p:anim calcmode="lin" valueType="num">
                                       <p:cBhvr additive="base">
-                                        <p:cTn id="30" dur="500"/>
+                                        <p:cTn id="28" dur="500"/>
                                         <p:tgtEl>
-                                          <p:spTgt spid="26"/>
+                                          <p:spTgt spid="33"/>
                                         </p:tgtEl>
                                         <p:attrNameLst>
                                           <p:attrName>ppt_x</p:attrName>
@@ -22163,9 +21834,9 @@
                                     </p:anim>
                                     <p:anim calcmode="lin" valueType="num">
                                       <p:cBhvr additive="base">
-                                        <p:cTn id="31" dur="500"/>
+                                        <p:cTn id="29" dur="500"/>
                                         <p:tgtEl>
-                                          <p:spTgt spid="26"/>
+                                          <p:spTgt spid="33"/>
                                         </p:tgtEl>
                                         <p:attrNameLst>
                                           <p:attrName>ppt_y</p:attrName>
@@ -22186,13 +21857,13 @@
                                     </p:anim>
                                     <p:set>
                                       <p:cBhvr>
-                                        <p:cTn id="32" dur="1" fill="hold">
+                                        <p:cTn id="30" dur="1" fill="hold">
                                           <p:stCondLst>
                                             <p:cond delay="499"/>
                                           </p:stCondLst>
                                         </p:cTn>
                                         <p:tgtEl>
-                                          <p:spTgt spid="26"/>
+                                          <p:spTgt spid="33"/>
                                         </p:tgtEl>
                                         <p:attrNameLst>
                                           <p:attrName>style.visibility</p:attrName>
@@ -22205,26 +21876,17 @@
                                   </p:childTnLst>
                                 </p:cTn>
                               </p:par>
-                            </p:childTnLst>
-                          </p:cTn>
-                        </p:par>
-                        <p:par>
-                          <p:cTn id="33" fill="hold">
-                            <p:stCondLst>
-                              <p:cond delay="3000"/>
-                            </p:stCondLst>
-                            <p:childTnLst>
                               <p:par>
-                                <p:cTn id="34" presetID="2" presetClass="exit" presetSubtype="8" fill="hold" nodeType="afterEffect">
+                                <p:cTn id="31" presetID="2" presetClass="exit" presetSubtype="8" fill="hold" grpId="0" nodeType="withEffect">
                                   <p:stCondLst>
                                     <p:cond delay="0"/>
                                   </p:stCondLst>
                                   <p:childTnLst>
                                     <p:anim calcmode="lin" valueType="num">
                                       <p:cBhvr additive="base">
-                                        <p:cTn id="35" dur="500"/>
+                                        <p:cTn id="32" dur="500"/>
                                         <p:tgtEl>
-                                          <p:spTgt spid="27"/>
+                                          <p:spTgt spid="17"/>
                                         </p:tgtEl>
                                         <p:attrNameLst>
                                           <p:attrName>ppt_x</p:attrName>
@@ -22245,9 +21907,9 @@
                                     </p:anim>
                                     <p:anim calcmode="lin" valueType="num">
                                       <p:cBhvr additive="base">
-                                        <p:cTn id="36" dur="500"/>
+                                        <p:cTn id="33" dur="500"/>
                                         <p:tgtEl>
-                                          <p:spTgt spid="27"/>
+                                          <p:spTgt spid="17"/>
                                         </p:tgtEl>
                                         <p:attrNameLst>
                                           <p:attrName>ppt_y</p:attrName>
@@ -22268,13 +21930,13 @@
                                     </p:anim>
                                     <p:set>
                                       <p:cBhvr>
-                                        <p:cTn id="37" dur="1" fill="hold">
+                                        <p:cTn id="34" dur="1" fill="hold">
                                           <p:stCondLst>
                                             <p:cond delay="499"/>
                                           </p:stCondLst>
                                         </p:cTn>
                                         <p:tgtEl>
-                                          <p:spTgt spid="27"/>
+                                          <p:spTgt spid="17"/>
                                         </p:tgtEl>
                                         <p:attrNameLst>
                                           <p:attrName>style.visibility</p:attrName>
@@ -22291,22 +21953,22 @@
                           </p:cTn>
                         </p:par>
                         <p:par>
-                          <p:cTn id="38" fill="hold">
+                          <p:cTn id="35" fill="hold">
                             <p:stCondLst>
-                              <p:cond delay="3500"/>
+                              <p:cond delay="2000"/>
                             </p:stCondLst>
                             <p:childTnLst>
                               <p:par>
-                                <p:cTn id="39" presetID="2" presetClass="exit" presetSubtype="8" fill="hold" nodeType="afterEffect">
+                                <p:cTn id="36" presetID="2" presetClass="exit" presetSubtype="8" fill="hold" grpId="0" nodeType="afterEffect">
                                   <p:stCondLst>
                                     <p:cond delay="0"/>
                                   </p:stCondLst>
                                   <p:childTnLst>
                                     <p:anim calcmode="lin" valueType="num">
                                       <p:cBhvr additive="base">
-                                        <p:cTn id="40" dur="500"/>
+                                        <p:cTn id="37" dur="500"/>
                                         <p:tgtEl>
-                                          <p:spTgt spid="28"/>
+                                          <p:spTgt spid="34"/>
                                         </p:tgtEl>
                                         <p:attrNameLst>
                                           <p:attrName>ppt_x</p:attrName>
@@ -22327,9 +21989,9 @@
                                     </p:anim>
                                     <p:anim calcmode="lin" valueType="num">
                                       <p:cBhvr additive="base">
-                                        <p:cTn id="41" dur="500"/>
+                                        <p:cTn id="38" dur="500"/>
                                         <p:tgtEl>
-                                          <p:spTgt spid="28"/>
+                                          <p:spTgt spid="34"/>
                                         </p:tgtEl>
                                         <p:attrNameLst>
                                           <p:attrName>ppt_y</p:attrName>
@@ -22350,13 +22012,86 @@
                                     </p:anim>
                                     <p:set>
                                       <p:cBhvr>
-                                        <p:cTn id="42" dur="1" fill="hold">
+                                        <p:cTn id="39" dur="1" fill="hold">
                                           <p:stCondLst>
                                             <p:cond delay="499"/>
                                           </p:stCondLst>
                                         </p:cTn>
                                         <p:tgtEl>
-                                          <p:spTgt spid="28"/>
+                                          <p:spTgt spid="34"/>
+                                        </p:tgtEl>
+                                        <p:attrNameLst>
+                                          <p:attrName>style.visibility</p:attrName>
+                                        </p:attrNameLst>
+                                      </p:cBhvr>
+                                      <p:to>
+                                        <p:strVal val="hidden"/>
+                                      </p:to>
+                                    </p:set>
+                                  </p:childTnLst>
+                                </p:cTn>
+                              </p:par>
+                              <p:par>
+                                <p:cTn id="40" presetID="2" presetClass="exit" presetSubtype="8" fill="hold" grpId="0" nodeType="withEffect">
+                                  <p:stCondLst>
+                                    <p:cond delay="0"/>
+                                  </p:stCondLst>
+                                  <p:childTnLst>
+                                    <p:anim calcmode="lin" valueType="num">
+                                      <p:cBhvr additive="base">
+                                        <p:cTn id="41" dur="500"/>
+                                        <p:tgtEl>
+                                          <p:spTgt spid="18"/>
+                                        </p:tgtEl>
+                                        <p:attrNameLst>
+                                          <p:attrName>ppt_x</p:attrName>
+                                        </p:attrNameLst>
+                                      </p:cBhvr>
+                                      <p:tavLst>
+                                        <p:tav tm="0">
+                                          <p:val>
+                                            <p:strVal val="ppt_x"/>
+                                          </p:val>
+                                        </p:tav>
+                                        <p:tav tm="100000">
+                                          <p:val>
+                                            <p:strVal val="0-ppt_w/2"/>
+                                          </p:val>
+                                        </p:tav>
+                                      </p:tavLst>
+                                    </p:anim>
+                                    <p:anim calcmode="lin" valueType="num">
+                                      <p:cBhvr additive="base">
+                                        <p:cTn id="42" dur="500"/>
+                                        <p:tgtEl>
+                                          <p:spTgt spid="18"/>
+                                        </p:tgtEl>
+                                        <p:attrNameLst>
+                                          <p:attrName>ppt_y</p:attrName>
+                                        </p:attrNameLst>
+                                      </p:cBhvr>
+                                      <p:tavLst>
+                                        <p:tav tm="0">
+                                          <p:val>
+                                            <p:strVal val="ppt_y"/>
+                                          </p:val>
+                                        </p:tav>
+                                        <p:tav tm="100000">
+                                          <p:val>
+                                            <p:strVal val="ppt_y"/>
+                                          </p:val>
+                                        </p:tav>
+                                      </p:tavLst>
+                                    </p:anim>
+                                    <p:set>
+                                      <p:cBhvr>
+                                        <p:cTn id="43" dur="1" fill="hold">
+                                          <p:stCondLst>
+                                            <p:cond delay="499"/>
+                                          </p:stCondLst>
+                                        </p:cTn>
+                                        <p:tgtEl>
+                                          <p:spTgt spid="18"/>
                                         </p:tgtEl>
                                         <p:attrNameLst>
                                           <p:attrName>style.visibility</p:attrName>
@@ -22373,20 +22108,485 @@
                           </p:cTn>
                         </p:par>
                         <p:par>
-                          <p:cTn id="43" fill="hold">
+                          <p:cTn id="44" fill="hold">
+                            <p:stCondLst>
+                              <p:cond delay="2500"/>
+                            </p:stCondLst>
+                            <p:childTnLst>
+                              <p:par>
+                                <p:cTn id="45" presetID="2" presetClass="exit" presetSubtype="8" fill="hold" grpId="0" nodeType="afterEffect">
+                                  <p:stCondLst>
+                                    <p:cond delay="0"/>
+                                  </p:stCondLst>
+                                  <p:childTnLst>
+                                    <p:anim calcmode="lin" valueType="num">
+                                      <p:cBhvr additive="base">
+                                        <p:cTn id="46" dur="500"/>
+                                        <p:tgtEl>
+                                          <p:spTgt spid="35"/>
+                                        </p:tgtEl>
+                                        <p:attrNameLst>
+                                          <p:attrName>ppt_x</p:attrName>
+                                        </p:attrNameLst>
+                                      </p:cBhvr>
+                                      <p:tavLst>
+                                        <p:tav tm="0">
+                                          <p:val>
+                                            <p:strVal val="ppt_x"/>
+                                          </p:val>
+                                        </p:tav>
+                                        <p:tav tm="100000">
+                                          <p:val>
+                                            <p:strVal val="0-ppt_w/2"/>
+                                          </p:val>
+                                        </p:tav>
+                                      </p:tavLst>
+                                    </p:anim>
+                                    <p:anim calcmode="lin" valueType="num">
+                                      <p:cBhvr additive="base">
+                                        <p:cTn id="47" dur="500"/>
+                                        <p:tgtEl>
+                                          <p:spTgt spid="35"/>
+                                        </p:tgtEl>
+                                        <p:attrNameLst>
+                                          <p:attrName>ppt_y</p:attrName>
+                                        </p:attrNameLst>
+                                      </p:cBhvr>
+                                      <p:tavLst>
+                                        <p:tav tm="0">
+                                          <p:val>
+                                            <p:strVal val="ppt_y"/>
+                                          </p:val>
+                                        </p:tav>
+                                        <p:tav tm="100000">
+                                          <p:val>
+                                            <p:strVal val="ppt_y"/>
+                                          </p:val>
+                                        </p:tav>
+                                      </p:tavLst>
+                                    </p:anim>
+                                    <p:set>
+                                      <p:cBhvr>
+                                        <p:cTn id="48" dur="1" fill="hold">
+                                          <p:stCondLst>
+                                            <p:cond delay="499"/>
+                                          </p:stCondLst>
+                                        </p:cTn>
+                                        <p:tgtEl>
+                                          <p:spTgt spid="35"/>
+                                        </p:tgtEl>
+                                        <p:attrNameLst>
+                                          <p:attrName>style.visibility</p:attrName>
+                                        </p:attrNameLst>
+                                      </p:cBhvr>
+                                      <p:to>
+                                        <p:strVal val="hidden"/>
+                                      </p:to>
+                                    </p:set>
+                                  </p:childTnLst>
+                                </p:cTn>
+                              </p:par>
+                              <p:par>
+                                <p:cTn id="49" presetID="2" presetClass="exit" presetSubtype="8" fill="hold" grpId="0" nodeType="withEffect">
+                                  <p:stCondLst>
+                                    <p:cond delay="0"/>
+                                  </p:stCondLst>
+                                  <p:childTnLst>
+                                    <p:anim calcmode="lin" valueType="num">
+                                      <p:cBhvr additive="base">
+                                        <p:cTn id="50" dur="500"/>
+                                        <p:tgtEl>
+                                          <p:spTgt spid="19"/>
+                                        </p:tgtEl>
+                                        <p:attrNameLst>
+                                          <p:attrName>ppt_x</p:attrName>
+                                        </p:attrNameLst>
+                                      </p:cBhvr>
+                                      <p:tavLst>
+                                        <p:tav tm="0">
+                                          <p:val>
+                                            <p:strVal val="ppt_x"/>
+                                          </p:val>
+                                        </p:tav>
+                                        <p:tav tm="100000">
+                                          <p:val>
+                                            <p:strVal val="0-ppt_w/2"/>
+                                          </p:val>
+                                        </p:tav>
+                                      </p:tavLst>
+                                    </p:anim>
+                                    <p:anim calcmode="lin" valueType="num">
+                                      <p:cBhvr additive="base">
+                                        <p:cTn id="51" dur="500"/>
+                                        <p:tgtEl>
+                                          <p:spTgt spid="19"/>
+                                        </p:tgtEl>
+                                        <p:attrNameLst>
+                                          <p:attrName>ppt_y</p:attrName>
+                                        </p:attrNameLst>
+                                      </p:cBhvr>
+                                      <p:tavLst>
+                                        <p:tav tm="0">
+                                          <p:val>
+                                            <p:strVal val="ppt_y"/>
+                                          </p:val>
+                                        </p:tav>
+                                        <p:tav tm="100000">
+                                          <p:val>
+                                            <p:strVal val="ppt_y"/>
+                                          </p:val>
+                                        </p:tav>
+                                      </p:tavLst>
+                                    </p:anim>
+                                    <p:set>
+                                      <p:cBhvr>
+                                        <p:cTn id="52" dur="1" fill="hold">
+                                          <p:stCondLst>
+                                            <p:cond delay="499"/>
+                                          </p:stCondLst>
+                                        </p:cTn>
+                                        <p:tgtEl>
+                                          <p:spTgt spid="19"/>
+                                        </p:tgtEl>
+                                        <p:attrNameLst>
+                                          <p:attrName>style.visibility</p:attrName>
+                                        </p:attrNameLst>
+                                      </p:cBhvr>
+                                      <p:to>
+                                        <p:strVal val="hidden"/>
+                                      </p:to>
+                                    </p:set>
+                                  </p:childTnLst>
+                                </p:cTn>
+                              </p:par>
+                            </p:childTnLst>
+                          </p:cTn>
+                        </p:par>
+                        <p:par>
+                          <p:cTn id="53" fill="hold">
+                            <p:stCondLst>
+                              <p:cond delay="3000"/>
+                            </p:stCondLst>
+                            <p:childTnLst>
+                              <p:par>
+                                <p:cTn id="54" presetID="2" presetClass="exit" presetSubtype="8" fill="hold" grpId="0" nodeType="afterEffect">
+                                  <p:stCondLst>
+                                    <p:cond delay="0"/>
+                                  </p:stCondLst>
+                                  <p:childTnLst>
+                                    <p:anim calcmode="lin" valueType="num">
+                                      <p:cBhvr additive="base">
+                                        <p:cTn id="55" dur="500"/>
+                                        <p:tgtEl>
+                                          <p:spTgt spid="36"/>
+                                        </p:tgtEl>
+                                        <p:attrNameLst>
+                                          <p:attrName>ppt_x</p:attrName>
+                                        </p:attrNameLst>
+                                      </p:cBhvr>
+                                      <p:tavLst>
+                                        <p:tav tm="0">
+                                          <p:val>
+                                            <p:strVal val="ppt_x"/>
+                                          </p:val>
+                                        </p:tav>
+                                        <p:tav tm="100000">
+                                          <p:val>
+                                            <p:strVal val="0-ppt_w/2"/>
+                                          </p:val>
+                                        </p:tav>
+                                      </p:tavLst>
+                                    </p:anim>
+                                    <p:anim calcmode="lin" valueType="num">
+                                      <p:cBhvr additive="base">
+                                        <p:cTn id="56" dur="500"/>
+                                        <p:tgtEl>
+                                          <p:spTgt spid="36"/>
+                                        </p:tgtEl>
+                                        <p:attrNameLst>
+                                          <p:attrName>ppt_y</p:attrName>
+                                        </p:attrNameLst>
+                                      </p:cBhvr>
+                                      <p:tavLst>
+                                        <p:tav tm="0">
+                                          <p:val>
+                                            <p:strVal val="ppt_y"/>
+                                          </p:val>
+                                        </p:tav>
+                                        <p:tav tm="100000">
+                                          <p:val>
+                                            <p:strVal val="ppt_y"/>
+                                          </p:val>
+                                        </p:tav>
+                                      </p:tavLst>
+                                    </p:anim>
+                                    <p:set>
+                                      <p:cBhvr>
+                                        <p:cTn id="57" dur="1" fill="hold">
+                                          <p:stCondLst>
+                                            <p:cond delay="499"/>
+                                          </p:stCondLst>
+                                        </p:cTn>
+                                        <p:tgtEl>
+                                          <p:spTgt spid="36"/>
+                                        </p:tgtEl>
+                                        <p:attrNameLst>
+                                          <p:attrName>style.visibility</p:attrName>
+                                        </p:attrNameLst>
+                                      </p:cBhvr>
+                                      <p:to>
+                                        <p:strVal val="hidden"/>
+                                      </p:to>
+                                    </p:set>
+                                  </p:childTnLst>
+                                </p:cTn>
+                              </p:par>
+                              <p:par>
+                                <p:cTn id="58" presetID="2" presetClass="exit" presetSubtype="8" fill="hold" grpId="0" nodeType="withEffect">
+                                  <p:stCondLst>
+                                    <p:cond delay="0"/>
+                                  </p:stCondLst>
+                                  <p:childTnLst>
+                                    <p:anim calcmode="lin" valueType="num">
+                                      <p:cBhvr additive="base">
+                                        <p:cTn id="59" dur="500"/>
+                                        <p:tgtEl>
+                                          <p:spTgt spid="20"/>
+                                        </p:tgtEl>
+                                        <p:attrNameLst>
+                                          <p:attrName>ppt_x</p:attrName>
+                                        </p:attrNameLst>
+                                      </p:cBhvr>
+                                      <p:tavLst>
+                                        <p:tav tm="0">
+                                          <p:val>
+                                            <p:strVal val="ppt_x"/>
+                                          </p:val>
+                                        </p:tav>
+                                        <p:tav tm="100000">
+                                          <p:val>
+                                            <p:strVal val="0-ppt_w/2"/>
+                                          </p:val>
+                                        </p:tav>
+                                      </p:tavLst>
+                                    </p:anim>
+                                    <p:anim calcmode="lin" valueType="num">
+                                      <p:cBhvr additive="base">
+                                        <p:cTn id="60" dur="500"/>
+                                        <p:tgtEl>
+                                          <p:spTgt spid="20"/>
+                                        </p:tgtEl>
+                                        <p:attrNameLst>
+                                          <p:attrName>ppt_y</p:attrName>
+                                        </p:attrNameLst>
+                                      </p:cBhvr>
+                                      <p:tavLst>
+                                        <p:tav tm="0">
+                                          <p:val>
+                                            <p:strVal val="ppt_y"/>
+                                          </p:val>
+                                        </p:tav>
+                                        <p:tav tm="100000">
+                                          <p:val>
+                                            <p:strVal val="ppt_y"/>
+                                          </p:val>
+                                        </p:tav>
+                                      </p:tavLst>
+                                    </p:anim>
+                                    <p:set>
+                                      <p:cBhvr>
+                                        <p:cTn id="61" dur="1" fill="hold">
+                                          <p:stCondLst>
+                                            <p:cond delay="499"/>
+                                          </p:stCondLst>
+                                        </p:cTn>
+                                        <p:tgtEl>
+                                          <p:spTgt spid="20"/>
+                                        </p:tgtEl>
+                                        <p:attrNameLst>
+                                          <p:attrName>style.visibility</p:attrName>
+                                        </p:attrNameLst>
+                                      </p:cBhvr>
+                                      <p:to>
+                                        <p:strVal val="hidden"/>
+                                      </p:to>
+                                    </p:set>
+                                  </p:childTnLst>
+                                </p:cTn>
+                              </p:par>
+                            </p:childTnLst>
+                          </p:cTn>
+                        </p:par>
+                        <p:par>
+                          <p:cTn id="62" fill="hold">
+                            <p:stCondLst>
+                              <p:cond delay="3500"/>
+                            </p:stCondLst>
+                            <p:childTnLst>
+                              <p:par>
+                                <p:cTn id="63" presetID="2" presetClass="exit" presetSubtype="8" fill="hold" grpId="0" nodeType="afterEffect">
+                                  <p:stCondLst>
+                                    <p:cond delay="0"/>
+                                  </p:stCondLst>
+                                  <p:childTnLst>
+                                    <p:anim calcmode="lin" valueType="num">
+                                      <p:cBhvr additive="base">
+                                        <p:cTn id="64" dur="500"/>
+                                        <p:tgtEl>
+                                          <p:spTgt spid="37"/>
+                                        </p:tgtEl>
+                                        <p:attrNameLst>
+                                          <p:attrName>ppt_x</p:attrName>
+                                        </p:attrNameLst>
+                                      </p:cBhvr>
+                                      <p:tavLst>
+                                        <p:tav tm="0">
+                                          <p:val>
+                                            <p:strVal val="ppt_x"/>
+                                          </p:val>
+                                        </p:tav>
+                                        <p:tav tm="100000">
+                                          <p:val>
+                                            <p:strVal val="0-ppt_w/2"/>
+                                          </p:val>
+                                        </p:tav>
+                                      </p:tavLst>
+                                    </p:anim>
+                                    <p:anim calcmode="lin" valueType="num">
+                                      <p:cBhvr additive="base">
+                                        <p:cTn id="65" dur="500"/>
+                                        <p:tgtEl>
+                                          <p:spTgt spid="37"/>
+                                        </p:tgtEl>
+                                        <p:attrNameLst>
+                                          <p:attrName>ppt_y</p:attrName>
+                                        </p:attrNameLst>
+                                      </p:cBhvr>
+                                      <p:tavLst>
+                                        <p:tav tm="0">
+                                          <p:val>
+                                            <p:strVal val="ppt_y"/>
+                                          </p:val>
+                                        </p:tav>
+                                        <p:tav tm="100000">
+                                          <p:val>
+                                            <p:strVal val="ppt_y"/>
+                                          </p:val>
+                                        </p:tav>
+                                      </p:tavLst>
+                                    </p:anim>
+                                    <p:set>
+                                      <p:cBhvr>
+                                        <p:cTn id="66" dur="1" fill="hold">
+                                          <p:stCondLst>
+                                            <p:cond delay="499"/>
+                                          </p:stCondLst>
+                                        </p:cTn>
+                                        <p:tgtEl>
+                                          <p:spTgt spid="37"/>
+                                        </p:tgtEl>
+                                        <p:attrNameLst>
+                                          <p:attrName>style.visibility</p:attrName>
+                                        </p:attrNameLst>
+                                      </p:cBhvr>
+                                      <p:to>
+                                        <p:strVal val="hidden"/>
+                                      </p:to>
+                                    </p:set>
+                                  </p:childTnLst>
+                                </p:cTn>
+                              </p:par>
+                              <p:par>
+                                <p:cTn id="67" presetID="2" presetClass="exit" presetSubtype="8" fill="hold" grpId="0" nodeType="withEffect">
+                                  <p:stCondLst>
+                                    <p:cond delay="0"/>
+                                  </p:stCondLst>
+                                  <p:childTnLst>
+                                    <p:anim calcmode="lin" valueType="num">
+                                      <p:cBhvr additive="base">
+                                        <p:cTn id="68" dur="500"/>
+                                        <p:tgtEl>
+                                          <p:spTgt spid="21"/>
+                                        </p:tgtEl>
+                                        <p:attrNameLst>
+                                          <p:attrName>ppt_x</p:attrName>
+                                        </p:attrNameLst>
+                                      </p:cBhvr>
+                                      <p:tavLst>
+                                        <p:tav tm="0">
+                                          <p:val>
+                                            <p:strVal val="ppt_x"/>
+                                          </p:val>
+                                        </p:tav>
+                                        <p:tav tm="100000">
+                                          <p:val>
+                                            <p:strVal val="0-ppt_w/2"/>
+                                          </p:val>
+                                        </p:tav>
+                                      </p:tavLst>
+                                    </p:anim>
+                                    <p:anim calcmode="lin" valueType="num">
+                                      <p:cBhvr additive="base">
+                                        <p:cTn id="69" dur="500"/>
+                                        <p:tgtEl>
+                                          <p:spTgt spid="21"/>
+                                        </p:tgtEl>
+                                        <p:attrNameLst>
+                                          <p:attrName>ppt_y</p:attrName>
+                                        </p:attrNameLst>
+                                      </p:cBhvr>
+                                      <p:tavLst>
+                                        <p:tav tm="0">
+                                          <p:val>
+                                            <p:strVal val="ppt_y"/>
+                                          </p:val>
+                                        </p:tav>
+                                        <p:tav tm="100000">
+                                          <p:val>
+                                            <p:strVal val="ppt_y"/>
+                                          </p:val>
+                                        </p:tav>
+                                      </p:tavLst>
+                                    </p:anim>
+                                    <p:set>
+                                      <p:cBhvr>
+                                        <p:cTn id="70" dur="1" fill="hold">
+                                          <p:stCondLst>
+                                            <p:cond delay="499"/>
+                                          </p:stCondLst>
+                                        </p:cTn>
+                                        <p:tgtEl>
+                                          <p:spTgt spid="21"/>
+                                        </p:tgtEl>
+                                        <p:attrNameLst>
+                                          <p:attrName>style.visibility</p:attrName>
+                                        </p:attrNameLst>
+                                      </p:cBhvr>
+                                      <p:to>
+                                        <p:strVal val="hidden"/>
+                                      </p:to>
+                                    </p:set>
+                                  </p:childTnLst>
+                                </p:cTn>
+                              </p:par>
+                            </p:childTnLst>
+                          </p:cTn>
+                        </p:par>
+                        <p:par>
+                          <p:cTn id="71" fill="hold">
                             <p:stCondLst>
                               <p:cond delay="4000"/>
                             </p:stCondLst>
                             <p:childTnLst>
                               <p:par>
-                                <p:cTn id="44" presetID="53" presetClass="exit" presetSubtype="32" fill="hold" nodeType="afterEffect">
+                                <p:cTn id="72" presetID="53" presetClass="exit" presetSubtype="32" fill="hold" nodeType="afterEffect">
                                   <p:stCondLst>
                                     <p:cond delay="0"/>
                                   </p:stCondLst>
                                   <p:childTnLst>
                                     <p:anim calcmode="lin" valueType="num">
                                       <p:cBhvr>
-                                        <p:cTn id="45" dur="500"/>
+                                        <p:cTn id="73" dur="500"/>
                                         <p:tgtEl>
                                           <p:spTgt spid="5"/>
                                         </p:tgtEl>
@@ -22409,7 +22609,7 @@
                                     </p:anim>
                                     <p:anim calcmode="lin" valueType="num">
                                       <p:cBhvr>
-                                        <p:cTn id="46" dur="500"/>
+                                        <p:cTn id="74" dur="500"/>
                                         <p:tgtEl>
                                           <p:spTgt spid="5"/>
                                         </p:tgtEl>
@@ -22432,7 +22632,7 @@
                                     </p:anim>
                                     <p:animEffect transition="out" filter="fade">
                                       <p:cBhvr>
-                                        <p:cTn id="47" dur="500"/>
+                                        <p:cTn id="75" dur="500"/>
                                         <p:tgtEl>
                                           <p:spTgt spid="5"/>
                                         </p:tgtEl>
@@ -22440,7 +22640,7 @@
                                     </p:animEffect>
                                     <p:set>
                                       <p:cBhvr>
-                                        <p:cTn id="48" dur="1" fill="hold">
+                                        <p:cTn id="76" dur="1" fill="hold">
                                           <p:stCondLst>
                                             <p:cond delay="499"/>
                                           </p:stCondLst>
@@ -22460,14 +22660,14 @@
                                 </p:cTn>
                               </p:par>
                               <p:par>
-                                <p:cTn id="49" presetID="10" presetClass="exit" presetSubtype="0" fill="hold" grpId="1" nodeType="withEffect">
+                                <p:cTn id="77" presetID="10" presetClass="exit" presetSubtype="0" fill="hold" grpId="1" nodeType="withEffect">
                                   <p:stCondLst>
                                     <p:cond delay="0"/>
                                   </p:stCondLst>
                                   <p:childTnLst>
                                     <p:animEffect transition="out" filter="fade">
                                       <p:cBhvr>
-                                        <p:cTn id="50" dur="500"/>
+                                        <p:cTn id="78" dur="500"/>
                                         <p:tgtEl>
                                           <p:spTgt spid="29"/>
                                         </p:tgtEl>
@@ -22475,7 +22675,7 @@
                                     </p:animEffect>
                                     <p:set>
                                       <p:cBhvr>
-                                        <p:cTn id="51" dur="1" fill="hold">
+                                        <p:cTn id="79" dur="1" fill="hold">
                                           <p:stCondLst>
                                             <p:cond delay="499"/>
                                           </p:stCondLst>
@@ -22498,20 +22698,20 @@
                           </p:cTn>
                         </p:par>
                         <p:par>
-                          <p:cTn id="52" fill="hold">
+                          <p:cTn id="80" fill="hold">
                             <p:stCondLst>
                               <p:cond delay="4500"/>
                             </p:stCondLst>
                             <p:childTnLst>
                               <p:par>
-                                <p:cTn id="53" presetID="10" presetClass="entr" presetSubtype="0" fill="hold" grpId="0" nodeType="afterEffect">
+                                <p:cTn id="81" presetID="10" presetClass="entr" presetSubtype="0" fill="hold" grpId="0" nodeType="afterEffect">
                                   <p:stCondLst>
                                     <p:cond delay="0"/>
                                   </p:stCondLst>
                                   <p:childTnLst>
                                     <p:set>
                                       <p:cBhvr>
-                                        <p:cTn id="54" dur="1" fill="hold">
+                                        <p:cTn id="82" dur="1" fill="hold">
                                           <p:stCondLst>
                                             <p:cond delay="0"/>
                                           </p:stCondLst>
@@ -22529,7 +22729,7 @@
                                     </p:set>
                                     <p:animEffect transition="in" filter="fade">
                                       <p:cBhvr>
-                                        <p:cTn id="55" dur="500"/>
+                                        <p:cTn id="83" dur="500"/>
                                         <p:tgtEl>
                                           <p:spTgt spid="32"/>
                                         </p:tgtEl>
@@ -22566,9 +22766,23 @@
       </p:par>
     </p:tnLst>
     <p:bldLst>
+      <p:bldP spid="15" grpId="0"/>
+      <p:bldP spid="16" grpId="0"/>
+      <p:bldP spid="17" grpId="0"/>
+      <p:bldP spid="18" grpId="0"/>
+      <p:bldP spid="19" grpId="0"/>
+      <p:bldP spid="20" grpId="0"/>
+      <p:bldP spid="21" grpId="0"/>
       <p:bldP spid="29" grpId="0"/>
       <p:bldP spid="29" grpId="1"/>
       <p:bldP spid="32" grpId="0"/>
+      <p:bldP spid="30" grpId="0" animBg="1"/>
+      <p:bldP spid="31" grpId="0" animBg="1"/>
+      <p:bldP spid="33" grpId="0" animBg="1"/>
+      <p:bldP spid="34" grpId="0" animBg="1"/>
+      <p:bldP spid="35" grpId="0" animBg="1"/>
+      <p:bldP spid="36" grpId="0" animBg="1"/>
+      <p:bldP spid="37" grpId="0" animBg="1"/>
     </p:bldLst>
   </p:timing>
 </p:sld>
